--- a/発表用スライド(清水作成版).pptx
+++ b/発表用スライド(清水作成版).pptx
@@ -19,6 +19,9 @@
     <p:sldId id="264" r:id="rId14"/>
     <p:sldId id="265" r:id="rId15"/>
     <p:sldId id="266" r:id="rId16"/>
+    <p:sldId id="267" r:id="rId17"/>
+    <p:sldId id="268" r:id="rId18"/>
+    <p:sldId id="269" r:id="rId19"/>
   </p:sldIdLst>
   <p:sldSz cx="10080625" cy="5670550"/>
   <p:notesSz cx="7559675" cy="10691813"/>
@@ -77,7 +80,7 @@
         <p:spPr>
           <a:xfrm>
             <a:off x="360000" y="2835000"/>
-            <a:ext cx="9358920" cy="717840"/>
+            <a:ext cx="9358560" cy="717480"/>
           </a:xfrm>
           <a:prstGeom prst="rect">
             <a:avLst/>
@@ -204,7 +207,7 @@
         <p:spPr>
           <a:xfrm>
             <a:off x="360000" y="2835000"/>
-            <a:ext cx="9358920" cy="717840"/>
+            <a:ext cx="9358560" cy="717480"/>
           </a:xfrm>
           <a:prstGeom prst="rect">
             <a:avLst/>
@@ -399,7 +402,7 @@
         <p:spPr>
           <a:xfrm>
             <a:off x="360000" y="2835000"/>
-            <a:ext cx="9358920" cy="717840"/>
+            <a:ext cx="9358560" cy="717480"/>
           </a:xfrm>
           <a:prstGeom prst="rect">
             <a:avLst/>
@@ -684,7 +687,7 @@
         <p:spPr>
           <a:xfrm>
             <a:off x="360000" y="2835000"/>
-            <a:ext cx="9358920" cy="717840"/>
+            <a:ext cx="9358560" cy="717480"/>
           </a:xfrm>
           <a:prstGeom prst="rect">
             <a:avLst/>
@@ -780,7 +783,7 @@
         <p:spPr>
           <a:xfrm>
             <a:off x="360000" y="2835000"/>
-            <a:ext cx="9358920" cy="717840"/>
+            <a:ext cx="9358560" cy="717480"/>
           </a:xfrm>
           <a:prstGeom prst="rect">
             <a:avLst/>
@@ -873,7 +876,7 @@
         <p:spPr>
           <a:xfrm>
             <a:off x="360000" y="2835000"/>
-            <a:ext cx="9358920" cy="717840"/>
+            <a:ext cx="9358560" cy="717480"/>
           </a:xfrm>
           <a:prstGeom prst="rect">
             <a:avLst/>
@@ -1000,7 +1003,7 @@
         <p:spPr>
           <a:xfrm>
             <a:off x="360000" y="2835000"/>
-            <a:ext cx="9358920" cy="717840"/>
+            <a:ext cx="9358560" cy="717480"/>
           </a:xfrm>
           <a:prstGeom prst="rect">
             <a:avLst/>
@@ -1059,7 +1062,7 @@
         <p:spPr>
           <a:xfrm>
             <a:off x="360000" y="2835000"/>
-            <a:ext cx="9358920" cy="3328920"/>
+            <a:ext cx="9358560" cy="3327120"/>
           </a:xfrm>
           <a:prstGeom prst="rect">
             <a:avLst/>
@@ -1118,7 +1121,7 @@
         <p:spPr>
           <a:xfrm>
             <a:off x="360000" y="2835000"/>
-            <a:ext cx="9358920" cy="717840"/>
+            <a:ext cx="9358560" cy="717480"/>
           </a:xfrm>
           <a:prstGeom prst="rect">
             <a:avLst/>
@@ -1279,7 +1282,7 @@
         <p:spPr>
           <a:xfrm>
             <a:off x="360000" y="2835000"/>
-            <a:ext cx="9358920" cy="717840"/>
+            <a:ext cx="9358560" cy="717480"/>
           </a:xfrm>
           <a:prstGeom prst="rect">
             <a:avLst/>
@@ -1375,7 +1378,7 @@
         <p:spPr>
           <a:xfrm>
             <a:off x="360000" y="2835000"/>
-            <a:ext cx="9358920" cy="717840"/>
+            <a:ext cx="9358560" cy="717480"/>
           </a:xfrm>
           <a:prstGeom prst="rect">
             <a:avLst/>
@@ -1536,7 +1539,7 @@
         <p:spPr>
           <a:xfrm>
             <a:off x="360000" y="2835000"/>
-            <a:ext cx="9358920" cy="717840"/>
+            <a:ext cx="9358560" cy="717480"/>
           </a:xfrm>
           <a:prstGeom prst="rect">
             <a:avLst/>
@@ -1697,7 +1700,7 @@
         <p:spPr>
           <a:xfrm>
             <a:off x="360000" y="2835000"/>
-            <a:ext cx="9358920" cy="717840"/>
+            <a:ext cx="9358560" cy="717480"/>
           </a:xfrm>
           <a:prstGeom prst="rect">
             <a:avLst/>
@@ -1824,7 +1827,7 @@
         <p:spPr>
           <a:xfrm>
             <a:off x="360000" y="2835000"/>
-            <a:ext cx="9358920" cy="717840"/>
+            <a:ext cx="9358560" cy="717480"/>
           </a:xfrm>
           <a:prstGeom prst="rect">
             <a:avLst/>
@@ -2019,7 +2022,7 @@
         <p:spPr>
           <a:xfrm>
             <a:off x="360000" y="2835000"/>
-            <a:ext cx="9358920" cy="717840"/>
+            <a:ext cx="9358560" cy="717480"/>
           </a:xfrm>
           <a:prstGeom prst="rect">
             <a:avLst/>
@@ -2304,7 +2307,7 @@
         <p:spPr>
           <a:xfrm>
             <a:off x="360000" y="2835000"/>
-            <a:ext cx="9358920" cy="717840"/>
+            <a:ext cx="9358560" cy="717480"/>
           </a:xfrm>
           <a:prstGeom prst="rect">
             <a:avLst/>
@@ -2400,7 +2403,7 @@
         <p:spPr>
           <a:xfrm>
             <a:off x="360000" y="2835000"/>
-            <a:ext cx="9358920" cy="717840"/>
+            <a:ext cx="9358560" cy="717480"/>
           </a:xfrm>
           <a:prstGeom prst="rect">
             <a:avLst/>
@@ -2493,7 +2496,7 @@
         <p:spPr>
           <a:xfrm>
             <a:off x="360000" y="2835000"/>
-            <a:ext cx="9358920" cy="717840"/>
+            <a:ext cx="9358560" cy="717480"/>
           </a:xfrm>
           <a:prstGeom prst="rect">
             <a:avLst/>
@@ -2620,7 +2623,7 @@
         <p:spPr>
           <a:xfrm>
             <a:off x="360000" y="2835000"/>
-            <a:ext cx="9358920" cy="717840"/>
+            <a:ext cx="9358560" cy="717480"/>
           </a:xfrm>
           <a:prstGeom prst="rect">
             <a:avLst/>
@@ -2679,7 +2682,7 @@
         <p:spPr>
           <a:xfrm>
             <a:off x="360000" y="2835000"/>
-            <a:ext cx="9358920" cy="717840"/>
+            <a:ext cx="9358560" cy="717480"/>
           </a:xfrm>
           <a:prstGeom prst="rect">
             <a:avLst/>
@@ -2772,7 +2775,7 @@
         <p:spPr>
           <a:xfrm>
             <a:off x="360000" y="2835000"/>
-            <a:ext cx="9358920" cy="3328920"/>
+            <a:ext cx="9358560" cy="3327120"/>
           </a:xfrm>
           <a:prstGeom prst="rect">
             <a:avLst/>
@@ -2831,7 +2834,7 @@
         <p:spPr>
           <a:xfrm>
             <a:off x="360000" y="2835000"/>
-            <a:ext cx="9358920" cy="717840"/>
+            <a:ext cx="9358560" cy="717480"/>
           </a:xfrm>
           <a:prstGeom prst="rect">
             <a:avLst/>
@@ -2992,7 +2995,7 @@
         <p:spPr>
           <a:xfrm>
             <a:off x="360000" y="2835000"/>
-            <a:ext cx="9358920" cy="717840"/>
+            <a:ext cx="9358560" cy="717480"/>
           </a:xfrm>
           <a:prstGeom prst="rect">
             <a:avLst/>
@@ -3153,7 +3156,7 @@
         <p:spPr>
           <a:xfrm>
             <a:off x="360000" y="2835000"/>
-            <a:ext cx="9358920" cy="717840"/>
+            <a:ext cx="9358560" cy="717480"/>
           </a:xfrm>
           <a:prstGeom prst="rect">
             <a:avLst/>
@@ -3314,7 +3317,7 @@
         <p:spPr>
           <a:xfrm>
             <a:off x="360000" y="2835000"/>
-            <a:ext cx="9358920" cy="717840"/>
+            <a:ext cx="9358560" cy="717480"/>
           </a:xfrm>
           <a:prstGeom prst="rect">
             <a:avLst/>
@@ -3441,7 +3444,7 @@
         <p:spPr>
           <a:xfrm>
             <a:off x="360000" y="2835000"/>
-            <a:ext cx="9358920" cy="717840"/>
+            <a:ext cx="9358560" cy="717480"/>
           </a:xfrm>
           <a:prstGeom prst="rect">
             <a:avLst/>
@@ -3636,7 +3639,7 @@
         <p:spPr>
           <a:xfrm>
             <a:off x="360000" y="2835000"/>
-            <a:ext cx="9358920" cy="717840"/>
+            <a:ext cx="9358560" cy="717480"/>
           </a:xfrm>
           <a:prstGeom prst="rect">
             <a:avLst/>
@@ -3921,7 +3924,7 @@
         <p:spPr>
           <a:xfrm>
             <a:off x="360000" y="2835000"/>
-            <a:ext cx="9358920" cy="717840"/>
+            <a:ext cx="9358560" cy="717480"/>
           </a:xfrm>
           <a:prstGeom prst="rect">
             <a:avLst/>
@@ -4017,7 +4020,7 @@
         <p:spPr>
           <a:xfrm>
             <a:off x="360000" y="2835000"/>
-            <a:ext cx="9358920" cy="717840"/>
+            <a:ext cx="9358560" cy="717480"/>
           </a:xfrm>
           <a:prstGeom prst="rect">
             <a:avLst/>
@@ -4110,7 +4113,7 @@
         <p:spPr>
           <a:xfrm>
             <a:off x="360000" y="2835000"/>
-            <a:ext cx="9358920" cy="717840"/>
+            <a:ext cx="9358560" cy="717480"/>
           </a:xfrm>
           <a:prstGeom prst="rect">
             <a:avLst/>
@@ -4237,7 +4240,7 @@
         <p:spPr>
           <a:xfrm>
             <a:off x="360000" y="2835000"/>
-            <a:ext cx="9358920" cy="717840"/>
+            <a:ext cx="9358560" cy="717480"/>
           </a:xfrm>
           <a:prstGeom prst="rect">
             <a:avLst/>
@@ -4364,7 +4367,7 @@
         <p:spPr>
           <a:xfrm>
             <a:off x="360000" y="2835000"/>
-            <a:ext cx="9358920" cy="717840"/>
+            <a:ext cx="9358560" cy="717480"/>
           </a:xfrm>
           <a:prstGeom prst="rect">
             <a:avLst/>
@@ -4423,7 +4426,7 @@
         <p:spPr>
           <a:xfrm>
             <a:off x="360000" y="2835000"/>
-            <a:ext cx="9358920" cy="3328920"/>
+            <a:ext cx="9358560" cy="3327120"/>
           </a:xfrm>
           <a:prstGeom prst="rect">
             <a:avLst/>
@@ -4482,7 +4485,7 @@
         <p:spPr>
           <a:xfrm>
             <a:off x="360000" y="2835000"/>
-            <a:ext cx="9358920" cy="717840"/>
+            <a:ext cx="9358560" cy="717480"/>
           </a:xfrm>
           <a:prstGeom prst="rect">
             <a:avLst/>
@@ -4643,7 +4646,7 @@
         <p:spPr>
           <a:xfrm>
             <a:off x="360000" y="2835000"/>
-            <a:ext cx="9358920" cy="717840"/>
+            <a:ext cx="9358560" cy="717480"/>
           </a:xfrm>
           <a:prstGeom prst="rect">
             <a:avLst/>
@@ -4804,7 +4807,7 @@
         <p:spPr>
           <a:xfrm>
             <a:off x="360000" y="2835000"/>
-            <a:ext cx="9358920" cy="717840"/>
+            <a:ext cx="9358560" cy="717480"/>
           </a:xfrm>
           <a:prstGeom prst="rect">
             <a:avLst/>
@@ -4965,7 +4968,7 @@
         <p:spPr>
           <a:xfrm>
             <a:off x="360000" y="2835000"/>
-            <a:ext cx="9358920" cy="717840"/>
+            <a:ext cx="9358560" cy="717480"/>
           </a:xfrm>
           <a:prstGeom prst="rect">
             <a:avLst/>
@@ -5092,7 +5095,7 @@
         <p:spPr>
           <a:xfrm>
             <a:off x="360000" y="2835000"/>
-            <a:ext cx="9358920" cy="717840"/>
+            <a:ext cx="9358560" cy="717480"/>
           </a:xfrm>
           <a:prstGeom prst="rect">
             <a:avLst/>
@@ -5287,7 +5290,7 @@
         <p:spPr>
           <a:xfrm>
             <a:off x="360000" y="2835000"/>
-            <a:ext cx="9358920" cy="717840"/>
+            <a:ext cx="9358560" cy="717480"/>
           </a:xfrm>
           <a:prstGeom prst="rect">
             <a:avLst/>
@@ -5550,7 +5553,7 @@
         <p:spPr>
           <a:xfrm>
             <a:off x="360000" y="2835000"/>
-            <a:ext cx="9358920" cy="717840"/>
+            <a:ext cx="9358560" cy="717480"/>
           </a:xfrm>
           <a:prstGeom prst="rect">
             <a:avLst/>
@@ -5609,7 +5612,7 @@
         <p:spPr>
           <a:xfrm>
             <a:off x="360000" y="2835000"/>
-            <a:ext cx="9358920" cy="3328920"/>
+            <a:ext cx="9358560" cy="3327120"/>
           </a:xfrm>
           <a:prstGeom prst="rect">
             <a:avLst/>
@@ -5668,7 +5671,7 @@
         <p:spPr>
           <a:xfrm>
             <a:off x="360000" y="2835000"/>
-            <a:ext cx="9358920" cy="717840"/>
+            <a:ext cx="9358560" cy="717480"/>
           </a:xfrm>
           <a:prstGeom prst="rect">
             <a:avLst/>
@@ -5829,7 +5832,7 @@
         <p:spPr>
           <a:xfrm>
             <a:off x="360000" y="2835000"/>
-            <a:ext cx="9358920" cy="717840"/>
+            <a:ext cx="9358560" cy="717480"/>
           </a:xfrm>
           <a:prstGeom prst="rect">
             <a:avLst/>
@@ -5990,7 +5993,7 @@
         <p:spPr>
           <a:xfrm>
             <a:off x="360000" y="2835000"/>
-            <a:ext cx="9358920" cy="717840"/>
+            <a:ext cx="9358560" cy="717480"/>
           </a:xfrm>
           <a:prstGeom prst="rect">
             <a:avLst/>
@@ -6147,7 +6150,7 @@
         <p:spPr>
           <a:xfrm>
             <a:off x="0" y="0"/>
-            <a:ext cx="10078920" cy="5668920"/>
+            <a:ext cx="10078560" cy="5668560"/>
           </a:xfrm>
           <a:prstGeom prst="rect">
             <a:avLst/>
@@ -6175,7 +6178,7 @@
         <p:spPr>
           <a:xfrm>
             <a:off x="0" y="0"/>
-            <a:ext cx="10078920" cy="3778920"/>
+            <a:ext cx="10078560" cy="3778560"/>
           </a:xfrm>
           <a:prstGeom prst="rect">
             <a:avLst/>
@@ -6505,7 +6508,7 @@
         <p:spPr>
           <a:xfrm>
             <a:off x="0" y="5400000"/>
-            <a:ext cx="10078920" cy="268920"/>
+            <a:ext cx="10078560" cy="268560"/>
           </a:xfrm>
           <a:prstGeom prst="rect">
             <a:avLst/>
@@ -6533,7 +6536,7 @@
         <p:spPr>
           <a:xfrm>
             <a:off x="0" y="0"/>
-            <a:ext cx="10078920" cy="1213920"/>
+            <a:ext cx="10078560" cy="1213560"/>
           </a:xfrm>
           <a:prstGeom prst="rect">
             <a:avLst/>
@@ -6561,7 +6564,7 @@
         <p:spPr>
           <a:xfrm>
             <a:off x="9315000" y="5175000"/>
-            <a:ext cx="448920" cy="448920"/>
+            <a:ext cx="448560" cy="448560"/>
           </a:xfrm>
           <a:prstGeom prst="ellipse">
             <a:avLst/>
@@ -6592,7 +6595,7 @@
         <p:spPr>
           <a:xfrm>
             <a:off x="9180000" y="5130000"/>
-            <a:ext cx="718920" cy="538920"/>
+            <a:ext cx="718560" cy="538560"/>
           </a:xfrm>
           <a:prstGeom prst="rect">
             <a:avLst/>
@@ -6619,7 +6622,7 @@
               </a:lnSpc>
               <a:buNone/>
             </a:pPr>
-            <a:fld id="{D9A93049-0333-4EFC-BDE7-F11588B61ACA}" type="slidenum">
+            <a:fld id="{A1C3EA3A-C8A8-4546-85A0-4685572ABE87}" type="slidenum">
               <a:rPr b="1" lang="en-US" sz="1800" spc="-1" strike="noStrike">
                 <a:solidFill>
                   <a:srgbClr val="ffffff"/>
@@ -6627,7 +6630,7 @@
                 <a:latin typeface="Source Sans Pro Black"/>
                 <a:ea typeface="DejaVu Sans"/>
               </a:rPr>
-              <a:t>10</a:t>
+              <a:t>&lt;番号&gt;</a:t>
             </a:fld>
             <a:endParaRPr b="0" lang="en-US" sz="1800" spc="-1" strike="noStrike">
               <a:latin typeface="Arial"/>
@@ -6943,7 +6946,7 @@
         <p:spPr>
           <a:xfrm>
             <a:off x="0" y="5400000"/>
-            <a:ext cx="10078920" cy="268920"/>
+            <a:ext cx="10078560" cy="268560"/>
           </a:xfrm>
           <a:prstGeom prst="rect">
             <a:avLst/>
@@ -6971,7 +6974,7 @@
         <p:spPr>
           <a:xfrm>
             <a:off x="0" y="0"/>
-            <a:ext cx="10078920" cy="1213920"/>
+            <a:ext cx="10078560" cy="1213560"/>
           </a:xfrm>
           <a:prstGeom prst="rect">
             <a:avLst/>
@@ -6999,7 +7002,7 @@
         <p:spPr>
           <a:xfrm>
             <a:off x="9315000" y="5175000"/>
-            <a:ext cx="448920" cy="448920"/>
+            <a:ext cx="448560" cy="448560"/>
           </a:xfrm>
           <a:prstGeom prst="ellipse">
             <a:avLst/>
@@ -7030,7 +7033,7 @@
         <p:spPr>
           <a:xfrm>
             <a:off x="9180000" y="5130000"/>
-            <a:ext cx="718920" cy="538920"/>
+            <a:ext cx="718560" cy="538560"/>
           </a:xfrm>
           <a:prstGeom prst="rect">
             <a:avLst/>
@@ -7057,7 +7060,7 @@
               </a:lnSpc>
               <a:buNone/>
             </a:pPr>
-            <a:fld id="{25B64C4E-4B50-4BF7-A602-85B4805042BF}" type="slidenum">
+            <a:fld id="{422E0A81-DBB4-47F1-9109-5823D2B14EF4}" type="slidenum">
               <a:rPr b="1" lang="en-US" sz="1800" spc="-1" strike="noStrike">
                 <a:solidFill>
                   <a:srgbClr val="ffffff"/>
@@ -7065,7 +7068,7 @@
                 <a:latin typeface="Source Sans Pro Black"/>
                 <a:ea typeface="DejaVu Sans"/>
               </a:rPr>
-              <a:t>10</a:t>
+              <a:t>&lt;番号&gt;</a:t>
             </a:fld>
             <a:endParaRPr b="0" lang="en-US" sz="1800" spc="-1" strike="noStrike">
               <a:latin typeface="Arial"/>
@@ -7381,7 +7384,7 @@
         <p:spPr>
           <a:xfrm>
             <a:off x="0" y="0"/>
-            <a:ext cx="10078920" cy="5668920"/>
+            <a:ext cx="10078560" cy="5668560"/>
           </a:xfrm>
           <a:prstGeom prst="rect">
             <a:avLst/>
@@ -7409,7 +7412,7 @@
         <p:spPr>
           <a:xfrm>
             <a:off x="0" y="0"/>
-            <a:ext cx="10078920" cy="3778920"/>
+            <a:ext cx="10078560" cy="3778560"/>
           </a:xfrm>
           <a:prstGeom prst="rect">
             <a:avLst/>
@@ -7444,7 +7447,7 @@
         <p:spPr>
           <a:xfrm>
             <a:off x="360000" y="2835000"/>
-            <a:ext cx="9358920" cy="717840"/>
+            <a:ext cx="9358560" cy="717480"/>
           </a:xfrm>
           <a:prstGeom prst="rect">
             <a:avLst/>
@@ -7747,7 +7750,7 @@
         <p:spPr>
           <a:xfrm>
             <a:off x="360000" y="900000"/>
-            <a:ext cx="9358920" cy="2652840"/>
+            <a:ext cx="9358560" cy="2652480"/>
           </a:xfrm>
           <a:prstGeom prst="rect">
             <a:avLst/>
@@ -7796,7 +7799,7 @@
         <p:spPr>
           <a:xfrm>
             <a:off x="360000" y="3915000"/>
-            <a:ext cx="9358920" cy="1483920"/>
+            <a:ext cx="9358560" cy="1483560"/>
           </a:xfrm>
           <a:prstGeom prst="rect">
             <a:avLst/>
@@ -7879,7 +7882,7 @@
       </p:grpSpPr>
       <p:sp>
         <p:nvSpPr>
-          <p:cNvPr id="183" name="PlaceHolder 1"/>
+          <p:cNvPr id="190" name="PlaceHolder 1"/>
           <p:cNvSpPr>
             <a:spLocks noGrp="1"/>
           </p:cNvSpPr>
@@ -7890,7 +7893,7 @@
         <p:spPr>
           <a:xfrm>
             <a:off x="360000" y="225720"/>
-            <a:ext cx="9358920" cy="717840"/>
+            <a:ext cx="9358560" cy="717480"/>
           </a:xfrm>
           <a:prstGeom prst="rect">
             <a:avLst/>
@@ -7926,7 +7929,7 @@
                 </a:solidFill>
                 <a:latin typeface="Source Sans Pro Black"/>
               </a:rPr>
-              <a:t>8 </a:t>
+              <a:t>6 </a:t>
             </a:r>
             <a:r>
               <a:rPr b="1" lang="ja-JP" sz="2700" spc="-1" strike="noStrike">
@@ -7935,7 +7938,7 @@
                 </a:solidFill>
                 <a:latin typeface="Source Sans Pro Black"/>
               </a:rPr>
-              <a:t>学んだ点、よくできた、成長した点</a:t>
+              <a:t>苦労した点</a:t>
             </a:r>
             <a:endParaRPr b="0" lang="en-US" sz="2700" spc="-1" strike="noStrike">
               <a:latin typeface="Arial"/>
@@ -7945,7 +7948,7 @@
       </p:sp>
       <p:sp>
         <p:nvSpPr>
-          <p:cNvPr id="184" name="PlaceHolder 2"/>
+          <p:cNvPr id="191" name="PlaceHolder 2"/>
           <p:cNvSpPr>
             <a:spLocks noGrp="1"/>
           </p:cNvSpPr>
@@ -7955,8 +7958,8 @@
         </p:nvSpPr>
         <p:spPr>
           <a:xfrm>
-            <a:off x="360360" y="1981080"/>
-            <a:ext cx="9358920" cy="3778920"/>
+            <a:off x="360000" y="1621440"/>
+            <a:ext cx="9358560" cy="3778560"/>
           </a:xfrm>
           <a:prstGeom prst="rect">
             <a:avLst/>
@@ -7971,69 +7974,129 @@
             <a:noAutofit/>
           </a:bodyPr>
           <a:p>
-            <a:pPr marL="360000">
+            <a:pPr marL="216000" indent="-216000">
               <a:lnSpc>
-                <a:spcPct val="200000"/>
+                <a:spcPct val="115000"/>
               </a:lnSpc>
+              <a:spcAft>
+                <a:spcPts val="850"/>
+              </a:spcAft>
               <a:buClr>
                 <a:srgbClr val="000000"/>
               </a:buClr>
-              <a:buFont typeface="StarSymbol"/>
-              <a:buAutoNum type="arabicPeriod"/>
-            </a:pPr>
-            <a:r>
-              <a:rPr b="0" lang="ja-JP" sz="2000" spc="-1" strike="noStrike">
-                <a:latin typeface="Arial"/>
-              </a:rPr>
-              <a:t>学んだ点・・・チームワークの大切さ、チーム内でのコミュニケーション</a:t>
-            </a:r>
-            <a:endParaRPr b="0" lang="en-US" sz="2000" spc="-1" strike="noStrike">
-              <a:latin typeface="Arial"/>
-              <a:ea typeface="游ゴシック"/>
-            </a:endParaRPr>
-          </a:p>
-          <a:p>
-            <a:pPr marL="360000">
+              <a:buFont typeface="Symbol"/>
+              <a:buChar char=""/>
+            </a:pPr>
+            <a:r>
+              <a:rPr b="0" lang="en-US" sz="2000" spc="-1" strike="noStrike">
+                <a:latin typeface="Arial"/>
+              </a:rPr>
+              <a:t> </a:t>
+            </a:r>
+            <a:r>
+              <a:rPr b="0" lang="ja-JP" sz="2400" spc="-1" strike="noStrike">
+                <a:latin typeface="Arial"/>
+              </a:rPr>
+              <a:t>要件定義、設計に時間をかけすぎてコーディングに入るのが</a:t>
+            </a:r>
+            <a:endParaRPr b="0" lang="en-US" sz="2400" spc="-1" strike="noStrike">
+              <a:latin typeface="Arial"/>
+            </a:endParaRPr>
+          </a:p>
+          <a:p>
+            <a:pPr marL="216000" indent="-216000">
               <a:lnSpc>
-                <a:spcPct val="200000"/>
+                <a:spcPct val="115000"/>
               </a:lnSpc>
+              <a:spcAft>
+                <a:spcPts val="283"/>
+              </a:spcAft>
               <a:buClr>
                 <a:srgbClr val="000000"/>
               </a:buClr>
-              <a:buFont typeface="StarSymbol"/>
-              <a:buAutoNum type="arabicPeriod"/>
-            </a:pPr>
-            <a:r>
-              <a:rPr b="0" lang="ja-JP" sz="2000" spc="-1" strike="noStrike">
-                <a:latin typeface="Arial"/>
-              </a:rPr>
-              <a:t>よくできた点・・・機能要件ないの最低限の機能を実装することが出来た。</a:t>
-            </a:r>
-            <a:endParaRPr b="0" lang="en-US" sz="2000" spc="-1" strike="noStrike">
-              <a:latin typeface="Arial"/>
-              <a:ea typeface="游ゴシック"/>
-            </a:endParaRPr>
-          </a:p>
-          <a:p>
-            <a:pPr marL="360000">
+              <a:buFont typeface="Symbol"/>
+              <a:buChar char=""/>
+            </a:pPr>
+            <a:r>
+              <a:rPr b="0" lang="ja-JP" sz="2400" spc="-1" strike="noStrike">
+                <a:latin typeface="Arial"/>
+              </a:rPr>
+              <a:t>遅くなり、全体的に作業時間がきつくなった。</a:t>
+            </a:r>
+            <a:endParaRPr b="0" lang="en-US" sz="2400" spc="-1" strike="noStrike">
+              <a:latin typeface="Arial"/>
+            </a:endParaRPr>
+          </a:p>
+          <a:p>
+            <a:pPr marL="216000" indent="-216000">
               <a:lnSpc>
-                <a:spcPct val="200000"/>
+                <a:spcPct val="115000"/>
               </a:lnSpc>
+              <a:spcAft>
+                <a:spcPts val="283"/>
+              </a:spcAft>
               <a:buClr>
                 <a:srgbClr val="000000"/>
               </a:buClr>
-              <a:buFont typeface="StarSymbol"/>
-              <a:buAutoNum type="arabicPeriod"/>
-            </a:pPr>
-            <a:r>
-              <a:rPr b="0" lang="ja-JP" sz="2000" spc="-1" strike="noStrike">
-                <a:latin typeface="Arial"/>
-              </a:rPr>
-              <a:t>成長した点・・・ホウ・レン・ソウをより意識するようになった。</a:t>
-            </a:r>
-            <a:endParaRPr b="0" lang="en-US" sz="2000" spc="-1" strike="noStrike">
-              <a:latin typeface="Arial"/>
-              <a:ea typeface="游ゴシック"/>
+              <a:buFont typeface="Symbol"/>
+              <a:buChar char=""/>
+            </a:pPr>
+            <a:endParaRPr b="0" lang="en-US" sz="2400" spc="-1" strike="noStrike">
+              <a:latin typeface="Arial"/>
+            </a:endParaRPr>
+          </a:p>
+          <a:p>
+            <a:pPr marL="216000" indent="-216000">
+              <a:lnSpc>
+                <a:spcPct val="115000"/>
+              </a:lnSpc>
+              <a:spcAft>
+                <a:spcPts val="850"/>
+              </a:spcAft>
+              <a:buClr>
+                <a:srgbClr val="000000"/>
+              </a:buClr>
+              <a:buFont typeface="Symbol"/>
+              <a:buChar char=""/>
+            </a:pPr>
+            <a:r>
+              <a:rPr b="0" lang="ja-JP" sz="2400" spc="-1" strike="noStrike">
+                <a:latin typeface="Arial"/>
+              </a:rPr>
+              <a:t>作成した資料を基にプログラム作っていたが途中で資料にない</a:t>
+            </a:r>
+            <a:endParaRPr b="0" lang="en-US" sz="2400" spc="-1" strike="noStrike">
+              <a:latin typeface="Arial"/>
+            </a:endParaRPr>
+          </a:p>
+          <a:p>
+            <a:pPr marL="216000" indent="-216000">
+              <a:lnSpc>
+                <a:spcPct val="115000"/>
+              </a:lnSpc>
+              <a:spcAft>
+                <a:spcPts val="283"/>
+              </a:spcAft>
+              <a:buClr>
+                <a:srgbClr val="000000"/>
+              </a:buClr>
+              <a:buFont typeface="Symbol"/>
+              <a:buChar char=""/>
+            </a:pPr>
+            <a:r>
+              <a:rPr b="0" lang="en-US" sz="2400" spc="-1" strike="noStrike">
+                <a:latin typeface="Arial"/>
+              </a:rPr>
+              <a:t> </a:t>
+            </a:r>
+            <a:r>
+              <a:rPr b="0" lang="ja-JP" sz="2400" spc="-1" strike="noStrike">
+                <a:latin typeface="Arial"/>
+              </a:rPr>
+              <a:t>変更が出てきてスムーズにプログラム作成が進まなかった。</a:t>
+            </a:r>
+            <a:endParaRPr b="0" lang="en-US" sz="2400" spc="-1" strike="noStrike">
+              <a:latin typeface="Arial"/>
             </a:endParaRPr>
           </a:p>
         </p:txBody>
@@ -8054,6 +8117,21 @@
 <file path=ppt/slides/slide11.xml><?xml version="1.0" encoding="utf-8"?>
 <p:sld xmlns:a="http://schemas.openxmlformats.org/drawingml/2006/main" xmlns:p="http://schemas.openxmlformats.org/presentationml/2006/main" xmlns:r="http://schemas.openxmlformats.org/officeDocument/2006/relationships" xmlns:p14="http://schemas.microsoft.com/office/powerpoint/2010/main" xmlns:p15="http://schemas.microsoft.com/office/powerpoint/2012/main" xmlns:mc="http://schemas.openxmlformats.org/markup-compatibility/2006">
   <p:cSld>
+    <p:bg>
+      <p:bgPr>
+        <a:gradFill rotWithShape="0">
+          <a:gsLst>
+            <a:gs pos="0">
+              <a:srgbClr val="ffde59"/>
+            </a:gs>
+            <a:gs pos="100000">
+              <a:srgbClr val="b4c7dc"/>
+            </a:gs>
+          </a:gsLst>
+          <a:lin ang="5400000"/>
+        </a:gradFill>
+      </p:bgPr>
+    </p:bg>
     <p:spTree>
       <p:nvGrpSpPr>
         <p:cNvPr id="1" name=""/>
@@ -8070,7 +8148,7 @@
       </p:grpSpPr>
       <p:sp>
         <p:nvSpPr>
-          <p:cNvPr id="185" name="PlaceHolder 1"/>
+          <p:cNvPr id="192" name="PlaceHolder 1"/>
           <p:cNvSpPr>
             <a:spLocks noGrp="1"/>
           </p:cNvSpPr>
@@ -8080,8 +8158,870 @@
         </p:nvSpPr>
         <p:spPr>
           <a:xfrm>
+            <a:off x="360000" y="225720"/>
+            <a:ext cx="9358560" cy="717480"/>
+          </a:xfrm>
+          <a:prstGeom prst="rect">
+            <a:avLst/>
+          </a:prstGeom>
+          <a:noFill/>
+          <a:ln w="0">
+            <a:noFill/>
+          </a:ln>
+        </p:spPr>
+        <p:txBody>
+          <a:bodyPr lIns="0" rIns="0" tIns="0" bIns="0" anchor="ctr" anchorCtr="1">
+            <a:noAutofit/>
+          </a:bodyPr>
+          <a:p>
+            <a:pPr marL="432000" indent="-324000">
+              <a:lnSpc>
+                <a:spcPct val="100000"/>
+              </a:lnSpc>
+              <a:spcAft>
+                <a:spcPts val="1057"/>
+              </a:spcAft>
+              <a:buClr>
+                <a:srgbClr val="2c3e50"/>
+              </a:buClr>
+              <a:buSzPct val="90000"/>
+              <a:buFont typeface="StarSymbol"/>
+              <a:buAutoNum type="arabicPlain"/>
+            </a:pPr>
+            <a:r>
+              <a:rPr b="1" lang="en-US" sz="2700" spc="-1" strike="noStrike">
+                <a:solidFill>
+                  <a:srgbClr val="ffffff"/>
+                </a:solidFill>
+                <a:latin typeface="Source Sans Pro Black"/>
+              </a:rPr>
+              <a:t>6 </a:t>
+            </a:r>
+            <a:r>
+              <a:rPr b="1" lang="ja-JP" sz="2700" spc="-1" strike="noStrike">
+                <a:solidFill>
+                  <a:srgbClr val="ffffff"/>
+                </a:solidFill>
+                <a:latin typeface="Source Sans Pro Black"/>
+              </a:rPr>
+              <a:t>苦労した点</a:t>
+            </a:r>
+            <a:endParaRPr b="0" lang="en-US" sz="2700" spc="-1" strike="noStrike">
+              <a:latin typeface="Arial"/>
+            </a:endParaRPr>
+          </a:p>
+        </p:txBody>
+      </p:sp>
+      <p:sp>
+        <p:nvSpPr>
+          <p:cNvPr id="193" name="PlaceHolder 2"/>
+          <p:cNvSpPr>
+            <a:spLocks noGrp="1"/>
+          </p:cNvSpPr>
+          <p:nvPr>
+            <p:ph type="subTitle"/>
+          </p:nvPr>
+        </p:nvSpPr>
+        <p:spPr>
+          <a:xfrm>
+            <a:off x="360000" y="1261440"/>
+            <a:ext cx="9358560" cy="3778560"/>
+          </a:xfrm>
+          <a:prstGeom prst="rect">
+            <a:avLst/>
+          </a:prstGeom>
+          <a:noFill/>
+          <a:ln w="0">
+            <a:noFill/>
+          </a:ln>
+        </p:spPr>
+        <p:txBody>
+          <a:bodyPr lIns="0" rIns="0" tIns="0" bIns="0" anchor="t">
+            <a:noAutofit/>
+          </a:bodyPr>
+          <a:p>
+            <a:pPr marL="216000" indent="-216000">
+              <a:lnSpc>
+                <a:spcPct val="115000"/>
+              </a:lnSpc>
+              <a:spcAft>
+                <a:spcPts val="283"/>
+              </a:spcAft>
+              <a:buClr>
+                <a:srgbClr val="000000"/>
+              </a:buClr>
+              <a:buFont typeface="Symbol"/>
+              <a:buChar char=""/>
+            </a:pPr>
+            <a:endParaRPr b="0" lang="en-US" sz="3200" spc="-1" strike="noStrike">
+              <a:latin typeface="Arial"/>
+            </a:endParaRPr>
+          </a:p>
+          <a:p>
+            <a:pPr marL="216000" indent="-216000">
+              <a:lnSpc>
+                <a:spcPct val="115000"/>
+              </a:lnSpc>
+              <a:spcAft>
+                <a:spcPts val="850"/>
+              </a:spcAft>
+              <a:buClr>
+                <a:srgbClr val="000000"/>
+              </a:buClr>
+              <a:buFont typeface="Symbol"/>
+              <a:buChar char=""/>
+            </a:pPr>
+            <a:r>
+              <a:rPr b="0" lang="en-US" sz="2400" spc="-1" strike="noStrike">
+                <a:latin typeface="Arial"/>
+              </a:rPr>
+              <a:t> </a:t>
+            </a:r>
+            <a:r>
+              <a:rPr b="0" lang="en-US" sz="2400" spc="-1" strike="noStrike">
+                <a:latin typeface="Arial"/>
+              </a:rPr>
+              <a:t>git</a:t>
+            </a:r>
+            <a:r>
+              <a:rPr b="0" lang="ja-JP" sz="2400" spc="-1" strike="noStrike">
+                <a:latin typeface="Arial"/>
+              </a:rPr>
+              <a:t>の使い方に慣れるのが遅く、ファイルのデータ共有をする</a:t>
+            </a:r>
+            <a:endParaRPr b="0" lang="en-US" sz="2400" spc="-1" strike="noStrike">
+              <a:latin typeface="Arial"/>
+            </a:endParaRPr>
+          </a:p>
+          <a:p>
+            <a:pPr marL="216000" indent="-216000">
+              <a:lnSpc>
+                <a:spcPct val="115000"/>
+              </a:lnSpc>
+              <a:spcAft>
+                <a:spcPts val="283"/>
+              </a:spcAft>
+              <a:buClr>
+                <a:srgbClr val="000000"/>
+              </a:buClr>
+              <a:buFont typeface="Symbol"/>
+              <a:buChar char=""/>
+            </a:pPr>
+            <a:r>
+              <a:rPr b="0" lang="ja-JP" sz="2400" spc="-1" strike="noStrike">
+                <a:latin typeface="Arial"/>
+              </a:rPr>
+              <a:t>ときに作成したデータが消えてしまうことがあった。</a:t>
+            </a:r>
+            <a:endParaRPr b="0" lang="en-US" sz="2400" spc="-1" strike="noStrike">
+              <a:latin typeface="Arial"/>
+            </a:endParaRPr>
+          </a:p>
+          <a:p>
+            <a:pPr marL="216000" indent="-216000">
+              <a:lnSpc>
+                <a:spcPct val="115000"/>
+              </a:lnSpc>
+              <a:spcAft>
+                <a:spcPts val="1417"/>
+              </a:spcAft>
+              <a:buClr>
+                <a:srgbClr val="000000"/>
+              </a:buClr>
+              <a:buFont typeface="Symbol"/>
+              <a:buChar char=""/>
+            </a:pPr>
+            <a:endParaRPr b="0" lang="en-US" sz="2400" spc="-1" strike="noStrike">
+              <a:latin typeface="Arial"/>
+            </a:endParaRPr>
+          </a:p>
+          <a:p>
+            <a:pPr marL="216000" indent="-216000">
+              <a:lnSpc>
+                <a:spcPct val="115000"/>
+              </a:lnSpc>
+              <a:spcAft>
+                <a:spcPts val="850"/>
+              </a:spcAft>
+              <a:buClr>
+                <a:srgbClr val="000000"/>
+              </a:buClr>
+              <a:buFont typeface="Symbol"/>
+              <a:buChar char=""/>
+            </a:pPr>
+            <a:r>
+              <a:rPr b="0" lang="en-US" sz="2400" spc="-1" strike="noStrike">
+                <a:latin typeface="Arial"/>
+              </a:rPr>
+              <a:t> </a:t>
+            </a:r>
+            <a:r>
+              <a:rPr b="0" lang="ja-JP" sz="2400" spc="-1" strike="noStrike">
+                <a:latin typeface="Arial"/>
+              </a:rPr>
+              <a:t>班員それぞれが作成したファイルを合わせたときにデータの</a:t>
+            </a:r>
+            <a:endParaRPr b="0" lang="en-US" sz="2400" spc="-1" strike="noStrike">
+              <a:latin typeface="Arial"/>
+            </a:endParaRPr>
+          </a:p>
+          <a:p>
+            <a:pPr marL="216000" indent="-216000">
+              <a:lnSpc>
+                <a:spcPct val="115000"/>
+              </a:lnSpc>
+              <a:spcAft>
+                <a:spcPts val="283"/>
+              </a:spcAft>
+              <a:buClr>
+                <a:srgbClr val="000000"/>
+              </a:buClr>
+              <a:buFont typeface="Symbol"/>
+              <a:buChar char=""/>
+            </a:pPr>
+            <a:r>
+              <a:rPr b="0" lang="en-US" sz="2400" spc="-1" strike="noStrike">
+                <a:latin typeface="Arial"/>
+              </a:rPr>
+              <a:t> </a:t>
+            </a:r>
+            <a:r>
+              <a:rPr b="0" lang="ja-JP" sz="2400" spc="-1" strike="noStrike">
+                <a:latin typeface="Arial"/>
+              </a:rPr>
+              <a:t>違いがありプログラムの遷移がうまくいかないことがあった。</a:t>
+            </a:r>
+            <a:endParaRPr b="0" lang="en-US" sz="2400" spc="-1" strike="noStrike">
+              <a:latin typeface="Arial"/>
+            </a:endParaRPr>
+          </a:p>
+          <a:p>
+            <a:pPr>
+              <a:lnSpc>
+                <a:spcPct val="115000"/>
+              </a:lnSpc>
+              <a:buNone/>
+            </a:pPr>
+            <a:endParaRPr b="0" lang="en-US" sz="2400" spc="-1" strike="noStrike">
+              <a:latin typeface="Arial"/>
+            </a:endParaRPr>
+          </a:p>
+        </p:txBody>
+      </p:sp>
+    </p:spTree>
+  </p:cSld>
+  <mc:AlternateContent>
+    <mc:Choice Requires="p14">
+      <p:transition spd="slow" p14:dur="2000"/>
+    </mc:Choice>
+    <mc:Fallback>
+      <p:transition spd="slow"/>
+    </mc:Fallback>
+  </mc:AlternateContent>
+</p:sld>
+</file>
+
+<file path=ppt/slides/slide12.xml><?xml version="1.0" encoding="utf-8"?>
+<p:sld xmlns:a="http://schemas.openxmlformats.org/drawingml/2006/main" xmlns:p="http://schemas.openxmlformats.org/presentationml/2006/main" xmlns:r="http://schemas.openxmlformats.org/officeDocument/2006/relationships" xmlns:p14="http://schemas.microsoft.com/office/powerpoint/2010/main" xmlns:p15="http://schemas.microsoft.com/office/powerpoint/2012/main" xmlns:mc="http://schemas.openxmlformats.org/markup-compatibility/2006">
+  <p:cSld>
+    <p:bg>
+      <p:bgPr>
+        <a:gradFill rotWithShape="0">
+          <a:gsLst>
+            <a:gs pos="0">
+              <a:srgbClr val="ffde59"/>
+            </a:gs>
+            <a:gs pos="100000">
+              <a:srgbClr val="b4c7dc"/>
+            </a:gs>
+          </a:gsLst>
+          <a:lin ang="5400000"/>
+        </a:gradFill>
+      </p:bgPr>
+    </p:bg>
+    <p:spTree>
+      <p:nvGrpSpPr>
+        <p:cNvPr id="1" name=""/>
+        <p:cNvGrpSpPr/>
+        <p:nvPr/>
+      </p:nvGrpSpPr>
+      <p:grpSpPr>
+        <a:xfrm>
+          <a:off x="0" y="0"/>
+          <a:ext cx="0" cy="0"/>
+          <a:chOff x="0" y="0"/>
+          <a:chExt cx="0" cy="0"/>
+        </a:xfrm>
+      </p:grpSpPr>
+      <p:sp>
+        <p:nvSpPr>
+          <p:cNvPr id="194" name="PlaceHolder 1"/>
+          <p:cNvSpPr>
+            <a:spLocks noGrp="1"/>
+          </p:cNvSpPr>
+          <p:nvPr>
+            <p:ph type="title"/>
+          </p:nvPr>
+        </p:nvSpPr>
+        <p:spPr>
+          <a:xfrm>
+            <a:off x="360000" y="225720"/>
+            <a:ext cx="9358560" cy="717480"/>
+          </a:xfrm>
+          <a:prstGeom prst="rect">
+            <a:avLst/>
+          </a:prstGeom>
+          <a:noFill/>
+          <a:ln w="0">
+            <a:noFill/>
+          </a:ln>
+        </p:spPr>
+        <p:txBody>
+          <a:bodyPr lIns="0" rIns="0" tIns="0" bIns="0" anchor="ctr" anchorCtr="1">
+            <a:noAutofit/>
+          </a:bodyPr>
+          <a:p>
+            <a:pPr marL="432000" indent="-324000">
+              <a:lnSpc>
+                <a:spcPct val="100000"/>
+              </a:lnSpc>
+              <a:spcAft>
+                <a:spcPts val="1057"/>
+              </a:spcAft>
+              <a:buClr>
+                <a:srgbClr val="2c3e50"/>
+              </a:buClr>
+              <a:buSzPct val="90000"/>
+              <a:buFont typeface="StarSymbol"/>
+              <a:buAutoNum type="arabicPlain"/>
+            </a:pPr>
+            <a:r>
+              <a:rPr b="1" lang="en-US" sz="2700" spc="-1" strike="noStrike">
+                <a:solidFill>
+                  <a:srgbClr val="ffffff"/>
+                </a:solidFill>
+                <a:latin typeface="Source Sans Pro Black"/>
+              </a:rPr>
+              <a:t>7 </a:t>
+            </a:r>
+            <a:r>
+              <a:rPr b="1" lang="ja-JP" sz="2700" spc="-1" strike="noStrike">
+                <a:solidFill>
+                  <a:srgbClr val="ffffff"/>
+                </a:solidFill>
+                <a:latin typeface="Source Sans Pro Black"/>
+              </a:rPr>
+              <a:t>今後の課題</a:t>
+            </a:r>
+            <a:endParaRPr b="0" lang="en-US" sz="2700" spc="-1" strike="noStrike">
+              <a:latin typeface="Arial"/>
+            </a:endParaRPr>
+          </a:p>
+        </p:txBody>
+      </p:sp>
+      <p:sp>
+        <p:nvSpPr>
+          <p:cNvPr id="195" name="PlaceHolder 2"/>
+          <p:cNvSpPr>
+            <a:spLocks noGrp="1"/>
+          </p:cNvSpPr>
+          <p:nvPr>
+            <p:ph type="subTitle"/>
+          </p:nvPr>
+        </p:nvSpPr>
+        <p:spPr>
+          <a:xfrm>
+            <a:off x="360000" y="1485000"/>
+            <a:ext cx="9358560" cy="3778560"/>
+          </a:xfrm>
+          <a:prstGeom prst="rect">
+            <a:avLst/>
+          </a:prstGeom>
+          <a:noFill/>
+          <a:ln w="0">
+            <a:noFill/>
+          </a:ln>
+        </p:spPr>
+        <p:txBody>
+          <a:bodyPr lIns="0" rIns="0" tIns="0" bIns="0" anchor="t">
+            <a:noAutofit/>
+          </a:bodyPr>
+          <a:p>
+            <a:pPr>
+              <a:lnSpc>
+                <a:spcPct val="100000"/>
+              </a:lnSpc>
+              <a:buNone/>
+            </a:pPr>
+            <a:r>
+              <a:rPr b="0" lang="ja-JP" sz="2800" spc="-1" strike="noStrike">
+                <a:latin typeface="Arial"/>
+              </a:rPr>
+              <a:t>・チームメンバー間の情報共有を適宜行い、</a:t>
+            </a:r>
+            <a:endParaRPr b="0" lang="en-US" sz="2800" spc="-1" strike="noStrike">
+              <a:latin typeface="Arial"/>
+            </a:endParaRPr>
+          </a:p>
+          <a:p>
+            <a:pPr>
+              <a:lnSpc>
+                <a:spcPct val="100000"/>
+              </a:lnSpc>
+              <a:buNone/>
+            </a:pPr>
+            <a:r>
+              <a:rPr b="0" lang="en-US" sz="2800" spc="-1" strike="noStrike">
+                <a:latin typeface="Arial"/>
+              </a:rPr>
+              <a:t>   </a:t>
+            </a:r>
+            <a:r>
+              <a:rPr b="0" lang="ja-JP" sz="2800" spc="-1" strike="noStrike">
+                <a:latin typeface="Arial"/>
+              </a:rPr>
+              <a:t>メンバー内で一人しか知らない変更内容などをなくす。</a:t>
+            </a:r>
+            <a:endParaRPr b="0" lang="en-US" sz="2800" spc="-1" strike="noStrike">
+              <a:latin typeface="Arial"/>
+            </a:endParaRPr>
+          </a:p>
+          <a:p>
+            <a:pPr algn="ctr">
+              <a:lnSpc>
+                <a:spcPct val="100000"/>
+              </a:lnSpc>
+              <a:buNone/>
+            </a:pPr>
+            <a:r>
+              <a:rPr b="0" lang="en-US" sz="2800" spc="-1" strike="noStrike">
+                <a:latin typeface="Arial"/>
+              </a:rPr>
+              <a:t>↓</a:t>
+            </a:r>
+            <a:endParaRPr b="0" lang="en-US" sz="2800" spc="-1" strike="noStrike">
+              <a:latin typeface="Arial"/>
+            </a:endParaRPr>
+          </a:p>
+          <a:p>
+            <a:pPr algn="ctr">
+              <a:lnSpc>
+                <a:spcPct val="100000"/>
+              </a:lnSpc>
+              <a:spcAft>
+                <a:spcPts val="2835"/>
+              </a:spcAft>
+              <a:buNone/>
+            </a:pPr>
+            <a:r>
+              <a:rPr b="1" lang="ja-JP" sz="2800" spc="-1" strike="noStrike" u="heavy">
+                <a:uFillTx/>
+                <a:latin typeface="Arial"/>
+              </a:rPr>
+              <a:t>コミュニケーションエラーをなくす</a:t>
+            </a:r>
+            <a:endParaRPr b="0" lang="en-US" sz="2800" spc="-1" strike="noStrike">
+              <a:latin typeface="Arial"/>
+            </a:endParaRPr>
+          </a:p>
+          <a:p>
+            <a:pPr>
+              <a:lnSpc>
+                <a:spcPct val="100000"/>
+              </a:lnSpc>
+              <a:spcAft>
+                <a:spcPts val="1417"/>
+              </a:spcAft>
+              <a:buNone/>
+            </a:pPr>
+            <a:r>
+              <a:rPr b="0" lang="ja-JP" sz="2800" spc="-1" strike="noStrike">
+                <a:latin typeface="Arial"/>
+              </a:rPr>
+              <a:t>・</a:t>
+            </a:r>
+            <a:r>
+              <a:rPr b="0" lang="en-US" sz="2800" spc="-1" strike="noStrike">
+                <a:latin typeface="Arial"/>
+              </a:rPr>
+              <a:t>Java</a:t>
+            </a:r>
+            <a:r>
+              <a:rPr b="0" lang="ja-JP" sz="2800" spc="-1" strike="noStrike">
+                <a:latin typeface="Arial"/>
+              </a:rPr>
+              <a:t>のコーディングに慣れる</a:t>
+            </a:r>
+            <a:endParaRPr b="0" lang="en-US" sz="2800" spc="-1" strike="noStrike">
+              <a:latin typeface="Arial"/>
+            </a:endParaRPr>
+          </a:p>
+          <a:p>
+            <a:pPr>
+              <a:lnSpc>
+                <a:spcPct val="100000"/>
+              </a:lnSpc>
+              <a:buNone/>
+            </a:pPr>
+            <a:r>
+              <a:rPr b="0" lang="ja-JP" sz="2800" spc="-1" strike="noStrike">
+                <a:latin typeface="Arial"/>
+              </a:rPr>
+              <a:t>・作業ごとの時間の配分を考えて作業を進める。</a:t>
+            </a:r>
+            <a:endParaRPr b="0" lang="en-US" sz="2800" spc="-1" strike="noStrike">
+              <a:latin typeface="Arial"/>
+            </a:endParaRPr>
+          </a:p>
+        </p:txBody>
+      </p:sp>
+    </p:spTree>
+  </p:cSld>
+  <mc:AlternateContent>
+    <mc:Choice Requires="p14">
+      <p:transition spd="slow" p14:dur="2000"/>
+    </mc:Choice>
+    <mc:Fallback>
+      <p:transition spd="slow"/>
+    </mc:Fallback>
+  </mc:AlternateContent>
+</p:sld>
+</file>
+
+<file path=ppt/slides/slide13.xml><?xml version="1.0" encoding="utf-8"?>
+<p:sld xmlns:a="http://schemas.openxmlformats.org/drawingml/2006/main" xmlns:p="http://schemas.openxmlformats.org/presentationml/2006/main" xmlns:r="http://schemas.openxmlformats.org/officeDocument/2006/relationships" xmlns:p14="http://schemas.microsoft.com/office/powerpoint/2010/main" xmlns:p15="http://schemas.microsoft.com/office/powerpoint/2012/main" xmlns:mc="http://schemas.openxmlformats.org/markup-compatibility/2006">
+  <p:cSld>
+    <p:bg>
+      <p:bgPr>
+        <a:gradFill rotWithShape="0">
+          <a:gsLst>
+            <a:gs pos="0">
+              <a:srgbClr val="ffde59"/>
+            </a:gs>
+            <a:gs pos="100000">
+              <a:srgbClr val="b4c7dc"/>
+            </a:gs>
+          </a:gsLst>
+          <a:lin ang="5400000"/>
+        </a:gradFill>
+      </p:bgPr>
+    </p:bg>
+    <p:spTree>
+      <p:nvGrpSpPr>
+        <p:cNvPr id="1" name=""/>
+        <p:cNvGrpSpPr/>
+        <p:nvPr/>
+      </p:nvGrpSpPr>
+      <p:grpSpPr>
+        <a:xfrm>
+          <a:off x="0" y="0"/>
+          <a:ext cx="0" cy="0"/>
+          <a:chOff x="0" y="0"/>
+          <a:chExt cx="0" cy="0"/>
+        </a:xfrm>
+      </p:grpSpPr>
+      <p:sp>
+        <p:nvSpPr>
+          <p:cNvPr id="196" name="PlaceHolder 1"/>
+          <p:cNvSpPr>
+            <a:spLocks noGrp="1"/>
+          </p:cNvSpPr>
+          <p:nvPr>
+            <p:ph type="title"/>
+          </p:nvPr>
+        </p:nvSpPr>
+        <p:spPr>
+          <a:xfrm>
+            <a:off x="360000" y="225720"/>
+            <a:ext cx="9358560" cy="717480"/>
+          </a:xfrm>
+          <a:prstGeom prst="rect">
+            <a:avLst/>
+          </a:prstGeom>
+          <a:noFill/>
+          <a:ln w="0">
+            <a:noFill/>
+          </a:ln>
+        </p:spPr>
+        <p:txBody>
+          <a:bodyPr lIns="0" rIns="0" tIns="0" bIns="0" anchor="ctr" anchorCtr="1">
+            <a:noAutofit/>
+          </a:bodyPr>
+          <a:p>
+            <a:pPr marL="432000" indent="-324000">
+              <a:lnSpc>
+                <a:spcPct val="100000"/>
+              </a:lnSpc>
+              <a:spcAft>
+                <a:spcPts val="1057"/>
+              </a:spcAft>
+              <a:buClr>
+                <a:srgbClr val="2c3e50"/>
+              </a:buClr>
+              <a:buSzPct val="90000"/>
+              <a:buFont typeface="StarSymbol"/>
+              <a:buAutoNum type="arabicPlain"/>
+            </a:pPr>
+            <a:r>
+              <a:rPr b="1" lang="en-US" sz="2700" spc="-1" strike="noStrike">
+                <a:solidFill>
+                  <a:srgbClr val="ffffff"/>
+                </a:solidFill>
+                <a:latin typeface="Source Sans Pro Black"/>
+              </a:rPr>
+              <a:t>8 </a:t>
+            </a:r>
+            <a:r>
+              <a:rPr b="1" lang="ja-JP" sz="2700" spc="-1" strike="noStrike">
+                <a:solidFill>
+                  <a:srgbClr val="ffffff"/>
+                </a:solidFill>
+                <a:latin typeface="Source Sans Pro Black"/>
+              </a:rPr>
+              <a:t>学んだ点、良くできた、成長した点</a:t>
+            </a:r>
+            <a:endParaRPr b="0" lang="en-US" sz="2700" spc="-1" strike="noStrike">
+              <a:latin typeface="Arial"/>
+            </a:endParaRPr>
+          </a:p>
+        </p:txBody>
+      </p:sp>
+      <p:sp>
+        <p:nvSpPr>
+          <p:cNvPr id="197" name="PlaceHolder 2"/>
+          <p:cNvSpPr>
+            <a:spLocks noGrp="1"/>
+          </p:cNvSpPr>
+          <p:nvPr>
+            <p:ph type="subTitle"/>
+          </p:nvPr>
+        </p:nvSpPr>
+        <p:spPr>
+          <a:xfrm>
+            <a:off x="2160" y="1440000"/>
+            <a:ext cx="10078560" cy="3778560"/>
+          </a:xfrm>
+          <a:prstGeom prst="rect">
+            <a:avLst/>
+          </a:prstGeom>
+          <a:noFill/>
+          <a:ln w="0">
+            <a:noFill/>
+          </a:ln>
+        </p:spPr>
+        <p:txBody>
+          <a:bodyPr lIns="0" rIns="0" tIns="0" bIns="0" anchor="t">
+            <a:noAutofit/>
+          </a:bodyPr>
+          <a:p>
+            <a:pPr marL="360000" indent="-216000">
+              <a:lnSpc>
+                <a:spcPct val="100000"/>
+              </a:lnSpc>
+              <a:spcAft>
+                <a:spcPts val="1417"/>
+              </a:spcAft>
+              <a:buClr>
+                <a:srgbClr val="000000"/>
+              </a:buClr>
+              <a:buFont typeface="StarSymbol"/>
+              <a:buAutoNum type="arabicPeriod"/>
+            </a:pPr>
+            <a:r>
+              <a:rPr b="1" lang="ja-JP" sz="2600" spc="-1" strike="noStrike">
+                <a:latin typeface="Arial"/>
+              </a:rPr>
+              <a:t>学んだ点</a:t>
+            </a:r>
+            <a:endParaRPr b="0" lang="en-US" sz="2600" spc="-1" strike="noStrike">
+              <a:latin typeface="Arial"/>
+            </a:endParaRPr>
+          </a:p>
+          <a:p>
+            <a:pPr marL="360000" indent="-216000">
+              <a:lnSpc>
+                <a:spcPct val="100000"/>
+              </a:lnSpc>
+              <a:spcAft>
+                <a:spcPts val="1417"/>
+              </a:spcAft>
+              <a:buClr>
+                <a:srgbClr val="000000"/>
+              </a:buClr>
+              <a:buFont typeface="StarSymbol"/>
+              <a:buAutoNum type="arabicPeriod"/>
+            </a:pPr>
+            <a:r>
+              <a:rPr b="0" lang="ja-JP" sz="2600" spc="-171" strike="noStrike">
+                <a:latin typeface="Arial"/>
+              </a:rPr>
+              <a:t>・・・</a:t>
+            </a:r>
+            <a:r>
+              <a:rPr b="0" lang="ja-JP" sz="2600" spc="-1" strike="noStrike">
+                <a:latin typeface="Arial"/>
+              </a:rPr>
+              <a:t>チームワークの大切さ、チーム内でのコミュニケーション</a:t>
+            </a:r>
+            <a:endParaRPr b="0" lang="en-US" sz="2600" spc="-1" strike="noStrike">
+              <a:latin typeface="Arial"/>
+            </a:endParaRPr>
+          </a:p>
+          <a:p>
+            <a:pPr marL="360000" indent="-216000">
+              <a:lnSpc>
+                <a:spcPct val="100000"/>
+              </a:lnSpc>
+              <a:spcAft>
+                <a:spcPts val="1417"/>
+              </a:spcAft>
+              <a:buClr>
+                <a:srgbClr val="000000"/>
+              </a:buClr>
+              <a:buFont typeface="StarSymbol"/>
+              <a:buAutoNum type="arabicPeriod"/>
+            </a:pPr>
+            <a:r>
+              <a:rPr b="1" lang="ja-JP" sz="2600" spc="-1" strike="noStrike">
+                <a:latin typeface="Arial"/>
+                <a:ea typeface="游ゴシック"/>
+              </a:rPr>
+              <a:t>よくできた点</a:t>
+            </a:r>
+            <a:endParaRPr b="0" lang="en-US" sz="2600" spc="-1" strike="noStrike">
+              <a:latin typeface="Arial"/>
+            </a:endParaRPr>
+          </a:p>
+          <a:p>
+            <a:pPr marL="360000" indent="-216000">
+              <a:lnSpc>
+                <a:spcPct val="100000"/>
+              </a:lnSpc>
+              <a:spcAft>
+                <a:spcPts val="1417"/>
+              </a:spcAft>
+              <a:buClr>
+                <a:srgbClr val="000000"/>
+              </a:buClr>
+              <a:buFont typeface="StarSymbol"/>
+              <a:buAutoNum type="arabicPeriod"/>
+            </a:pPr>
+            <a:r>
+              <a:rPr b="0" lang="ja-JP" sz="2600" spc="-171" strike="noStrike">
+                <a:latin typeface="Arial"/>
+              </a:rPr>
+              <a:t>・・・</a:t>
+            </a:r>
+            <a:r>
+              <a:rPr b="0" lang="ja-JP" sz="2600" spc="-1" strike="noStrike">
+                <a:latin typeface="Arial"/>
+              </a:rPr>
+              <a:t>機能要件ないの最低限の機能を実装することが出来た。</a:t>
+            </a:r>
+            <a:endParaRPr b="0" lang="en-US" sz="2600" spc="-1" strike="noStrike">
+              <a:latin typeface="Arial"/>
+            </a:endParaRPr>
+          </a:p>
+          <a:p>
+            <a:pPr marL="360000" indent="-216000">
+              <a:lnSpc>
+                <a:spcPct val="100000"/>
+              </a:lnSpc>
+              <a:spcAft>
+                <a:spcPts val="1417"/>
+              </a:spcAft>
+              <a:buClr>
+                <a:srgbClr val="000000"/>
+              </a:buClr>
+              <a:buFont typeface="StarSymbol"/>
+              <a:buAutoNum type="arabicPeriod"/>
+            </a:pPr>
+            <a:r>
+              <a:rPr b="1" lang="ja-JP" sz="2600" spc="-1" strike="noStrike">
+                <a:latin typeface="Arial"/>
+              </a:rPr>
+              <a:t>成長した点</a:t>
+            </a:r>
+            <a:endParaRPr b="0" lang="en-US" sz="2600" spc="-1" strike="noStrike">
+              <a:latin typeface="Arial"/>
+            </a:endParaRPr>
+          </a:p>
+          <a:p>
+            <a:pPr marL="360000" indent="-216000">
+              <a:lnSpc>
+                <a:spcPct val="100000"/>
+              </a:lnSpc>
+              <a:spcAft>
+                <a:spcPts val="1417"/>
+              </a:spcAft>
+              <a:buClr>
+                <a:srgbClr val="000000"/>
+              </a:buClr>
+              <a:buFont typeface="StarSymbol"/>
+              <a:buAutoNum type="arabicPeriod"/>
+            </a:pPr>
+            <a:r>
+              <a:rPr b="0" lang="ja-JP" sz="2600" spc="-171" strike="noStrike">
+                <a:latin typeface="Arial"/>
+              </a:rPr>
+              <a:t>・・・</a:t>
+            </a:r>
+            <a:r>
+              <a:rPr b="0" lang="ja-JP" sz="2600" spc="-1" strike="noStrike">
+                <a:latin typeface="Arial"/>
+              </a:rPr>
+              <a:t>ホウ・レン・ソウをより意識するようになった。</a:t>
+            </a:r>
+            <a:endParaRPr b="0" lang="en-US" sz="2600" spc="-1" strike="noStrike">
+              <a:latin typeface="Arial"/>
+            </a:endParaRPr>
+          </a:p>
+        </p:txBody>
+      </p:sp>
+    </p:spTree>
+  </p:cSld>
+  <mc:AlternateContent>
+    <mc:Choice Requires="p14">
+      <p:transition spd="slow" p14:dur="2000"/>
+    </mc:Choice>
+    <mc:Fallback>
+      <p:transition spd="slow"/>
+    </mc:Fallback>
+  </mc:AlternateContent>
+</p:sld>
+</file>
+
+<file path=ppt/slides/slide14.xml><?xml version="1.0" encoding="utf-8"?>
+<p:sld xmlns:a="http://schemas.openxmlformats.org/drawingml/2006/main" xmlns:p="http://schemas.openxmlformats.org/presentationml/2006/main" xmlns:r="http://schemas.openxmlformats.org/officeDocument/2006/relationships" xmlns:p14="http://schemas.microsoft.com/office/powerpoint/2010/main" xmlns:p15="http://schemas.microsoft.com/office/powerpoint/2012/main" xmlns:mc="http://schemas.openxmlformats.org/markup-compatibility/2006">
+  <p:cSld>
+    <p:spTree>
+      <p:nvGrpSpPr>
+        <p:cNvPr id="1" name=""/>
+        <p:cNvGrpSpPr/>
+        <p:nvPr/>
+      </p:nvGrpSpPr>
+      <p:grpSpPr>
+        <a:xfrm>
+          <a:off x="0" y="0"/>
+          <a:ext cx="0" cy="0"/>
+          <a:chOff x="0" y="0"/>
+          <a:chExt cx="0" cy="0"/>
+        </a:xfrm>
+      </p:grpSpPr>
+      <p:sp>
+        <p:nvSpPr>
+          <p:cNvPr id="198" name="PlaceHolder 1"/>
+          <p:cNvSpPr>
+            <a:spLocks noGrp="1"/>
+          </p:cNvSpPr>
+          <p:nvPr>
+            <p:ph type="title"/>
+          </p:nvPr>
+        </p:nvSpPr>
+        <p:spPr>
+          <a:xfrm>
             <a:off x="360000" y="2116080"/>
-            <a:ext cx="9358920" cy="717840"/>
+            <a:ext cx="9358560" cy="717480"/>
           </a:xfrm>
           <a:prstGeom prst="rect">
             <a:avLst/>
@@ -8175,7 +9115,7 @@
         <p:spPr>
           <a:xfrm>
             <a:off x="360000" y="225720"/>
-            <a:ext cx="9358920" cy="718920"/>
+            <a:ext cx="9358560" cy="718560"/>
           </a:xfrm>
           <a:prstGeom prst="rect">
             <a:avLst/>
@@ -8224,7 +9164,7 @@
         <p:spPr>
           <a:xfrm>
             <a:off x="360000" y="1440000"/>
-            <a:ext cx="9358920" cy="3778920"/>
+            <a:ext cx="9358560" cy="3778560"/>
           </a:xfrm>
           <a:prstGeom prst="rect">
             <a:avLst/>
@@ -8594,7 +9534,7 @@
         <p:spPr>
           <a:xfrm>
             <a:off x="360000" y="225720"/>
-            <a:ext cx="9358920" cy="717840"/>
+            <a:ext cx="9358560" cy="717480"/>
           </a:xfrm>
           <a:prstGeom prst="rect">
             <a:avLst/>
@@ -8660,7 +9600,7 @@
         <p:spPr>
           <a:xfrm>
             <a:off x="360000" y="1260000"/>
-            <a:ext cx="9358920" cy="4139640"/>
+            <a:ext cx="9358560" cy="4139280"/>
           </a:xfrm>
           <a:prstGeom prst="rect">
             <a:avLst/>
@@ -8680,7 +9620,7 @@
                 <a:spcPct val="100000"/>
               </a:lnSpc>
               <a:spcAft>
-                <a:spcPts val="850"/>
+                <a:spcPts val="1134"/>
               </a:spcAft>
               <a:buNone/>
             </a:pPr>
@@ -9005,7 +9945,7 @@
         <p:spPr>
           <a:xfrm>
             <a:off x="360000" y="225720"/>
-            <a:ext cx="9358920" cy="717840"/>
+            <a:ext cx="9358560" cy="717480"/>
           </a:xfrm>
           <a:prstGeom prst="rect">
             <a:avLst/>
@@ -9071,7 +10011,7 @@
         <p:spPr>
           <a:xfrm>
             <a:off x="360000" y="1260000"/>
-            <a:ext cx="9358920" cy="3778920"/>
+            <a:ext cx="9358560" cy="3778560"/>
           </a:xfrm>
           <a:prstGeom prst="rect">
             <a:avLst/>
@@ -9388,7 +10328,7 @@
         <p:spPr>
           <a:xfrm>
             <a:off x="360000" y="225720"/>
-            <a:ext cx="9358920" cy="717840"/>
+            <a:ext cx="9358560" cy="717480"/>
           </a:xfrm>
           <a:prstGeom prst="rect">
             <a:avLst/>
@@ -9454,7 +10394,7 @@
         <p:spPr>
           <a:xfrm>
             <a:off x="360000" y="1485000"/>
-            <a:ext cx="9358920" cy="3778920"/>
+            <a:ext cx="9358560" cy="3778560"/>
           </a:xfrm>
           <a:prstGeom prst="rect">
             <a:avLst/>
@@ -9658,13 +10598,7 @@
                 <a:latin typeface="Arial"/>
                 <a:ea typeface="游ゴシック"/>
               </a:rPr>
-              <a:t>２．会員側の機能・・・</a:t>
-            </a:r>
-            <a:r>
-              <a:rPr b="0" lang="ja-JP" sz="2000" spc="-1" strike="noStrike">
-                <a:latin typeface="Arial"/>
-              </a:rPr>
-              <a:t>新規会員登録、システムへのログイン</a:t>
+              <a:t>２．会員側の機能・・・新規会員登録、システムへのログイン</a:t>
             </a:r>
             <a:endParaRPr b="0" lang="en-US" sz="2000" spc="-1" strike="noStrike">
               <a:latin typeface="Arial"/>
@@ -9683,48 +10617,56 @@
             <a:r>
               <a:rPr b="0" lang="en-US" sz="2000" spc="-1" strike="noStrike">
                 <a:latin typeface="Arial"/>
+                <a:ea typeface="游ゴシック"/>
               </a:rPr>
               <a:t>	</a:t>
             </a:r>
             <a:r>
               <a:rPr b="0" lang="en-US" sz="2000" spc="-1" strike="noStrike">
                 <a:latin typeface="Arial"/>
+                <a:ea typeface="游ゴシック"/>
               </a:rPr>
               <a:t>	</a:t>
             </a:r>
             <a:r>
               <a:rPr b="0" lang="en-US" sz="2000" spc="-1" strike="noStrike">
                 <a:latin typeface="Arial"/>
+                <a:ea typeface="游ゴシック"/>
               </a:rPr>
               <a:t>	</a:t>
             </a:r>
             <a:r>
               <a:rPr b="0" lang="en-US" sz="2000" spc="-1" strike="noStrike">
                 <a:latin typeface="Arial"/>
+                <a:ea typeface="游ゴシック"/>
               </a:rPr>
               <a:t>	</a:t>
             </a:r>
             <a:r>
               <a:rPr b="0" lang="en-US" sz="2000" spc="-1" strike="noStrike">
                 <a:latin typeface="Arial"/>
+                <a:ea typeface="游ゴシック"/>
               </a:rPr>
               <a:t>	</a:t>
             </a:r>
             <a:r>
               <a:rPr b="0" lang="en-US" sz="2000" spc="-1" strike="noStrike">
                 <a:latin typeface="Arial"/>
+                <a:ea typeface="游ゴシック"/>
               </a:rPr>
               <a:t>	</a:t>
             </a:r>
             <a:r>
               <a:rPr b="0" lang="en-US" sz="2000" spc="-1" strike="noStrike">
                 <a:latin typeface="Arial"/>
+                <a:ea typeface="游ゴシック"/>
               </a:rPr>
               <a:t> </a:t>
             </a:r>
             <a:r>
               <a:rPr b="0" lang="ja-JP" sz="2000" spc="-1" strike="noStrike">
                 <a:latin typeface="Arial"/>
+                <a:ea typeface="游ゴシック"/>
               </a:rPr>
               <a:t>会員情報の変更、システムからの退会</a:t>
             </a:r>
@@ -9745,48 +10687,56 @@
             <a:r>
               <a:rPr b="0" lang="en-US" sz="2000" spc="-1" strike="noStrike">
                 <a:latin typeface="Arial"/>
+                <a:ea typeface="游ゴシック"/>
               </a:rPr>
               <a:t>	</a:t>
             </a:r>
             <a:r>
               <a:rPr b="0" lang="en-US" sz="2000" spc="-1" strike="noStrike">
                 <a:latin typeface="Arial"/>
+                <a:ea typeface="游ゴシック"/>
               </a:rPr>
               <a:t>	</a:t>
             </a:r>
             <a:r>
               <a:rPr b="0" lang="en-US" sz="2000" spc="-1" strike="noStrike">
                 <a:latin typeface="Arial"/>
+                <a:ea typeface="游ゴシック"/>
               </a:rPr>
               <a:t>	</a:t>
             </a:r>
             <a:r>
               <a:rPr b="0" lang="en-US" sz="2000" spc="-1" strike="noStrike">
                 <a:latin typeface="Arial"/>
+                <a:ea typeface="游ゴシック"/>
               </a:rPr>
               <a:t>	</a:t>
             </a:r>
             <a:r>
               <a:rPr b="0" lang="en-US" sz="2000" spc="-1" strike="noStrike">
                 <a:latin typeface="Arial"/>
+                <a:ea typeface="游ゴシック"/>
               </a:rPr>
               <a:t>	</a:t>
             </a:r>
             <a:r>
               <a:rPr b="0" lang="en-US" sz="2000" spc="-1" strike="noStrike">
                 <a:latin typeface="Arial"/>
+                <a:ea typeface="游ゴシック"/>
               </a:rPr>
               <a:t>	</a:t>
             </a:r>
             <a:r>
               <a:rPr b="0" lang="en-US" sz="2000" spc="-1" strike="noStrike">
                 <a:latin typeface="Arial"/>
+                <a:ea typeface="游ゴシック"/>
               </a:rPr>
               <a:t> </a:t>
             </a:r>
             <a:r>
               <a:rPr b="0" lang="ja-JP" sz="2000" spc="-1" strike="noStrike">
                 <a:latin typeface="Arial"/>
+                <a:ea typeface="游ゴシック"/>
               </a:rPr>
               <a:t>宿の検索、宿の予約</a:t>
             </a:r>
@@ -9807,6 +10757,7 @@
             <a:r>
               <a:rPr b="0" lang="ja-JP" sz="2000" spc="-1" strike="noStrike">
                 <a:latin typeface="Arial"/>
+                <a:ea typeface="游ゴシック"/>
               </a:rPr>
               <a:t>　　　　　　　　　　　予約した宿情報の確認</a:t>
             </a:r>
@@ -9874,7 +10825,7 @@
         <p:spPr>
           <a:xfrm>
             <a:off x="360000" y="225720"/>
-            <a:ext cx="9358920" cy="717840"/>
+            <a:ext cx="9358560" cy="717480"/>
           </a:xfrm>
           <a:prstGeom prst="rect">
             <a:avLst/>
@@ -9940,7 +10891,7 @@
         <p:spPr>
           <a:xfrm>
             <a:off x="252000" y="1377000"/>
-            <a:ext cx="9358920" cy="3778920"/>
+            <a:ext cx="9358560" cy="423000"/>
           </a:xfrm>
           <a:prstGeom prst="rect">
             <a:avLst/>
@@ -9955,18 +10906,42 @@
             <a:noAutofit/>
           </a:bodyPr>
           <a:p>
-            <a:r>
-              <a:rPr b="0" lang="ja-JP" sz="3200" spc="-1" strike="noStrike">
+            <a:pPr>
+              <a:lnSpc>
+                <a:spcPct val="100000"/>
+              </a:lnSpc>
+              <a:spcAft>
+                <a:spcPts val="1134"/>
+              </a:spcAft>
+              <a:buNone/>
+            </a:pPr>
+            <a:r>
+              <a:rPr b="0" lang="ja-JP" sz="2600" spc="-1" strike="noStrike">
                 <a:latin typeface="Arial"/>
               </a:rPr>
               <a:t>・要件定義、設計の資料作成に時間をかけた</a:t>
             </a:r>
-            <a:endParaRPr b="0" lang="en-US" sz="3200" spc="-1" strike="noStrike">
-              <a:latin typeface="Arial"/>
-            </a:endParaRPr>
-          </a:p>
-          <a:p>
-            <a:endParaRPr b="0" lang="en-US" sz="3200" spc="-1" strike="noStrike">
+            <a:endParaRPr b="0" lang="en-US" sz="2600" spc="-1" strike="noStrike">
+              <a:latin typeface="Arial"/>
+            </a:endParaRPr>
+          </a:p>
+          <a:p>
+            <a:pPr>
+              <a:lnSpc>
+                <a:spcPct val="100000"/>
+              </a:lnSpc>
+              <a:spcAft>
+                <a:spcPts val="567"/>
+              </a:spcAft>
+              <a:buNone/>
+            </a:pPr>
+            <a:r>
+              <a:rPr b="0" lang="ja-JP" sz="2600" spc="-1" strike="noStrike">
+                <a:latin typeface="Arial"/>
+              </a:rPr>
+              <a:t>作成した資料</a:t>
+            </a:r>
+            <a:endParaRPr b="0" lang="en-US" sz="2600" spc="-1" strike="noStrike">
               <a:latin typeface="Arial"/>
             </a:endParaRPr>
           </a:p>
@@ -9978,12 +10953,18 @@
               <a:buNone/>
             </a:pPr>
             <a:r>
-              <a:rPr b="0" lang="ja-JP" sz="3200" spc="-1" strike="noStrike">
-                <a:latin typeface="Arial"/>
-              </a:rPr>
-              <a:t>・作成した資料を基にコードを作成した</a:t>
-            </a:r>
-            <a:endParaRPr b="0" lang="en-US" sz="3200" spc="-1" strike="noStrike">
+              <a:rPr b="0" lang="en-US" sz="2600" spc="-1" strike="noStrike">
+                <a:latin typeface="Arial"/>
+              </a:rPr>
+              <a:t>→</a:t>
+            </a:r>
+            <a:r>
+              <a:rPr b="0" lang="ja-JP" sz="2600" spc="-1" strike="noStrike">
+                <a:latin typeface="Arial"/>
+              </a:rPr>
+              <a:t>要件定義書</a:t>
+            </a:r>
+            <a:endParaRPr b="0" lang="en-US" sz="2600" spc="-1" strike="noStrike">
               <a:latin typeface="Arial"/>
             </a:endParaRPr>
           </a:p>
@@ -9994,7 +10975,13 @@
               </a:lnSpc>
               <a:buNone/>
             </a:pPr>
-            <a:endParaRPr b="0" lang="en-US" sz="3200" spc="-1" strike="noStrike">
+            <a:r>
+              <a:rPr b="0" lang="ja-JP" sz="2600" spc="-1" strike="noStrike">
+                <a:latin typeface="Arial"/>
+              </a:rPr>
+              <a:t>　ユースケース図、ユースケース記述</a:t>
+            </a:r>
+            <a:endParaRPr b="0" lang="en-US" sz="2600" spc="-1" strike="noStrike">
               <a:latin typeface="Arial"/>
             </a:endParaRPr>
           </a:p>
@@ -10006,24 +10993,12 @@
               <a:buNone/>
             </a:pPr>
             <a:r>
-              <a:rPr b="0" lang="ja-JP" sz="3200" spc="-1" strike="noStrike">
-                <a:latin typeface="Arial"/>
-              </a:rPr>
-              <a:t>・</a:t>
-            </a:r>
-            <a:r>
-              <a:rPr b="0" lang="en-US" sz="3200" spc="-1" strike="noStrike">
-                <a:latin typeface="Arial"/>
-              </a:rPr>
-              <a:t>CSS</a:t>
-            </a:r>
-            <a:r>
-              <a:rPr b="0" lang="ja-JP" sz="3200" spc="-1" strike="noStrike">
-                <a:latin typeface="Arial"/>
-              </a:rPr>
-              <a:t>でのデザインの実装</a:t>
-            </a:r>
-            <a:endParaRPr b="0" lang="en-US" sz="3200" spc="-1" strike="noStrike">
+              <a:rPr b="0" lang="ja-JP" sz="2600" spc="-1" strike="noStrike">
+                <a:latin typeface="Arial"/>
+              </a:rPr>
+              <a:t>　クラス設計書</a:t>
+            </a:r>
+            <a:endParaRPr b="0" lang="en-US" sz="2600" spc="-1" strike="noStrike">
               <a:latin typeface="Arial"/>
             </a:endParaRPr>
           </a:p>
@@ -10034,7 +11009,13 @@
               </a:lnSpc>
               <a:buNone/>
             </a:pPr>
-            <a:endParaRPr b="0" lang="en-US" sz="3200" spc="-1" strike="noStrike">
+            <a:r>
+              <a:rPr b="0" lang="ja-JP" sz="2600" spc="-1" strike="noStrike">
+                <a:latin typeface="Arial"/>
+              </a:rPr>
+              <a:t>　テーブル設計書</a:t>
+            </a:r>
+            <a:endParaRPr b="0" lang="en-US" sz="2600" spc="-1" strike="noStrike">
               <a:latin typeface="Arial"/>
             </a:endParaRPr>
           </a:p>
@@ -10045,7 +11026,59 @@
               </a:lnSpc>
               <a:buNone/>
             </a:pPr>
-            <a:endParaRPr b="0" lang="en-US" sz="3200" spc="-1" strike="noStrike">
+            <a:r>
+              <a:rPr b="0" lang="ja-JP" sz="2600" spc="-1" strike="noStrike">
+                <a:latin typeface="Arial"/>
+              </a:rPr>
+              <a:t>　画面遷移図（管理者視点、ユーザ視点）</a:t>
+            </a:r>
+            <a:endParaRPr b="0" lang="en-US" sz="2600" spc="-1" strike="noStrike">
+              <a:latin typeface="Arial"/>
+            </a:endParaRPr>
+          </a:p>
+          <a:p>
+            <a:pPr>
+              <a:lnSpc>
+                <a:spcPct val="100000"/>
+              </a:lnSpc>
+              <a:buNone/>
+            </a:pPr>
+            <a:r>
+              <a:rPr b="0" lang="ja-JP" sz="2600" spc="-1" strike="noStrike">
+                <a:latin typeface="Arial"/>
+              </a:rPr>
+              <a:t>　</a:t>
+            </a:r>
+            <a:r>
+              <a:rPr b="0" lang="en-US" sz="2600" spc="-1" strike="noStrike">
+                <a:latin typeface="Arial"/>
+              </a:rPr>
+              <a:t>ER</a:t>
+            </a:r>
+            <a:r>
+              <a:rPr b="0" lang="ja-JP" sz="2600" spc="-1" strike="noStrike">
+                <a:latin typeface="Arial"/>
+              </a:rPr>
+              <a:t>図</a:t>
+            </a:r>
+            <a:endParaRPr b="0" lang="en-US" sz="2600" spc="-1" strike="noStrike">
+              <a:latin typeface="Arial"/>
+            </a:endParaRPr>
+          </a:p>
+          <a:p>
+            <a:pPr>
+              <a:lnSpc>
+                <a:spcPct val="100000"/>
+              </a:lnSpc>
+              <a:buNone/>
+            </a:pPr>
+            <a:r>
+              <a:rPr b="0" lang="ja-JP" sz="2600" spc="-1" strike="noStrike">
+                <a:latin typeface="Arial"/>
+              </a:rPr>
+              <a:t>　画面レイアウト</a:t>
+            </a:r>
+            <a:endParaRPr b="0" lang="en-US" sz="2600" spc="-1" strike="noStrike">
               <a:latin typeface="Arial"/>
             </a:endParaRPr>
           </a:p>
@@ -10109,7 +11142,7 @@
         <p:spPr>
           <a:xfrm>
             <a:off x="360000" y="225720"/>
-            <a:ext cx="9358920" cy="717840"/>
+            <a:ext cx="9358560" cy="717480"/>
           </a:xfrm>
           <a:prstGeom prst="rect">
             <a:avLst/>
@@ -10145,7 +11178,7 @@
                 </a:solidFill>
                 <a:latin typeface="Source Sans Pro Black"/>
               </a:rPr>
-              <a:t>5</a:t>
+              <a:t>4 </a:t>
             </a:r>
             <a:r>
               <a:rPr b="1" lang="ja-JP" sz="2700" spc="-1" strike="noStrike">
@@ -10154,135 +11187,9 @@
                 </a:solidFill>
                 <a:latin typeface="Source Sans Pro Black"/>
               </a:rPr>
-              <a:t>デモ</a:t>
+              <a:t>工夫した点</a:t>
             </a:r>
             <a:endParaRPr b="0" lang="en-US" sz="2700" spc="-1" strike="noStrike">
-              <a:latin typeface="Arial"/>
-            </a:endParaRPr>
-          </a:p>
-        </p:txBody>
-      </p:sp>
-      <p:sp>
-        <p:nvSpPr>
-          <p:cNvPr id="177" name="PlaceHolder 2"/>
-          <p:cNvSpPr>
-            <a:spLocks noGrp="1"/>
-          </p:cNvSpPr>
-          <p:nvPr>
-            <p:ph type="subTitle"/>
-          </p:nvPr>
-        </p:nvSpPr>
-        <p:spPr>
-          <a:xfrm>
-            <a:off x="360000" y="1485000"/>
-            <a:ext cx="9358920" cy="3778920"/>
-          </a:xfrm>
-          <a:prstGeom prst="rect">
-            <a:avLst/>
-          </a:prstGeom>
-          <a:noFill/>
-          <a:ln w="0">
-            <a:noFill/>
-          </a:ln>
-        </p:spPr>
-        <p:txBody>
-          <a:bodyPr lIns="0" rIns="0" tIns="0" bIns="0" anchor="t">
-            <a:noAutofit/>
-          </a:bodyPr>
-          <a:p>
-            <a:pPr algn="ctr">
-              <a:lnSpc>
-                <a:spcPct val="100000"/>
-              </a:lnSpc>
-              <a:buNone/>
-            </a:pPr>
-            <a:r>
-              <a:rPr b="0" lang="ja-JP" sz="3200" spc="-1" strike="noStrike">
-                <a:solidFill>
-                  <a:srgbClr val="2c3e50"/>
-                </a:solidFill>
-                <a:latin typeface="Source Sans Pro"/>
-              </a:rPr>
-              <a:t>画面にご注目ください。</a:t>
-            </a:r>
-            <a:endParaRPr b="0" lang="en-US" sz="3200" spc="-1" strike="noStrike">
-              <a:latin typeface="Arial"/>
-            </a:endParaRPr>
-          </a:p>
-          <a:p>
-            <a:pPr algn="ctr">
-              <a:lnSpc>
-                <a:spcPct val="100000"/>
-              </a:lnSpc>
-              <a:buNone/>
-            </a:pPr>
-            <a:endParaRPr b="0" lang="en-US" sz="3200" spc="-1" strike="noStrike">
-              <a:latin typeface="Arial"/>
-            </a:endParaRPr>
-          </a:p>
-          <a:p>
-            <a:pPr algn="ctr">
-              <a:lnSpc>
-                <a:spcPct val="100000"/>
-              </a:lnSpc>
-              <a:buNone/>
-            </a:pPr>
-            <a:endParaRPr b="0" lang="en-US" sz="3200" spc="-1" strike="noStrike">
-              <a:latin typeface="Arial"/>
-            </a:endParaRPr>
-          </a:p>
-          <a:p>
-            <a:pPr algn="ctr">
-              <a:lnSpc>
-                <a:spcPct val="100000"/>
-              </a:lnSpc>
-              <a:buNone/>
-            </a:pPr>
-            <a:endParaRPr b="0" lang="en-US" sz="3200" spc="-1" strike="noStrike">
-              <a:latin typeface="Arial"/>
-            </a:endParaRPr>
-          </a:p>
-          <a:p>
-            <a:pPr algn="ctr">
-              <a:lnSpc>
-                <a:spcPct val="100000"/>
-              </a:lnSpc>
-              <a:buNone/>
-            </a:pPr>
-            <a:endParaRPr b="0" lang="en-US" sz="3200" spc="-1" strike="noStrike">
-              <a:latin typeface="Arial"/>
-            </a:endParaRPr>
-          </a:p>
-          <a:p>
-            <a:pPr algn="ctr">
-              <a:lnSpc>
-                <a:spcPct val="100000"/>
-              </a:lnSpc>
-              <a:buNone/>
-            </a:pPr>
-            <a:endParaRPr b="0" lang="en-US" sz="3200" spc="-1" strike="noStrike">
-              <a:latin typeface="Arial"/>
-            </a:endParaRPr>
-          </a:p>
-          <a:p>
-            <a:pPr algn="ctr">
-              <a:lnSpc>
-                <a:spcPct val="100000"/>
-              </a:lnSpc>
-              <a:buNone/>
-            </a:pPr>
-            <a:endParaRPr b="0" lang="en-US" sz="3200" spc="-1" strike="noStrike">
-              <a:latin typeface="Arial"/>
-            </a:endParaRPr>
-          </a:p>
-          <a:p>
-            <a:pPr algn="ctr">
-              <a:lnSpc>
-                <a:spcPct val="100000"/>
-              </a:lnSpc>
-              <a:buNone/>
-            </a:pPr>
-            <a:endParaRPr b="0" lang="en-US" sz="3200" spc="-1" strike="noStrike">
               <a:latin typeface="Arial"/>
             </a:endParaRPr>
           </a:p>
@@ -10290,7 +11197,7 @@
       </p:sp>
       <p:pic>
         <p:nvPicPr>
-          <p:cNvPr id="178" name="" descr=""/>
+          <p:cNvPr id="177" name="" descr=""/>
           <p:cNvPicPr/>
           <p:nvPr/>
         </p:nvPicPr>
@@ -10300,8 +11207,8 @@
         </p:blipFill>
         <p:spPr>
           <a:xfrm>
-            <a:off x="3060000" y="2160000"/>
-            <a:ext cx="2743200" cy="3330360"/>
+            <a:off x="69840" y="1800000"/>
+            <a:ext cx="3944880" cy="3581640"/>
           </a:xfrm>
           <a:prstGeom prst="rect">
             <a:avLst/>
@@ -10311,6 +11218,101 @@
           </a:ln>
         </p:spPr>
       </p:pic>
+      <p:sp>
+        <p:nvSpPr>
+          <p:cNvPr id="178" name=""/>
+          <p:cNvSpPr txBox="1"/>
+          <p:nvPr/>
+        </p:nvSpPr>
+        <p:spPr>
+          <a:xfrm>
+            <a:off x="0" y="1260000"/>
+            <a:ext cx="2520000" cy="342000"/>
+          </a:xfrm>
+          <a:prstGeom prst="rect">
+            <a:avLst/>
+          </a:prstGeom>
+          <a:noFill/>
+          <a:ln w="0">
+            <a:noFill/>
+          </a:ln>
+        </p:spPr>
+        <p:txBody>
+          <a:bodyPr lIns="90000" rIns="90000" tIns="45000" bIns="45000" anchor="t">
+            <a:noAutofit/>
+          </a:bodyPr>
+          <a:p>
+            <a:r>
+              <a:rPr b="0" lang="ja-JP" sz="1800" spc="-1" strike="noStrike">
+                <a:latin typeface="Arial"/>
+              </a:rPr>
+              <a:t>ユースケース図</a:t>
+            </a:r>
+            <a:endParaRPr b="0" lang="en-US" sz="1800" spc="-1" strike="noStrike">
+              <a:latin typeface="Arial"/>
+            </a:endParaRPr>
+          </a:p>
+        </p:txBody>
+      </p:sp>
+      <p:pic>
+        <p:nvPicPr>
+          <p:cNvPr id="179" name="" descr=""/>
+          <p:cNvPicPr/>
+          <p:nvPr/>
+        </p:nvPicPr>
+        <p:blipFill>
+          <a:blip r:embed="rId2"/>
+          <a:stretch/>
+        </p:blipFill>
+        <p:spPr>
+          <a:xfrm>
+            <a:off x="4793400" y="1529280"/>
+            <a:ext cx="4386600" cy="3824640"/>
+          </a:xfrm>
+          <a:prstGeom prst="rect">
+            <a:avLst/>
+          </a:prstGeom>
+          <a:ln w="0">
+            <a:noFill/>
+          </a:ln>
+        </p:spPr>
+      </p:pic>
+      <p:sp>
+        <p:nvSpPr>
+          <p:cNvPr id="180" name=""/>
+          <p:cNvSpPr txBox="1"/>
+          <p:nvPr/>
+        </p:nvSpPr>
+        <p:spPr>
+          <a:xfrm>
+            <a:off x="4680000" y="1205280"/>
+            <a:ext cx="2700000" cy="342000"/>
+          </a:xfrm>
+          <a:prstGeom prst="rect">
+            <a:avLst/>
+          </a:prstGeom>
+          <a:noFill/>
+          <a:ln w="0">
+            <a:noFill/>
+          </a:ln>
+        </p:spPr>
+        <p:txBody>
+          <a:bodyPr lIns="90000" rIns="90000" tIns="45000" bIns="45000" anchor="t">
+            <a:noAutofit/>
+          </a:bodyPr>
+          <a:p>
+            <a:r>
+              <a:rPr b="0" lang="ja-JP" sz="1800" spc="-1" strike="noStrike">
+                <a:latin typeface="Arial"/>
+              </a:rPr>
+              <a:t>画面遷移図</a:t>
+            </a:r>
+            <a:endParaRPr b="0" lang="en-US" sz="1800" spc="-1" strike="noStrike">
+              <a:latin typeface="Arial"/>
+            </a:endParaRPr>
+          </a:p>
+        </p:txBody>
+      </p:sp>
     </p:spTree>
   </p:cSld>
   <mc:AlternateContent>
@@ -10358,7 +11360,7 @@
       </p:grpSpPr>
       <p:sp>
         <p:nvSpPr>
-          <p:cNvPr id="179" name="PlaceHolder 1"/>
+          <p:cNvPr id="181" name="PlaceHolder 1"/>
           <p:cNvSpPr>
             <a:spLocks noGrp="1"/>
           </p:cNvSpPr>
@@ -10369,7 +11371,7 @@
         <p:spPr>
           <a:xfrm>
             <a:off x="360000" y="225720"/>
-            <a:ext cx="9358920" cy="717840"/>
+            <a:ext cx="9358560" cy="717480"/>
           </a:xfrm>
           <a:prstGeom prst="rect">
             <a:avLst/>
@@ -10405,7 +11407,7 @@
                 </a:solidFill>
                 <a:latin typeface="Source Sans Pro Black"/>
               </a:rPr>
-              <a:t>6 </a:t>
+              <a:t>4 </a:t>
             </a:r>
             <a:r>
               <a:rPr b="1" lang="ja-JP" sz="2700" spc="-1" strike="noStrike">
@@ -10414,7 +11416,7 @@
                 </a:solidFill>
                 <a:latin typeface="Source Sans Pro Black"/>
               </a:rPr>
-              <a:t>苦労した点</a:t>
+              <a:t>工夫した点</a:t>
             </a:r>
             <a:endParaRPr b="0" lang="en-US" sz="2700" spc="-1" strike="noStrike">
               <a:latin typeface="Arial"/>
@@ -10424,7 +11426,7 @@
       </p:sp>
       <p:sp>
         <p:nvSpPr>
-          <p:cNvPr id="180" name="PlaceHolder 2"/>
+          <p:cNvPr id="182" name="PlaceHolder 2"/>
           <p:cNvSpPr>
             <a:spLocks noGrp="1"/>
           </p:cNvSpPr>
@@ -10434,8 +11436,8 @@
         </p:nvSpPr>
         <p:spPr>
           <a:xfrm>
-            <a:off x="360000" y="1440000"/>
-            <a:ext cx="9358920" cy="3778920"/>
+            <a:off x="360000" y="1260000"/>
+            <a:ext cx="9358560" cy="540000"/>
           </a:xfrm>
           <a:prstGeom prst="rect">
             <a:avLst/>
@@ -10450,262 +11452,164 @@
             <a:noAutofit/>
           </a:bodyPr>
           <a:p>
-            <a:pPr indent="-216000">
+            <a:pPr>
               <a:lnSpc>
-                <a:spcPct val="115000"/>
+                <a:spcPct val="100000"/>
               </a:lnSpc>
-              <a:buClr>
-                <a:srgbClr val="000000"/>
-              </a:buClr>
-              <a:buFont typeface="Symbol" charset="2"/>
-              <a:buChar char=""/>
-            </a:pPr>
-            <a:r>
-              <a:rPr b="0" lang="en-US" sz="2000" spc="-1" strike="noStrike">
-                <a:latin typeface="Arial"/>
-              </a:rPr>
-              <a:t> </a:t>
-            </a:r>
-            <a:r>
-              <a:rPr b="0" lang="ja-JP" sz="2000" spc="-1" strike="noStrike">
-                <a:latin typeface="Arial"/>
-              </a:rPr>
-              <a:t>要件定義、設計に時間をかけすぎてコーディングに入るのが遅くなり、</a:t>
-            </a:r>
-            <a:endParaRPr b="0" lang="en-US" sz="2000" spc="-1" strike="noStrike">
-              <a:latin typeface="Arial"/>
-              <a:ea typeface="游ゴシック"/>
-            </a:endParaRPr>
-          </a:p>
-          <a:p>
-            <a:pPr indent="-216000">
+              <a:buNone/>
+            </a:pPr>
+            <a:r>
+              <a:rPr b="0" lang="ja-JP" sz="2800" spc="-1" strike="noStrike">
+                <a:latin typeface="Arial"/>
+              </a:rPr>
+              <a:t>・作成した資料を基にコード、データベースを作成した</a:t>
+            </a:r>
+            <a:endParaRPr b="0" lang="en-US" sz="2800" spc="-1" strike="noStrike">
+              <a:latin typeface="Arial"/>
+            </a:endParaRPr>
+          </a:p>
+          <a:p>
+            <a:pPr>
               <a:lnSpc>
-                <a:spcPct val="115000"/>
+                <a:spcPct val="100000"/>
               </a:lnSpc>
-              <a:spcAft>
-                <a:spcPts val="1417"/>
-              </a:spcAft>
-              <a:buClr>
-                <a:srgbClr val="000000"/>
-              </a:buClr>
-              <a:buFont typeface="Symbol" charset="2"/>
-              <a:buChar char=""/>
-            </a:pPr>
-            <a:r>
-              <a:rPr b="0" lang="en-US" sz="2000" spc="-1" strike="noStrike">
-                <a:latin typeface="Arial"/>
-              </a:rPr>
-              <a:t> </a:t>
-            </a:r>
-            <a:r>
-              <a:rPr b="0" lang="ja-JP" sz="2000" spc="-1" strike="noStrike">
-                <a:latin typeface="Arial"/>
-              </a:rPr>
-              <a:t>全体的に作業時間がきつくなった。</a:t>
-            </a:r>
-            <a:endParaRPr b="0" lang="en-US" sz="2000" spc="-1" strike="noStrike">
-              <a:latin typeface="Arial"/>
-              <a:ea typeface="游ゴシック"/>
-            </a:endParaRPr>
-          </a:p>
-          <a:p>
-            <a:pPr indent="-216000">
+              <a:buNone/>
+            </a:pPr>
+            <a:endParaRPr b="0" lang="en-US" sz="2800" spc="-1" strike="noStrike">
+              <a:latin typeface="Arial"/>
+            </a:endParaRPr>
+          </a:p>
+          <a:p>
+            <a:pPr>
               <a:lnSpc>
-                <a:spcPct val="115000"/>
+                <a:spcPct val="100000"/>
               </a:lnSpc>
-              <a:buClr>
-                <a:srgbClr val="000000"/>
-              </a:buClr>
-              <a:buFont typeface="Symbol" charset="2"/>
-              <a:buChar char=""/>
-            </a:pPr>
-            <a:r>
-              <a:rPr b="0" lang="en-US" sz="2000" spc="-1" strike="noStrike">
-                <a:latin typeface="Arial"/>
-              </a:rPr>
-              <a:t> </a:t>
-            </a:r>
-            <a:r>
-              <a:rPr b="0" lang="ja-JP" sz="2000" spc="-1" strike="noStrike">
-                <a:latin typeface="Arial"/>
-              </a:rPr>
-              <a:t>作成した資料を基にプログラム作っていたが途中で資料にない変更が出てきて</a:t>
-            </a:r>
-            <a:endParaRPr b="0" lang="en-US" sz="2000" spc="-1" strike="noStrike">
-              <a:latin typeface="Arial"/>
-              <a:ea typeface="游ゴシック"/>
-            </a:endParaRPr>
-          </a:p>
-          <a:p>
-            <a:pPr indent="-216000">
-              <a:lnSpc>
-                <a:spcPct val="115000"/>
-              </a:lnSpc>
-              <a:spcAft>
-                <a:spcPts val="1417"/>
-              </a:spcAft>
-              <a:buClr>
-                <a:srgbClr val="000000"/>
-              </a:buClr>
-              <a:buFont typeface="Symbol" charset="2"/>
-              <a:buChar char=""/>
-            </a:pPr>
-            <a:r>
-              <a:rPr b="0" lang="en-US" sz="2000" spc="-1" strike="noStrike">
-                <a:latin typeface="Arial"/>
-              </a:rPr>
-              <a:t> </a:t>
-            </a:r>
-            <a:r>
-              <a:rPr b="0" lang="ja-JP" sz="2000" spc="-1" strike="noStrike">
-                <a:latin typeface="Arial"/>
-              </a:rPr>
-              <a:t>スムーズにプログラム作成が進まなかった。</a:t>
-            </a:r>
-            <a:endParaRPr b="0" lang="en-US" sz="2000" spc="-1" strike="noStrike">
-              <a:latin typeface="Arial"/>
-              <a:ea typeface="游ゴシック"/>
-            </a:endParaRPr>
-          </a:p>
-          <a:p>
-            <a:pPr indent="-216000">
-              <a:lnSpc>
-                <a:spcPct val="115000"/>
-              </a:lnSpc>
-              <a:buClr>
-                <a:srgbClr val="000000"/>
-              </a:buClr>
-              <a:buFont typeface="Symbol" charset="2"/>
-              <a:buChar char=""/>
-            </a:pPr>
-            <a:r>
-              <a:rPr b="0" lang="en-US" sz="2000" spc="-1" strike="noStrike">
-                <a:latin typeface="Arial"/>
-              </a:rPr>
-              <a:t> </a:t>
-            </a:r>
-            <a:r>
-              <a:rPr b="0" lang="en-US" sz="2000" spc="-1" strike="noStrike">
-                <a:latin typeface="Arial"/>
-              </a:rPr>
-              <a:t>git</a:t>
-            </a:r>
-            <a:r>
-              <a:rPr b="0" lang="ja-JP" sz="2000" spc="-1" strike="noStrike">
-                <a:latin typeface="Arial"/>
-              </a:rPr>
-              <a:t>の使い方に慣れるのが遅く、ファイルのデータ共有をするときに</a:t>
-            </a:r>
-            <a:endParaRPr b="0" lang="en-US" sz="2000" spc="-1" strike="noStrike">
-              <a:latin typeface="Arial"/>
-              <a:ea typeface="游ゴシック"/>
-            </a:endParaRPr>
-          </a:p>
-          <a:p>
-            <a:pPr indent="-216000">
-              <a:lnSpc>
-                <a:spcPct val="115000"/>
-              </a:lnSpc>
-              <a:spcAft>
-                <a:spcPts val="1417"/>
-              </a:spcAft>
-              <a:buClr>
-                <a:srgbClr val="000000"/>
-              </a:buClr>
-              <a:buFont typeface="Symbol" charset="2"/>
-              <a:buChar char=""/>
-            </a:pPr>
-            <a:r>
-              <a:rPr b="0" lang="en-US" sz="2000" spc="-1" strike="noStrike">
-                <a:latin typeface="Arial"/>
-              </a:rPr>
-              <a:t> </a:t>
-            </a:r>
-            <a:r>
-              <a:rPr b="0" lang="ja-JP" sz="2000" spc="-1" strike="noStrike">
-                <a:latin typeface="Arial"/>
-              </a:rPr>
-              <a:t>作成したデータが消えてしまうことがあった。</a:t>
-            </a:r>
-            <a:endParaRPr b="0" lang="en-US" sz="2000" spc="-1" strike="noStrike">
-              <a:latin typeface="Arial"/>
-              <a:ea typeface="游ゴシック"/>
-            </a:endParaRPr>
-          </a:p>
-          <a:p>
-            <a:pPr indent="-216000">
-              <a:lnSpc>
-                <a:spcPct val="115000"/>
-              </a:lnSpc>
-              <a:buClr>
-                <a:srgbClr val="000000"/>
-              </a:buClr>
-              <a:buFont typeface="Symbol" charset="2"/>
-              <a:buChar char=""/>
-            </a:pPr>
-            <a:r>
-              <a:rPr b="0" lang="en-US" sz="2000" spc="-1" strike="noStrike">
-                <a:latin typeface="Arial"/>
-              </a:rPr>
-              <a:t> </a:t>
-            </a:r>
-            <a:r>
-              <a:rPr b="0" lang="ja-JP" sz="2000" spc="-1" strike="noStrike">
-                <a:latin typeface="Arial"/>
-              </a:rPr>
-              <a:t>班員それぞれが作成したファイルを合わせたときにデータの違いがあり</a:t>
-            </a:r>
-            <a:endParaRPr b="0" lang="en-US" sz="2000" spc="-1" strike="noStrike">
-              <a:latin typeface="Arial"/>
-              <a:ea typeface="游ゴシック"/>
-            </a:endParaRPr>
-          </a:p>
-          <a:p>
-            <a:pPr indent="-216000">
-              <a:lnSpc>
-                <a:spcPct val="115000"/>
-              </a:lnSpc>
-              <a:buClr>
-                <a:srgbClr val="000000"/>
-              </a:buClr>
-              <a:buFont typeface="Symbol" charset="2"/>
-              <a:buChar char=""/>
-            </a:pPr>
-            <a:r>
-              <a:rPr b="0" lang="en-US" sz="2000" spc="-1" strike="noStrike">
-                <a:latin typeface="Arial"/>
-              </a:rPr>
-              <a:t> </a:t>
-            </a:r>
-            <a:r>
-              <a:rPr b="0" lang="ja-JP" sz="2000" spc="-1" strike="noStrike">
-                <a:latin typeface="Arial"/>
-              </a:rPr>
-              <a:t>プログラムの遷移がうまくいかないことがあった。</a:t>
-            </a:r>
-            <a:endParaRPr b="0" lang="en-US" sz="2000" spc="-1" strike="noStrike">
-              <a:latin typeface="Arial"/>
-              <a:ea typeface="游ゴシック"/>
-            </a:endParaRPr>
-          </a:p>
-          <a:p>
-            <a:pPr indent="-216000">
-              <a:lnSpc>
-                <a:spcPct val="115000"/>
-              </a:lnSpc>
-              <a:buClr>
-                <a:srgbClr val="000000"/>
-              </a:buClr>
-              <a:buFont typeface="Symbol" charset="2"/>
-              <a:buChar char=""/>
-            </a:pPr>
-            <a:endParaRPr b="0" lang="en-US" sz="2000" spc="-1" strike="noStrike">
-              <a:latin typeface="Arial"/>
-              <a:ea typeface="游ゴシック"/>
-            </a:endParaRPr>
-          </a:p>
-        </p:txBody>
-      </p:sp>
+              <a:buNone/>
+            </a:pPr>
+            <a:endParaRPr b="0" lang="en-US" sz="2800" spc="-1" strike="noStrike">
+              <a:latin typeface="Arial"/>
+            </a:endParaRPr>
+          </a:p>
+        </p:txBody>
+      </p:sp>
+      <p:pic>
+        <p:nvPicPr>
+          <p:cNvPr id="183" name="" descr=""/>
+          <p:cNvPicPr/>
+          <p:nvPr/>
+        </p:nvPicPr>
+        <p:blipFill>
+          <a:blip r:embed="rId1"/>
+          <a:stretch/>
+        </p:blipFill>
+        <p:spPr>
+          <a:xfrm rot="12000">
+            <a:off x="366120" y="2064960"/>
+            <a:ext cx="4138200" cy="3598560"/>
+          </a:xfrm>
+          <a:prstGeom prst="rect">
+            <a:avLst/>
+          </a:prstGeom>
+          <a:ln w="0">
+            <a:noFill/>
+          </a:ln>
+        </p:spPr>
+      </p:pic>
+      <p:sp>
+        <p:nvSpPr>
+          <p:cNvPr id="184" name=""/>
+          <p:cNvSpPr txBox="1"/>
+          <p:nvPr/>
+        </p:nvSpPr>
+        <p:spPr>
+          <a:xfrm>
+            <a:off x="360000" y="1715760"/>
+            <a:ext cx="1980000" cy="342000"/>
+          </a:xfrm>
+          <a:prstGeom prst="rect">
+            <a:avLst/>
+          </a:prstGeom>
+          <a:noFill/>
+          <a:ln w="0">
+            <a:noFill/>
+          </a:ln>
+        </p:spPr>
+        <p:txBody>
+          <a:bodyPr lIns="90000" rIns="90000" tIns="45000" bIns="45000" anchor="t">
+            <a:noAutofit/>
+          </a:bodyPr>
+          <a:p>
+            <a:r>
+              <a:rPr b="0" lang="ja-JP" sz="1800" spc="-1" strike="noStrike">
+                <a:latin typeface="Arial"/>
+              </a:rPr>
+              <a:t>クラス設計書</a:t>
+            </a:r>
+            <a:endParaRPr b="0" lang="en-US" sz="1800" spc="-1" strike="noStrike">
+              <a:latin typeface="Arial"/>
+            </a:endParaRPr>
+          </a:p>
+        </p:txBody>
+      </p:sp>
+      <p:sp>
+        <p:nvSpPr>
+          <p:cNvPr id="185" name=""/>
+          <p:cNvSpPr txBox="1"/>
+          <p:nvPr/>
+        </p:nvSpPr>
+        <p:spPr>
+          <a:xfrm>
+            <a:off x="4680000" y="1800000"/>
+            <a:ext cx="2700000" cy="342000"/>
+          </a:xfrm>
+          <a:prstGeom prst="rect">
+            <a:avLst/>
+          </a:prstGeom>
+          <a:noFill/>
+          <a:ln w="0">
+            <a:noFill/>
+          </a:ln>
+        </p:spPr>
+        <p:txBody>
+          <a:bodyPr lIns="90000" rIns="90000" tIns="45000" bIns="45000" anchor="t">
+            <a:noAutofit/>
+          </a:bodyPr>
+          <a:p>
+            <a:r>
+              <a:rPr b="0" lang="ja-JP" sz="1800" spc="-1" strike="noStrike">
+                <a:latin typeface="Arial"/>
+              </a:rPr>
+              <a:t>テーブル設計書</a:t>
+            </a:r>
+            <a:endParaRPr b="0" lang="en-US" sz="1800" spc="-1" strike="noStrike">
+              <a:latin typeface="Arial"/>
+            </a:endParaRPr>
+          </a:p>
+        </p:txBody>
+      </p:sp>
+      <p:pic>
+        <p:nvPicPr>
+          <p:cNvPr id="186" name="" descr=""/>
+          <p:cNvPicPr/>
+          <p:nvPr/>
+        </p:nvPicPr>
+        <p:blipFill>
+          <a:blip r:embed="rId2"/>
+          <a:stretch/>
+        </p:blipFill>
+        <p:spPr>
+          <a:xfrm>
+            <a:off x="4857840" y="2051280"/>
+            <a:ext cx="4142160" cy="3622680"/>
+          </a:xfrm>
+          <a:prstGeom prst="rect">
+            <a:avLst/>
+          </a:prstGeom>
+          <a:ln w="0">
+            <a:noFill/>
+          </a:ln>
+        </p:spPr>
+      </p:pic>
     </p:spTree>
   </p:cSld>
   <mc:AlternateContent>
@@ -10753,7 +11657,7 @@
       </p:grpSpPr>
       <p:sp>
         <p:nvSpPr>
-          <p:cNvPr id="181" name="PlaceHolder 1"/>
+          <p:cNvPr id="187" name="PlaceHolder 1"/>
           <p:cNvSpPr>
             <a:spLocks noGrp="1"/>
           </p:cNvSpPr>
@@ -10764,7 +11668,7 @@
         <p:spPr>
           <a:xfrm>
             <a:off x="360000" y="225720"/>
-            <a:ext cx="9358920" cy="717840"/>
+            <a:ext cx="9358560" cy="717480"/>
           </a:xfrm>
           <a:prstGeom prst="rect">
             <a:avLst/>
@@ -10800,7 +11704,7 @@
                 </a:solidFill>
                 <a:latin typeface="Source Sans Pro Black"/>
               </a:rPr>
-              <a:t>7 </a:t>
+              <a:t>5</a:t>
             </a:r>
             <a:r>
               <a:rPr b="1" lang="ja-JP" sz="2700" spc="-1" strike="noStrike">
@@ -10809,7 +11713,7 @@
                 </a:solidFill>
                 <a:latin typeface="Source Sans Pro Black"/>
               </a:rPr>
-              <a:t>今後の課題</a:t>
+              <a:t>デモ</a:t>
             </a:r>
             <a:endParaRPr b="0" lang="en-US" sz="2700" spc="-1" strike="noStrike">
               <a:latin typeface="Arial"/>
@@ -10819,7 +11723,7 @@
       </p:sp>
       <p:sp>
         <p:nvSpPr>
-          <p:cNvPr id="182" name="PlaceHolder 2"/>
+          <p:cNvPr id="188" name="PlaceHolder 2"/>
           <p:cNvSpPr>
             <a:spLocks noGrp="1"/>
           </p:cNvSpPr>
@@ -10830,7 +11734,7 @@
         <p:spPr>
           <a:xfrm>
             <a:off x="360000" y="1485000"/>
-            <a:ext cx="9358920" cy="3778920"/>
+            <a:ext cx="9358560" cy="3778560"/>
           </a:xfrm>
           <a:prstGeom prst="rect">
             <a:avLst/>
@@ -10845,89 +11749,127 @@
             <a:noAutofit/>
           </a:bodyPr>
           <a:p>
-            <a:r>
-              <a:rPr b="0" lang="ja-JP" sz="2800" spc="-1" strike="noStrike">
-                <a:latin typeface="Arial"/>
-              </a:rPr>
-              <a:t>・チームメンバー間の情報共有を適宜行い、</a:t>
-            </a:r>
-            <a:endParaRPr b="0" lang="en-US" sz="2800" spc="-1" strike="noStrike">
-              <a:latin typeface="Arial"/>
-            </a:endParaRPr>
-          </a:p>
-          <a:p>
-            <a:r>
-              <a:rPr b="0" lang="en-US" sz="2800" spc="-1" strike="noStrike">
-                <a:latin typeface="Arial"/>
-              </a:rPr>
-              <a:t>   </a:t>
-            </a:r>
-            <a:r>
-              <a:rPr b="0" lang="ja-JP" sz="2800" spc="-1" strike="noStrike">
-                <a:latin typeface="Arial"/>
-              </a:rPr>
-              <a:t>メンバー内で一人しか知らない変更内容などをなくす。</a:t>
-            </a:r>
-            <a:endParaRPr b="0" lang="en-US" sz="2800" spc="-1" strike="noStrike">
-              <a:latin typeface="Arial"/>
-            </a:endParaRPr>
-          </a:p>
-          <a:p>
             <a:pPr algn="ctr">
+              <a:lnSpc>
+                <a:spcPct val="100000"/>
+              </a:lnSpc>
               <a:buNone/>
             </a:pPr>
             <a:r>
-              <a:rPr b="0" lang="en-US" sz="2800" spc="-1" strike="noStrike">
-                <a:latin typeface="Arial"/>
-              </a:rPr>
-              <a:t>↓</a:t>
-            </a:r>
-            <a:endParaRPr b="0" lang="en-US" sz="2800" spc="-1" strike="noStrike">
+              <a:rPr b="0" lang="ja-JP" sz="3200" spc="-1" strike="noStrike">
+                <a:solidFill>
+                  <a:srgbClr val="2c3e50"/>
+                </a:solidFill>
+                <a:latin typeface="Source Sans Pro"/>
+              </a:rPr>
+              <a:t>画面にご注目ください。</a:t>
+            </a:r>
+            <a:endParaRPr b="0" lang="en-US" sz="3200" spc="-1" strike="noStrike">
               <a:latin typeface="Arial"/>
             </a:endParaRPr>
           </a:p>
           <a:p>
             <a:pPr algn="ctr">
-              <a:spcAft>
-                <a:spcPts val="2835"/>
-              </a:spcAft>
+              <a:lnSpc>
+                <a:spcPct val="100000"/>
+              </a:lnSpc>
               <a:buNone/>
             </a:pPr>
-            <a:r>
-              <a:rPr b="0" lang="ja-JP" sz="2800" spc="-1" strike="noStrike">
-                <a:latin typeface="Arial"/>
-              </a:rPr>
-              <a:t>コミュニケーションエラーをなくす</a:t>
-            </a:r>
-            <a:endParaRPr b="0" lang="en-US" sz="2800" spc="-1" strike="noStrike">
-              <a:latin typeface="Arial"/>
-            </a:endParaRPr>
-          </a:p>
-          <a:p>
-            <a:r>
-              <a:rPr b="0" lang="ja-JP" sz="2800" spc="-1" strike="noStrike">
-                <a:latin typeface="Arial"/>
-              </a:rPr>
-              <a:t>・</a:t>
-            </a:r>
-            <a:r>
-              <a:rPr b="0" lang="en-US" sz="2800" spc="-1" strike="noStrike">
-                <a:latin typeface="Arial"/>
-              </a:rPr>
-              <a:t>Java</a:t>
-            </a:r>
-            <a:r>
-              <a:rPr b="0" lang="ja-JP" sz="2800" spc="-1" strike="noStrike">
-                <a:latin typeface="Arial"/>
-              </a:rPr>
-              <a:t>のコーディングに慣れる</a:t>
-            </a:r>
-            <a:endParaRPr b="0" lang="en-US" sz="2800" spc="-1" strike="noStrike">
-              <a:latin typeface="Arial"/>
-            </a:endParaRPr>
-          </a:p>
-        </p:txBody>
-      </p:sp>
+            <a:endParaRPr b="0" lang="en-US" sz="3200" spc="-1" strike="noStrike">
+              <a:latin typeface="Arial"/>
+            </a:endParaRPr>
+          </a:p>
+          <a:p>
+            <a:pPr algn="ctr">
+              <a:lnSpc>
+                <a:spcPct val="100000"/>
+              </a:lnSpc>
+              <a:buNone/>
+            </a:pPr>
+            <a:endParaRPr b="0" lang="en-US" sz="3200" spc="-1" strike="noStrike">
+              <a:latin typeface="Arial"/>
+            </a:endParaRPr>
+          </a:p>
+          <a:p>
+            <a:pPr algn="ctr">
+              <a:lnSpc>
+                <a:spcPct val="100000"/>
+              </a:lnSpc>
+              <a:buNone/>
+            </a:pPr>
+            <a:endParaRPr b="0" lang="en-US" sz="3200" spc="-1" strike="noStrike">
+              <a:latin typeface="Arial"/>
+            </a:endParaRPr>
+          </a:p>
+          <a:p>
+            <a:pPr algn="ctr">
+              <a:lnSpc>
+                <a:spcPct val="100000"/>
+              </a:lnSpc>
+              <a:buNone/>
+            </a:pPr>
+            <a:endParaRPr b="0" lang="en-US" sz="3200" spc="-1" strike="noStrike">
+              <a:latin typeface="Arial"/>
+            </a:endParaRPr>
+          </a:p>
+          <a:p>
+            <a:pPr algn="ctr">
+              <a:lnSpc>
+                <a:spcPct val="100000"/>
+              </a:lnSpc>
+              <a:buNone/>
+            </a:pPr>
+            <a:endParaRPr b="0" lang="en-US" sz="3200" spc="-1" strike="noStrike">
+              <a:latin typeface="Arial"/>
+            </a:endParaRPr>
+          </a:p>
+          <a:p>
+            <a:pPr algn="ctr">
+              <a:lnSpc>
+                <a:spcPct val="100000"/>
+              </a:lnSpc>
+              <a:buNone/>
+            </a:pPr>
+            <a:endParaRPr b="0" lang="en-US" sz="3200" spc="-1" strike="noStrike">
+              <a:latin typeface="Arial"/>
+            </a:endParaRPr>
+          </a:p>
+          <a:p>
+            <a:pPr algn="ctr">
+              <a:lnSpc>
+                <a:spcPct val="100000"/>
+              </a:lnSpc>
+              <a:buNone/>
+            </a:pPr>
+            <a:endParaRPr b="0" lang="en-US" sz="3200" spc="-1" strike="noStrike">
+              <a:latin typeface="Arial"/>
+            </a:endParaRPr>
+          </a:p>
+        </p:txBody>
+      </p:sp>
+      <p:pic>
+        <p:nvPicPr>
+          <p:cNvPr id="189" name="" descr=""/>
+          <p:cNvPicPr/>
+          <p:nvPr/>
+        </p:nvPicPr>
+        <p:blipFill>
+          <a:blip r:embed="rId1"/>
+          <a:stretch/>
+        </p:blipFill>
+        <p:spPr>
+          <a:xfrm>
+            <a:off x="3060000" y="2160000"/>
+            <a:ext cx="2742840" cy="3330000"/>
+          </a:xfrm>
+          <a:prstGeom prst="rect">
+            <a:avLst/>
+          </a:prstGeom>
+          <a:ln w="0">
+            <a:noFill/>
+          </a:ln>
+        </p:spPr>
+      </p:pic>
     </p:spTree>
   </p:cSld>
   <mc:AlternateContent>

--- a/発表用スライド(清水作成版).pptx
+++ b/発表用スライド(清水作成版).pptx
@@ -6622,7 +6622,7 @@
               </a:lnSpc>
               <a:buNone/>
             </a:pPr>
-            <a:fld id="{A1C3EA3A-C8A8-4546-85A0-4685572ABE87}" type="slidenum">
+            <a:fld id="{85D19976-4DF7-4E01-8CB9-E48412C21180}" type="slidenum">
               <a:rPr b="1" lang="en-US" sz="1800" spc="-1" strike="noStrike">
                 <a:solidFill>
                   <a:srgbClr val="ffffff"/>
@@ -7060,7 +7060,7 @@
               </a:lnSpc>
               <a:buNone/>
             </a:pPr>
-            <a:fld id="{422E0A81-DBB4-47F1-9109-5823D2B14EF4}" type="slidenum">
+            <a:fld id="{20771D07-6C99-4ECE-A6F7-27BB78F26FA5}" type="slidenum">
               <a:rPr b="1" lang="en-US" sz="1800" spc="-1" strike="noStrike">
                 <a:solidFill>
                   <a:srgbClr val="ffffff"/>
@@ -9599,7 +9599,7 @@
         </p:nvSpPr>
         <p:spPr>
           <a:xfrm>
-            <a:off x="360000" y="1260000"/>
+            <a:off x="360000" y="1260720"/>
             <a:ext cx="9358560" cy="4139280"/>
           </a:xfrm>
           <a:prstGeom prst="rect">
@@ -9614,26 +9614,6 @@
           <a:bodyPr lIns="0" rIns="0" tIns="0" bIns="0" anchor="t">
             <a:noAutofit/>
           </a:bodyPr>
-          <a:p>
-            <a:pPr>
-              <a:lnSpc>
-                <a:spcPct val="100000"/>
-              </a:lnSpc>
-              <a:spcAft>
-                <a:spcPts val="1134"/>
-              </a:spcAft>
-              <a:buNone/>
-            </a:pPr>
-            <a:r>
-              <a:rPr b="0" lang="ja-JP" sz="2400" spc="-1" strike="noStrike">
-                <a:latin typeface="Arial"/>
-              </a:rPr>
-              <a:t>宿予約システムの導入</a:t>
-            </a:r>
-            <a:endParaRPr b="0" lang="en-US" sz="2400" spc="-1" strike="noStrike">
-              <a:latin typeface="Arial"/>
-            </a:endParaRPr>
-          </a:p>
           <a:p>
             <a:pPr>
               <a:lnSpc>
@@ -9648,7 +9628,7 @@
               <a:rPr b="0" lang="ja-JP" sz="2400" spc="-1" strike="noStrike">
                 <a:latin typeface="Arial"/>
               </a:rPr>
-              <a:t>管理側・・・管理者のログイン</a:t>
+              <a:t>宿予約システムの導入</a:t>
             </a:r>
             <a:endParaRPr b="0" lang="en-US" sz="2400" spc="-1" strike="noStrike">
               <a:latin typeface="Arial"/>
@@ -9665,34 +9645,10 @@
               <a:buNone/>
             </a:pPr>
             <a:r>
-              <a:rPr b="0" lang="en-US" sz="2400" spc="-1" strike="noStrike">
-                <a:latin typeface="Arial"/>
-              </a:rPr>
-              <a:t>	</a:t>
-            </a:r>
-            <a:r>
-              <a:rPr b="0" lang="en-US" sz="2400" spc="-1" strike="noStrike">
-                <a:latin typeface="Arial"/>
-              </a:rPr>
-              <a:t>	</a:t>
-            </a:r>
-            <a:r>
-              <a:rPr b="0" lang="en-US" sz="2400" spc="-1" strike="noStrike">
-                <a:latin typeface="Arial"/>
-              </a:rPr>
-              <a:t>	</a:t>
-            </a:r>
-            <a:r>
-              <a:rPr b="0" lang="en-US" sz="2400" spc="-1" strike="noStrike">
-                <a:latin typeface="Arial"/>
-              </a:rPr>
-              <a:t>	</a:t>
-            </a:r>
-            <a:r>
               <a:rPr b="0" lang="ja-JP" sz="2400" spc="-1" strike="noStrike">
                 <a:latin typeface="Arial"/>
               </a:rPr>
-              <a:t>会員の登録、検索、変更、退会</a:t>
+              <a:t>管理側・・・管理者のログイン</a:t>
             </a:r>
             <a:endParaRPr b="0" lang="en-US" sz="2400" spc="-1" strike="noStrike">
               <a:latin typeface="Arial"/>
@@ -9706,6 +9662,47 @@
               <a:spcAft>
                 <a:spcPts val="283"/>
               </a:spcAft>
+              <a:buNone/>
+            </a:pPr>
+            <a:r>
+              <a:rPr b="0" lang="en-US" sz="2400" spc="-1" strike="noStrike">
+                <a:latin typeface="Arial"/>
+              </a:rPr>
+              <a:t>	</a:t>
+            </a:r>
+            <a:r>
+              <a:rPr b="0" lang="en-US" sz="2400" spc="-1" strike="noStrike">
+                <a:latin typeface="Arial"/>
+              </a:rPr>
+              <a:t>	</a:t>
+            </a:r>
+            <a:r>
+              <a:rPr b="0" lang="en-US" sz="2400" spc="-1" strike="noStrike">
+                <a:latin typeface="Arial"/>
+              </a:rPr>
+              <a:t>	</a:t>
+            </a:r>
+            <a:r>
+              <a:rPr b="0" lang="en-US" sz="2400" spc="-1" strike="noStrike">
+                <a:latin typeface="Arial"/>
+              </a:rPr>
+              <a:t>	</a:t>
+            </a:r>
+            <a:r>
+              <a:rPr b="0" lang="ja-JP" sz="2400" spc="-1" strike="noStrike">
+                <a:latin typeface="Arial"/>
+              </a:rPr>
+              <a:t>会員の登録、検索、変更、退会</a:t>
+            </a:r>
+            <a:endParaRPr b="0" lang="en-US" sz="2400" spc="-1" strike="noStrike">
+              <a:latin typeface="Arial"/>
+            </a:endParaRPr>
+          </a:p>
+          <a:p>
+            <a:pPr>
+              <a:lnSpc>
+                <a:spcPct val="100000"/>
+              </a:lnSpc>
               <a:buNone/>
             </a:pPr>
             <a:r>
@@ -9790,9 +9787,6 @@
               <a:lnSpc>
                 <a:spcPct val="100000"/>
               </a:lnSpc>
-              <a:spcAft>
-                <a:spcPts val="283"/>
-              </a:spcAft>
               <a:buNone/>
             </a:pPr>
             <a:r>
@@ -9823,7 +9817,61 @@
               <a:rPr b="0" lang="ja-JP" sz="2400" spc="-1" strike="noStrike">
                 <a:latin typeface="Arial"/>
               </a:rPr>
-              <a:t>宿の検索、宿の予約、予約した宿情報の確認</a:t>
+              <a:t>宿の検索</a:t>
+            </a:r>
+            <a:r>
+              <a:rPr b="0" lang="en-US" sz="2400" spc="-1" strike="noStrike">
+                <a:latin typeface="Arial"/>
+              </a:rPr>
+              <a:t>(</a:t>
+            </a:r>
+            <a:r>
+              <a:rPr b="0" lang="ja-JP" sz="2400" spc="-1" strike="noStrike">
+                <a:latin typeface="Arial"/>
+              </a:rPr>
+              <a:t>名前、キーワード</a:t>
+            </a:r>
+            <a:r>
+              <a:rPr b="0" lang="en-US" sz="2400" spc="-1" strike="noStrike">
+                <a:latin typeface="Arial"/>
+              </a:rPr>
+              <a:t>)</a:t>
+            </a:r>
+            <a:r>
+              <a:rPr b="0" lang="ja-JP" sz="2400" spc="-1" strike="noStrike">
+                <a:latin typeface="Arial"/>
+              </a:rPr>
+              <a:t>、宿の予約、予約した宿情</a:t>
+            </a:r>
+            <a:r>
+              <a:rPr b="0" lang="en-US" sz="2400" spc="-1" strike="noStrike">
+                <a:latin typeface="Arial"/>
+              </a:rPr>
+              <a:t>	</a:t>
+            </a:r>
+            <a:r>
+              <a:rPr b="0" lang="en-US" sz="2400" spc="-1" strike="noStrike">
+                <a:latin typeface="Arial"/>
+              </a:rPr>
+              <a:t>	</a:t>
+            </a:r>
+            <a:r>
+              <a:rPr b="0" lang="en-US" sz="2400" spc="-1" strike="noStrike">
+                <a:latin typeface="Arial"/>
+              </a:rPr>
+              <a:t>	</a:t>
+            </a:r>
+            <a:r>
+              <a:rPr b="0" lang="en-US" sz="2400" spc="-1" strike="noStrike">
+                <a:latin typeface="Arial"/>
+              </a:rPr>
+              <a:t>	</a:t>
+            </a:r>
+            <a:r>
+              <a:rPr b="0" lang="ja-JP" sz="2400" spc="-1" strike="noStrike">
+                <a:latin typeface="Arial"/>
+              </a:rPr>
+              <a:t>報の確認</a:t>
             </a:r>
             <a:endParaRPr b="0" lang="en-US" sz="2400" spc="-1" strike="noStrike">
               <a:latin typeface="Arial"/>

--- a/発表用スライド(清水作成版).pptx
+++ b/発表用スライド(清水作成版).pptx
@@ -80,7 +80,7 @@
         <p:spPr>
           <a:xfrm>
             <a:off x="360000" y="2835000"/>
-            <a:ext cx="9358560" cy="717480"/>
+            <a:ext cx="9357840" cy="716760"/>
           </a:xfrm>
           <a:prstGeom prst="rect">
             <a:avLst/>
@@ -207,7 +207,7 @@
         <p:spPr>
           <a:xfrm>
             <a:off x="360000" y="2835000"/>
-            <a:ext cx="9358560" cy="717480"/>
+            <a:ext cx="9357840" cy="716760"/>
           </a:xfrm>
           <a:prstGeom prst="rect">
             <a:avLst/>
@@ -402,7 +402,7 @@
         <p:spPr>
           <a:xfrm>
             <a:off x="360000" y="2835000"/>
-            <a:ext cx="9358560" cy="717480"/>
+            <a:ext cx="9357840" cy="716760"/>
           </a:xfrm>
           <a:prstGeom prst="rect">
             <a:avLst/>
@@ -687,7 +687,7 @@
         <p:spPr>
           <a:xfrm>
             <a:off x="360000" y="2835000"/>
-            <a:ext cx="9358560" cy="717480"/>
+            <a:ext cx="9357840" cy="716760"/>
           </a:xfrm>
           <a:prstGeom prst="rect">
             <a:avLst/>
@@ -783,7 +783,7 @@
         <p:spPr>
           <a:xfrm>
             <a:off x="360000" y="2835000"/>
-            <a:ext cx="9358560" cy="717480"/>
+            <a:ext cx="9357840" cy="716760"/>
           </a:xfrm>
           <a:prstGeom prst="rect">
             <a:avLst/>
@@ -876,7 +876,7 @@
         <p:spPr>
           <a:xfrm>
             <a:off x="360000" y="2835000"/>
-            <a:ext cx="9358560" cy="717480"/>
+            <a:ext cx="9357840" cy="716760"/>
           </a:xfrm>
           <a:prstGeom prst="rect">
             <a:avLst/>
@@ -1003,7 +1003,7 @@
         <p:spPr>
           <a:xfrm>
             <a:off x="360000" y="2835000"/>
-            <a:ext cx="9358560" cy="717480"/>
+            <a:ext cx="9357840" cy="716760"/>
           </a:xfrm>
           <a:prstGeom prst="rect">
             <a:avLst/>
@@ -1062,7 +1062,7 @@
         <p:spPr>
           <a:xfrm>
             <a:off x="360000" y="2835000"/>
-            <a:ext cx="9358560" cy="3327120"/>
+            <a:ext cx="9357840" cy="3323880"/>
           </a:xfrm>
           <a:prstGeom prst="rect">
             <a:avLst/>
@@ -1121,7 +1121,7 @@
         <p:spPr>
           <a:xfrm>
             <a:off x="360000" y="2835000"/>
-            <a:ext cx="9358560" cy="717480"/>
+            <a:ext cx="9357840" cy="716760"/>
           </a:xfrm>
           <a:prstGeom prst="rect">
             <a:avLst/>
@@ -1282,7 +1282,7 @@
         <p:spPr>
           <a:xfrm>
             <a:off x="360000" y="2835000"/>
-            <a:ext cx="9358560" cy="717480"/>
+            <a:ext cx="9357840" cy="716760"/>
           </a:xfrm>
           <a:prstGeom prst="rect">
             <a:avLst/>
@@ -1378,7 +1378,7 @@
         <p:spPr>
           <a:xfrm>
             <a:off x="360000" y="2835000"/>
-            <a:ext cx="9358560" cy="717480"/>
+            <a:ext cx="9357840" cy="716760"/>
           </a:xfrm>
           <a:prstGeom prst="rect">
             <a:avLst/>
@@ -1539,7 +1539,7 @@
         <p:spPr>
           <a:xfrm>
             <a:off x="360000" y="2835000"/>
-            <a:ext cx="9358560" cy="717480"/>
+            <a:ext cx="9357840" cy="716760"/>
           </a:xfrm>
           <a:prstGeom prst="rect">
             <a:avLst/>
@@ -1700,7 +1700,7 @@
         <p:spPr>
           <a:xfrm>
             <a:off x="360000" y="2835000"/>
-            <a:ext cx="9358560" cy="717480"/>
+            <a:ext cx="9357840" cy="716760"/>
           </a:xfrm>
           <a:prstGeom prst="rect">
             <a:avLst/>
@@ -1827,7 +1827,7 @@
         <p:spPr>
           <a:xfrm>
             <a:off x="360000" y="2835000"/>
-            <a:ext cx="9358560" cy="717480"/>
+            <a:ext cx="9357840" cy="716760"/>
           </a:xfrm>
           <a:prstGeom prst="rect">
             <a:avLst/>
@@ -2022,7 +2022,7 @@
         <p:spPr>
           <a:xfrm>
             <a:off x="360000" y="2835000"/>
-            <a:ext cx="9358560" cy="717480"/>
+            <a:ext cx="9357840" cy="716760"/>
           </a:xfrm>
           <a:prstGeom prst="rect">
             <a:avLst/>
@@ -2307,7 +2307,7 @@
         <p:spPr>
           <a:xfrm>
             <a:off x="360000" y="2835000"/>
-            <a:ext cx="9358560" cy="717480"/>
+            <a:ext cx="9357840" cy="716760"/>
           </a:xfrm>
           <a:prstGeom prst="rect">
             <a:avLst/>
@@ -2403,7 +2403,7 @@
         <p:spPr>
           <a:xfrm>
             <a:off x="360000" y="2835000"/>
-            <a:ext cx="9358560" cy="717480"/>
+            <a:ext cx="9357840" cy="716760"/>
           </a:xfrm>
           <a:prstGeom prst="rect">
             <a:avLst/>
@@ -2496,7 +2496,7 @@
         <p:spPr>
           <a:xfrm>
             <a:off x="360000" y="2835000"/>
-            <a:ext cx="9358560" cy="717480"/>
+            <a:ext cx="9357840" cy="716760"/>
           </a:xfrm>
           <a:prstGeom prst="rect">
             <a:avLst/>
@@ -2623,7 +2623,7 @@
         <p:spPr>
           <a:xfrm>
             <a:off x="360000" y="2835000"/>
-            <a:ext cx="9358560" cy="717480"/>
+            <a:ext cx="9357840" cy="716760"/>
           </a:xfrm>
           <a:prstGeom prst="rect">
             <a:avLst/>
@@ -2682,7 +2682,7 @@
         <p:spPr>
           <a:xfrm>
             <a:off x="360000" y="2835000"/>
-            <a:ext cx="9358560" cy="717480"/>
+            <a:ext cx="9357840" cy="716760"/>
           </a:xfrm>
           <a:prstGeom prst="rect">
             <a:avLst/>
@@ -2775,7 +2775,7 @@
         <p:spPr>
           <a:xfrm>
             <a:off x="360000" y="2835000"/>
-            <a:ext cx="9358560" cy="3327120"/>
+            <a:ext cx="9357840" cy="3323880"/>
           </a:xfrm>
           <a:prstGeom prst="rect">
             <a:avLst/>
@@ -2834,7 +2834,7 @@
         <p:spPr>
           <a:xfrm>
             <a:off x="360000" y="2835000"/>
-            <a:ext cx="9358560" cy="717480"/>
+            <a:ext cx="9357840" cy="716760"/>
           </a:xfrm>
           <a:prstGeom prst="rect">
             <a:avLst/>
@@ -2995,7 +2995,7 @@
         <p:spPr>
           <a:xfrm>
             <a:off x="360000" y="2835000"/>
-            <a:ext cx="9358560" cy="717480"/>
+            <a:ext cx="9357840" cy="716760"/>
           </a:xfrm>
           <a:prstGeom prst="rect">
             <a:avLst/>
@@ -3156,7 +3156,7 @@
         <p:spPr>
           <a:xfrm>
             <a:off x="360000" y="2835000"/>
-            <a:ext cx="9358560" cy="717480"/>
+            <a:ext cx="9357840" cy="716760"/>
           </a:xfrm>
           <a:prstGeom prst="rect">
             <a:avLst/>
@@ -3317,7 +3317,7 @@
         <p:spPr>
           <a:xfrm>
             <a:off x="360000" y="2835000"/>
-            <a:ext cx="9358560" cy="717480"/>
+            <a:ext cx="9357840" cy="716760"/>
           </a:xfrm>
           <a:prstGeom prst="rect">
             <a:avLst/>
@@ -3444,7 +3444,7 @@
         <p:spPr>
           <a:xfrm>
             <a:off x="360000" y="2835000"/>
-            <a:ext cx="9358560" cy="717480"/>
+            <a:ext cx="9357840" cy="716760"/>
           </a:xfrm>
           <a:prstGeom prst="rect">
             <a:avLst/>
@@ -3639,7 +3639,7 @@
         <p:spPr>
           <a:xfrm>
             <a:off x="360000" y="2835000"/>
-            <a:ext cx="9358560" cy="717480"/>
+            <a:ext cx="9357840" cy="716760"/>
           </a:xfrm>
           <a:prstGeom prst="rect">
             <a:avLst/>
@@ -3924,7 +3924,7 @@
         <p:spPr>
           <a:xfrm>
             <a:off x="360000" y="2835000"/>
-            <a:ext cx="9358560" cy="717480"/>
+            <a:ext cx="9357840" cy="716760"/>
           </a:xfrm>
           <a:prstGeom prst="rect">
             <a:avLst/>
@@ -4020,7 +4020,7 @@
         <p:spPr>
           <a:xfrm>
             <a:off x="360000" y="2835000"/>
-            <a:ext cx="9358560" cy="717480"/>
+            <a:ext cx="9357840" cy="716760"/>
           </a:xfrm>
           <a:prstGeom prst="rect">
             <a:avLst/>
@@ -4113,7 +4113,7 @@
         <p:spPr>
           <a:xfrm>
             <a:off x="360000" y="2835000"/>
-            <a:ext cx="9358560" cy="717480"/>
+            <a:ext cx="9357840" cy="716760"/>
           </a:xfrm>
           <a:prstGeom prst="rect">
             <a:avLst/>
@@ -4240,7 +4240,7 @@
         <p:spPr>
           <a:xfrm>
             <a:off x="360000" y="2835000"/>
-            <a:ext cx="9358560" cy="717480"/>
+            <a:ext cx="9357840" cy="716760"/>
           </a:xfrm>
           <a:prstGeom prst="rect">
             <a:avLst/>
@@ -4367,7 +4367,7 @@
         <p:spPr>
           <a:xfrm>
             <a:off x="360000" y="2835000"/>
-            <a:ext cx="9358560" cy="717480"/>
+            <a:ext cx="9357840" cy="716760"/>
           </a:xfrm>
           <a:prstGeom prst="rect">
             <a:avLst/>
@@ -4426,7 +4426,7 @@
         <p:spPr>
           <a:xfrm>
             <a:off x="360000" y="2835000"/>
-            <a:ext cx="9358560" cy="3327120"/>
+            <a:ext cx="9357840" cy="3323880"/>
           </a:xfrm>
           <a:prstGeom prst="rect">
             <a:avLst/>
@@ -4485,7 +4485,7 @@
         <p:spPr>
           <a:xfrm>
             <a:off x="360000" y="2835000"/>
-            <a:ext cx="9358560" cy="717480"/>
+            <a:ext cx="9357840" cy="716760"/>
           </a:xfrm>
           <a:prstGeom prst="rect">
             <a:avLst/>
@@ -4646,7 +4646,7 @@
         <p:spPr>
           <a:xfrm>
             <a:off x="360000" y="2835000"/>
-            <a:ext cx="9358560" cy="717480"/>
+            <a:ext cx="9357840" cy="716760"/>
           </a:xfrm>
           <a:prstGeom prst="rect">
             <a:avLst/>
@@ -4807,7 +4807,7 @@
         <p:spPr>
           <a:xfrm>
             <a:off x="360000" y="2835000"/>
-            <a:ext cx="9358560" cy="717480"/>
+            <a:ext cx="9357840" cy="716760"/>
           </a:xfrm>
           <a:prstGeom prst="rect">
             <a:avLst/>
@@ -4968,7 +4968,7 @@
         <p:spPr>
           <a:xfrm>
             <a:off x="360000" y="2835000"/>
-            <a:ext cx="9358560" cy="717480"/>
+            <a:ext cx="9357840" cy="716760"/>
           </a:xfrm>
           <a:prstGeom prst="rect">
             <a:avLst/>
@@ -5095,7 +5095,7 @@
         <p:spPr>
           <a:xfrm>
             <a:off x="360000" y="2835000"/>
-            <a:ext cx="9358560" cy="717480"/>
+            <a:ext cx="9357840" cy="716760"/>
           </a:xfrm>
           <a:prstGeom prst="rect">
             <a:avLst/>
@@ -5290,7 +5290,7 @@
         <p:spPr>
           <a:xfrm>
             <a:off x="360000" y="2835000"/>
-            <a:ext cx="9358560" cy="717480"/>
+            <a:ext cx="9357840" cy="716760"/>
           </a:xfrm>
           <a:prstGeom prst="rect">
             <a:avLst/>
@@ -5553,7 +5553,7 @@
         <p:spPr>
           <a:xfrm>
             <a:off x="360000" y="2835000"/>
-            <a:ext cx="9358560" cy="717480"/>
+            <a:ext cx="9357840" cy="716760"/>
           </a:xfrm>
           <a:prstGeom prst="rect">
             <a:avLst/>
@@ -5612,7 +5612,7 @@
         <p:spPr>
           <a:xfrm>
             <a:off x="360000" y="2835000"/>
-            <a:ext cx="9358560" cy="3327120"/>
+            <a:ext cx="9357840" cy="3323880"/>
           </a:xfrm>
           <a:prstGeom prst="rect">
             <a:avLst/>
@@ -5671,7 +5671,7 @@
         <p:spPr>
           <a:xfrm>
             <a:off x="360000" y="2835000"/>
-            <a:ext cx="9358560" cy="717480"/>
+            <a:ext cx="9357840" cy="716760"/>
           </a:xfrm>
           <a:prstGeom prst="rect">
             <a:avLst/>
@@ -5832,7 +5832,7 @@
         <p:spPr>
           <a:xfrm>
             <a:off x="360000" y="2835000"/>
-            <a:ext cx="9358560" cy="717480"/>
+            <a:ext cx="9357840" cy="716760"/>
           </a:xfrm>
           <a:prstGeom prst="rect">
             <a:avLst/>
@@ -5993,7 +5993,7 @@
         <p:spPr>
           <a:xfrm>
             <a:off x="360000" y="2835000"/>
-            <a:ext cx="9358560" cy="717480"/>
+            <a:ext cx="9357840" cy="716760"/>
           </a:xfrm>
           <a:prstGeom prst="rect">
             <a:avLst/>
@@ -6150,7 +6150,7 @@
         <p:spPr>
           <a:xfrm>
             <a:off x="0" y="0"/>
-            <a:ext cx="10078560" cy="5668560"/>
+            <a:ext cx="10077840" cy="5667840"/>
           </a:xfrm>
           <a:prstGeom prst="rect">
             <a:avLst/>
@@ -6178,7 +6178,7 @@
         <p:spPr>
           <a:xfrm>
             <a:off x="0" y="0"/>
-            <a:ext cx="10078560" cy="3778560"/>
+            <a:ext cx="10077840" cy="3777840"/>
           </a:xfrm>
           <a:prstGeom prst="rect">
             <a:avLst/>
@@ -6508,7 +6508,7 @@
         <p:spPr>
           <a:xfrm>
             <a:off x="0" y="5400000"/>
-            <a:ext cx="10078560" cy="268560"/>
+            <a:ext cx="10077840" cy="267840"/>
           </a:xfrm>
           <a:prstGeom prst="rect">
             <a:avLst/>
@@ -6536,7 +6536,7 @@
         <p:spPr>
           <a:xfrm>
             <a:off x="0" y="0"/>
-            <a:ext cx="10078560" cy="1213560"/>
+            <a:ext cx="10077840" cy="1212840"/>
           </a:xfrm>
           <a:prstGeom prst="rect">
             <a:avLst/>
@@ -6564,7 +6564,7 @@
         <p:spPr>
           <a:xfrm>
             <a:off x="9315000" y="5175000"/>
-            <a:ext cx="448560" cy="448560"/>
+            <a:ext cx="447840" cy="447840"/>
           </a:xfrm>
           <a:prstGeom prst="ellipse">
             <a:avLst/>
@@ -6595,7 +6595,7 @@
         <p:spPr>
           <a:xfrm>
             <a:off x="9180000" y="5130000"/>
-            <a:ext cx="718560" cy="538560"/>
+            <a:ext cx="717840" cy="537840"/>
           </a:xfrm>
           <a:prstGeom prst="rect">
             <a:avLst/>
@@ -6622,7 +6622,7 @@
               </a:lnSpc>
               <a:buNone/>
             </a:pPr>
-            <a:fld id="{85D19976-4DF7-4E01-8CB9-E48412C21180}" type="slidenum">
+            <a:fld id="{BEE63F87-2D9B-4047-A6E3-191EA3AB52EB}" type="slidenum">
               <a:rPr b="1" lang="en-US" sz="1800" spc="-1" strike="noStrike">
                 <a:solidFill>
                   <a:srgbClr val="ffffff"/>
@@ -6946,7 +6946,7 @@
         <p:spPr>
           <a:xfrm>
             <a:off x="0" y="5400000"/>
-            <a:ext cx="10078560" cy="268560"/>
+            <a:ext cx="10077840" cy="267840"/>
           </a:xfrm>
           <a:prstGeom prst="rect">
             <a:avLst/>
@@ -6974,7 +6974,7 @@
         <p:spPr>
           <a:xfrm>
             <a:off x="0" y="0"/>
-            <a:ext cx="10078560" cy="1213560"/>
+            <a:ext cx="10077840" cy="1212840"/>
           </a:xfrm>
           <a:prstGeom prst="rect">
             <a:avLst/>
@@ -7002,7 +7002,7 @@
         <p:spPr>
           <a:xfrm>
             <a:off x="9315000" y="5175000"/>
-            <a:ext cx="448560" cy="448560"/>
+            <a:ext cx="447840" cy="447840"/>
           </a:xfrm>
           <a:prstGeom prst="ellipse">
             <a:avLst/>
@@ -7033,7 +7033,7 @@
         <p:spPr>
           <a:xfrm>
             <a:off x="9180000" y="5130000"/>
-            <a:ext cx="718560" cy="538560"/>
+            <a:ext cx="717840" cy="537840"/>
           </a:xfrm>
           <a:prstGeom prst="rect">
             <a:avLst/>
@@ -7060,7 +7060,7 @@
               </a:lnSpc>
               <a:buNone/>
             </a:pPr>
-            <a:fld id="{20771D07-6C99-4ECE-A6F7-27BB78F26FA5}" type="slidenum">
+            <a:fld id="{EB44F69E-FF29-468E-A8AE-FB7BBD3C45FE}" type="slidenum">
               <a:rPr b="1" lang="en-US" sz="1800" spc="-1" strike="noStrike">
                 <a:solidFill>
                   <a:srgbClr val="ffffff"/>
@@ -7384,7 +7384,7 @@
         <p:spPr>
           <a:xfrm>
             <a:off x="0" y="0"/>
-            <a:ext cx="10078560" cy="5668560"/>
+            <a:ext cx="10077840" cy="5667840"/>
           </a:xfrm>
           <a:prstGeom prst="rect">
             <a:avLst/>
@@ -7412,7 +7412,7 @@
         <p:spPr>
           <a:xfrm>
             <a:off x="0" y="0"/>
-            <a:ext cx="10078560" cy="3778560"/>
+            <a:ext cx="10077840" cy="3777840"/>
           </a:xfrm>
           <a:prstGeom prst="rect">
             <a:avLst/>
@@ -7447,7 +7447,7 @@
         <p:spPr>
           <a:xfrm>
             <a:off x="360000" y="2835000"/>
-            <a:ext cx="9358560" cy="717480"/>
+            <a:ext cx="9357840" cy="716760"/>
           </a:xfrm>
           <a:prstGeom prst="rect">
             <a:avLst/>
@@ -7750,7 +7750,7 @@
         <p:spPr>
           <a:xfrm>
             <a:off x="360000" y="900000"/>
-            <a:ext cx="9358560" cy="2652480"/>
+            <a:ext cx="9357840" cy="2651760"/>
           </a:xfrm>
           <a:prstGeom prst="rect">
             <a:avLst/>
@@ -7799,7 +7799,7 @@
         <p:spPr>
           <a:xfrm>
             <a:off x="360000" y="3915000"/>
-            <a:ext cx="9358560" cy="1483560"/>
+            <a:ext cx="9357840" cy="1482840"/>
           </a:xfrm>
           <a:prstGeom prst="rect">
             <a:avLst/>
@@ -7893,7 +7893,7 @@
         <p:spPr>
           <a:xfrm>
             <a:off x="360000" y="225720"/>
-            <a:ext cx="9358560" cy="717480"/>
+            <a:ext cx="9357840" cy="716760"/>
           </a:xfrm>
           <a:prstGeom prst="rect">
             <a:avLst/>
@@ -7959,7 +7959,7 @@
         <p:spPr>
           <a:xfrm>
             <a:off x="360000" y="1621440"/>
-            <a:ext cx="9358560" cy="3778560"/>
+            <a:ext cx="9357840" cy="3777840"/>
           </a:xfrm>
           <a:prstGeom prst="rect">
             <a:avLst/>
@@ -7974,126 +7974,94 @@
             <a:noAutofit/>
           </a:bodyPr>
           <a:p>
-            <a:pPr marL="216000" indent="-216000">
+            <a:pPr>
               <a:lnSpc>
                 <a:spcPct val="115000"/>
               </a:lnSpc>
               <a:spcAft>
-                <a:spcPts val="850"/>
+                <a:spcPts val="1417"/>
               </a:spcAft>
-              <a:buClr>
-                <a:srgbClr val="000000"/>
-              </a:buClr>
-              <a:buFont typeface="Symbol"/>
-              <a:buChar char=""/>
-            </a:pPr>
-            <a:r>
-              <a:rPr b="0" lang="en-US" sz="2000" spc="-1" strike="noStrike">
-                <a:latin typeface="Arial"/>
-              </a:rPr>
-              <a:t> </a:t>
-            </a:r>
+              <a:buNone/>
+            </a:pPr>
             <a:r>
               <a:rPr b="0" lang="ja-JP" sz="2400" spc="-1" strike="noStrike">
                 <a:latin typeface="Arial"/>
               </a:rPr>
-              <a:t>要件定義、設計に時間をかけすぎてコーディングに入るのが</a:t>
+              <a:t>・要件定義、設計に時間をかけすぎてコーディングに入るのが</a:t>
             </a:r>
             <a:endParaRPr b="0" lang="en-US" sz="2400" spc="-1" strike="noStrike">
               <a:latin typeface="Arial"/>
             </a:endParaRPr>
           </a:p>
           <a:p>
-            <a:pPr marL="216000" indent="-216000">
+            <a:pPr>
               <a:lnSpc>
                 <a:spcPct val="115000"/>
               </a:lnSpc>
               <a:spcAft>
                 <a:spcPts val="283"/>
               </a:spcAft>
-              <a:buClr>
-                <a:srgbClr val="000000"/>
-              </a:buClr>
-              <a:buFont typeface="Symbol"/>
-              <a:buChar char=""/>
+              <a:buNone/>
             </a:pPr>
             <a:r>
               <a:rPr b="0" lang="ja-JP" sz="2400" spc="-1" strike="noStrike">
                 <a:latin typeface="Arial"/>
               </a:rPr>
-              <a:t>遅くなり、全体的に作業時間がきつくなった。</a:t>
+              <a:t>　遅くなり、全体的に作業時間がきつくなった。</a:t>
             </a:r>
             <a:endParaRPr b="0" lang="en-US" sz="2400" spc="-1" strike="noStrike">
               <a:latin typeface="Arial"/>
             </a:endParaRPr>
           </a:p>
           <a:p>
-            <a:pPr marL="216000" indent="-216000">
+            <a:pPr>
               <a:lnSpc>
                 <a:spcPct val="115000"/>
               </a:lnSpc>
               <a:spcAft>
                 <a:spcPts val="283"/>
               </a:spcAft>
-              <a:buClr>
-                <a:srgbClr val="000000"/>
-              </a:buClr>
-              <a:buFont typeface="Symbol"/>
-              <a:buChar char=""/>
+              <a:buNone/>
             </a:pPr>
             <a:endParaRPr b="0" lang="en-US" sz="2400" spc="-1" strike="noStrike">
               <a:latin typeface="Arial"/>
             </a:endParaRPr>
           </a:p>
           <a:p>
-            <a:pPr marL="216000" indent="-216000">
+            <a:pPr>
               <a:lnSpc>
                 <a:spcPct val="115000"/>
               </a:lnSpc>
               <a:spcAft>
-                <a:spcPts val="850"/>
+                <a:spcPts val="1417"/>
               </a:spcAft>
-              <a:buClr>
-                <a:srgbClr val="000000"/>
-              </a:buClr>
-              <a:buFont typeface="Symbol"/>
-              <a:buChar char=""/>
+              <a:buNone/>
             </a:pPr>
             <a:r>
               <a:rPr b="0" lang="ja-JP" sz="2400" spc="-1" strike="noStrike">
                 <a:latin typeface="Arial"/>
               </a:rPr>
-              <a:t>作成した資料を基にプログラム作っていたが途中で資料にない</a:t>
+              <a:t>・作成した資料を基にプログラム作っていたが途中で資料にない</a:t>
             </a:r>
             <a:endParaRPr b="0" lang="en-US" sz="2400" spc="-1" strike="noStrike">
               <a:latin typeface="Arial"/>
             </a:endParaRPr>
           </a:p>
           <a:p>
-            <a:pPr marL="216000" indent="-216000">
+            <a:pPr>
               <a:lnSpc>
                 <a:spcPct val="115000"/>
               </a:lnSpc>
               <a:spcAft>
                 <a:spcPts val="283"/>
               </a:spcAft>
-              <a:buClr>
-                <a:srgbClr val="000000"/>
-              </a:buClr>
-              <a:buFont typeface="Symbol"/>
-              <a:buChar char=""/>
-            </a:pPr>
-            <a:r>
-              <a:rPr b="0" lang="en-US" sz="2400" spc="-1" strike="noStrike">
-                <a:latin typeface="Arial"/>
-              </a:rPr>
-              <a:t> </a:t>
-            </a:r>
+              <a:buNone/>
+            </a:pPr>
             <a:r>
               <a:rPr b="0" lang="ja-JP" sz="2400" spc="-1" strike="noStrike">
                 <a:latin typeface="Arial"/>
               </a:rPr>
-              <a:t>変更が出てきてスムーズにプログラム作成が進まなかった。</a:t>
+              <a:t>　 変更が出てきてスムーズにプログラム作成が進まなかった。</a:t>
             </a:r>
             <a:endParaRPr b="0" lang="en-US" sz="2400" spc="-1" strike="noStrike">
               <a:latin typeface="Arial"/>
@@ -8159,7 +8127,7 @@
         <p:spPr>
           <a:xfrm>
             <a:off x="360000" y="225720"/>
-            <a:ext cx="9358560" cy="717480"/>
+            <a:ext cx="9357840" cy="716760"/>
           </a:xfrm>
           <a:prstGeom prst="rect">
             <a:avLst/>
@@ -8225,7 +8193,7 @@
         <p:spPr>
           <a:xfrm>
             <a:off x="360000" y="1261440"/>
-            <a:ext cx="9358560" cy="3778560"/>
+            <a:ext cx="9357840" cy="3777840"/>
           </a:xfrm>
           <a:prstGeom prst="rect">
             <a:avLst/>
@@ -8240,47 +8208,39 @@
             <a:noAutofit/>
           </a:bodyPr>
           <a:p>
-            <a:pPr marL="216000" indent="-216000">
+            <a:pPr>
               <a:lnSpc>
                 <a:spcPct val="115000"/>
               </a:lnSpc>
               <a:spcAft>
                 <a:spcPts val="283"/>
               </a:spcAft>
-              <a:buClr>
-                <a:srgbClr val="000000"/>
-              </a:buClr>
-              <a:buFont typeface="Symbol"/>
-              <a:buChar char=""/>
+              <a:buNone/>
             </a:pPr>
             <a:endParaRPr b="0" lang="en-US" sz="3200" spc="-1" strike="noStrike">
               <a:latin typeface="Arial"/>
             </a:endParaRPr>
           </a:p>
           <a:p>
-            <a:pPr marL="216000" indent="-216000">
+            <a:pPr>
               <a:lnSpc>
                 <a:spcPct val="115000"/>
               </a:lnSpc>
               <a:spcAft>
-                <a:spcPts val="850"/>
+                <a:spcPts val="1417"/>
               </a:spcAft>
-              <a:buClr>
-                <a:srgbClr val="000000"/>
-              </a:buClr>
-              <a:buFont typeface="Symbol"/>
-              <a:buChar char=""/>
-            </a:pPr>
+              <a:buNone/>
+            </a:pPr>
+            <a:r>
+              <a:rPr b="0" lang="ja-JP" sz="2400" spc="-1" strike="noStrike">
+                <a:latin typeface="Arial"/>
+              </a:rPr>
+              <a:t>・</a:t>
+            </a:r>
             <a:r>
               <a:rPr b="0" lang="en-US" sz="2400" spc="-1" strike="noStrike">
                 <a:latin typeface="Arial"/>
               </a:rPr>
-              <a:t> </a:t>
-            </a:r>
-            <a:r>
-              <a:rPr b="0" lang="en-US" sz="2400" spc="-1" strike="noStrike">
-                <a:latin typeface="Arial"/>
-              </a:rPr>
               <a:t>git</a:t>
             </a:r>
             <a:r>
@@ -8294,60 +8254,48 @@
             </a:endParaRPr>
           </a:p>
           <a:p>
-            <a:pPr marL="216000" indent="-216000">
+            <a:pPr>
               <a:lnSpc>
                 <a:spcPct val="115000"/>
               </a:lnSpc>
               <a:spcAft>
                 <a:spcPts val="283"/>
               </a:spcAft>
-              <a:buClr>
-                <a:srgbClr val="000000"/>
-              </a:buClr>
-              <a:buFont typeface="Symbol"/>
-              <a:buChar char=""/>
+              <a:buNone/>
             </a:pPr>
             <a:r>
               <a:rPr b="0" lang="ja-JP" sz="2400" spc="-1" strike="noStrike">
                 <a:latin typeface="Arial"/>
               </a:rPr>
-              <a:t>ときに作成したデータが消えてしまうことがあった。</a:t>
+              <a:t>　ときに作成したデータが消えてしまうことがあった。</a:t>
             </a:r>
             <a:endParaRPr b="0" lang="en-US" sz="2400" spc="-1" strike="noStrike">
               <a:latin typeface="Arial"/>
             </a:endParaRPr>
           </a:p>
           <a:p>
-            <a:pPr marL="216000" indent="-216000">
+            <a:pPr>
               <a:lnSpc>
                 <a:spcPct val="115000"/>
               </a:lnSpc>
               <a:spcAft>
                 <a:spcPts val="1417"/>
               </a:spcAft>
-              <a:buClr>
-                <a:srgbClr val="000000"/>
-              </a:buClr>
-              <a:buFont typeface="Symbol"/>
-              <a:buChar char=""/>
+              <a:buNone/>
             </a:pPr>
             <a:endParaRPr b="0" lang="en-US" sz="2400" spc="-1" strike="noStrike">
               <a:latin typeface="Arial"/>
             </a:endParaRPr>
           </a:p>
           <a:p>
-            <a:pPr marL="216000" indent="-216000">
+            <a:pPr>
               <a:lnSpc>
                 <a:spcPct val="115000"/>
               </a:lnSpc>
               <a:spcAft>
-                <a:spcPts val="850"/>
+                <a:spcPts val="1417"/>
               </a:spcAft>
-              <a:buClr>
-                <a:srgbClr val="000000"/>
-              </a:buClr>
-              <a:buFont typeface="Symbol"/>
-              <a:buChar char=""/>
+              <a:buNone/>
             </a:pPr>
             <a:r>
               <a:rPr b="0" lang="en-US" sz="2400" spc="-1" strike="noStrike">
@@ -8359,25 +8307,21 @@
               <a:rPr b="0" lang="ja-JP" sz="2400" spc="-1" strike="noStrike">
                 <a:latin typeface="Arial"/>
               </a:rPr>
-              <a:t>班員それぞれが作成したファイルを合わせたときにデータの</a:t>
+              <a:t>・班員それぞれが作成したファイルを合わせたときにデータの</a:t>
             </a:r>
             <a:endParaRPr b="0" lang="en-US" sz="2400" spc="-1" strike="noStrike">
               <a:latin typeface="Arial"/>
             </a:endParaRPr>
           </a:p>
           <a:p>
-            <a:pPr marL="216000" indent="-216000">
+            <a:pPr>
               <a:lnSpc>
                 <a:spcPct val="115000"/>
               </a:lnSpc>
               <a:spcAft>
                 <a:spcPts val="283"/>
               </a:spcAft>
-              <a:buClr>
-                <a:srgbClr val="000000"/>
-              </a:buClr>
-              <a:buFont typeface="Symbol"/>
-              <a:buChar char=""/>
+              <a:buNone/>
             </a:pPr>
             <a:r>
               <a:rPr b="0" lang="en-US" sz="2400" spc="-1" strike="noStrike">
@@ -8389,7 +8333,7 @@
               <a:rPr b="0" lang="ja-JP" sz="2400" spc="-1" strike="noStrike">
                 <a:latin typeface="Arial"/>
               </a:rPr>
-              <a:t>違いがありプログラムの遷移がうまくいかないことがあった。</a:t>
+              <a:t>　違いがありプログラムの遷移がうまくいかないことがあった。</a:t>
             </a:r>
             <a:endParaRPr b="0" lang="en-US" sz="2400" spc="-1" strike="noStrike">
               <a:latin typeface="Arial"/>
@@ -8466,7 +8410,7 @@
         <p:spPr>
           <a:xfrm>
             <a:off x="360000" y="225720"/>
-            <a:ext cx="9358560" cy="717480"/>
+            <a:ext cx="9357840" cy="716760"/>
           </a:xfrm>
           <a:prstGeom prst="rect">
             <a:avLst/>
@@ -8532,7 +8476,7 @@
         <p:spPr>
           <a:xfrm>
             <a:off x="360000" y="1485000"/>
-            <a:ext cx="9358560" cy="3778560"/>
+            <a:ext cx="9357840" cy="3777840"/>
           </a:xfrm>
           <a:prstGeom prst="rect">
             <a:avLst/>
@@ -8733,7 +8677,7 @@
         <p:spPr>
           <a:xfrm>
             <a:off x="360000" y="225720"/>
-            <a:ext cx="9358560" cy="717480"/>
+            <a:ext cx="9357840" cy="716760"/>
           </a:xfrm>
           <a:prstGeom prst="rect">
             <a:avLst/>
@@ -8798,8 +8742,8 @@
         </p:nvSpPr>
         <p:spPr>
           <a:xfrm>
-            <a:off x="2160" y="1440000"/>
-            <a:ext cx="10078560" cy="3778560"/>
+            <a:off x="182160" y="1440000"/>
+            <a:ext cx="10077840" cy="3777840"/>
           </a:xfrm>
           <a:prstGeom prst="rect">
             <a:avLst/>
@@ -8814,19 +8758,21 @@
             <a:noAutofit/>
           </a:bodyPr>
           <a:p>
-            <a:pPr marL="360000" indent="-216000">
+            <a:pPr>
               <a:lnSpc>
                 <a:spcPct val="100000"/>
               </a:lnSpc>
               <a:spcAft>
                 <a:spcPts val="1417"/>
               </a:spcAft>
-              <a:buClr>
-                <a:srgbClr val="000000"/>
-              </a:buClr>
-              <a:buFont typeface="StarSymbol"/>
-              <a:buAutoNum type="arabicPeriod"/>
-            </a:pPr>
+              <a:buNone/>
+            </a:pPr>
+            <a:r>
+              <a:rPr b="1" lang="en-US" sz="2600" spc="-1" strike="noStrike">
+                <a:latin typeface="Arial"/>
+              </a:rPr>
+              <a:t>1.</a:t>
+            </a:r>
             <a:r>
               <a:rPr b="1" lang="ja-JP" sz="2600" spc="-1" strike="noStrike">
                 <a:latin typeface="Arial"/>
@@ -8838,18 +8784,14 @@
             </a:endParaRPr>
           </a:p>
           <a:p>
-            <a:pPr marL="360000" indent="-216000">
+            <a:pPr>
               <a:lnSpc>
                 <a:spcPct val="100000"/>
               </a:lnSpc>
               <a:spcAft>
                 <a:spcPts val="1417"/>
               </a:spcAft>
-              <a:buClr>
-                <a:srgbClr val="000000"/>
-              </a:buClr>
-              <a:buFont typeface="StarSymbol"/>
-              <a:buAutoNum type="arabicPeriod"/>
+              <a:buNone/>
             </a:pPr>
             <a:r>
               <a:rPr b="0" lang="ja-JP" sz="2600" spc="-171" strike="noStrike">
@@ -8868,19 +8810,22 @@
             </a:endParaRPr>
           </a:p>
           <a:p>
-            <a:pPr marL="360000" indent="-216000">
+            <a:pPr>
               <a:lnSpc>
                 <a:spcPct val="100000"/>
               </a:lnSpc>
               <a:spcAft>
                 <a:spcPts val="1417"/>
               </a:spcAft>
-              <a:buClr>
-                <a:srgbClr val="000000"/>
-              </a:buClr>
-              <a:buFont typeface="StarSymbol"/>
-              <a:buAutoNum type="arabicPeriod"/>
-            </a:pPr>
+              <a:buNone/>
+            </a:pPr>
+            <a:r>
+              <a:rPr b="1" lang="en-US" sz="2600" spc="-1" strike="noStrike">
+                <a:latin typeface="Arial"/>
+                <a:ea typeface="游ゴシック"/>
+              </a:rPr>
+              <a:t>2.</a:t>
+            </a:r>
             <a:r>
               <a:rPr b="1" lang="ja-JP" sz="2600" spc="-1" strike="noStrike">
                 <a:latin typeface="Arial"/>
@@ -8893,28 +8838,26 @@
             </a:endParaRPr>
           </a:p>
           <a:p>
-            <a:pPr marL="360000" indent="-216000">
+            <a:pPr>
               <a:lnSpc>
                 <a:spcPct val="100000"/>
               </a:lnSpc>
               <a:spcAft>
                 <a:spcPts val="1417"/>
               </a:spcAft>
-              <a:buClr>
-                <a:srgbClr val="000000"/>
-              </a:buClr>
-              <a:buFont typeface="StarSymbol"/>
-              <a:buAutoNum type="arabicPeriod"/>
+              <a:buNone/>
             </a:pPr>
             <a:r>
               <a:rPr b="0" lang="ja-JP" sz="2600" spc="-171" strike="noStrike">
                 <a:latin typeface="Arial"/>
+                <a:ea typeface="游ゴシック"/>
               </a:rPr>
               <a:t>・・・</a:t>
             </a:r>
             <a:r>
               <a:rPr b="0" lang="ja-JP" sz="2600" spc="-1" strike="noStrike">
                 <a:latin typeface="Arial"/>
+                <a:ea typeface="游ゴシック"/>
               </a:rPr>
               <a:t>機能要件ないの最低限の機能を実装することが出来た。</a:t>
             </a:r>
@@ -8923,22 +8866,26 @@
             </a:endParaRPr>
           </a:p>
           <a:p>
-            <a:pPr marL="360000" indent="-216000">
+            <a:pPr>
               <a:lnSpc>
                 <a:spcPct val="100000"/>
               </a:lnSpc>
               <a:spcAft>
                 <a:spcPts val="1417"/>
               </a:spcAft>
-              <a:buClr>
-                <a:srgbClr val="000000"/>
-              </a:buClr>
-              <a:buFont typeface="StarSymbol"/>
-              <a:buAutoNum type="arabicPeriod"/>
-            </a:pPr>
+              <a:buNone/>
+            </a:pPr>
+            <a:r>
+              <a:rPr b="1" lang="en-US" sz="2600" spc="-1" strike="noStrike">
+                <a:latin typeface="Arial"/>
+                <a:ea typeface="游ゴシック"/>
+              </a:rPr>
+              <a:t>3.</a:t>
+            </a:r>
             <a:r>
               <a:rPr b="1" lang="ja-JP" sz="2600" spc="-1" strike="noStrike">
                 <a:latin typeface="Arial"/>
+                <a:ea typeface="游ゴシック"/>
               </a:rPr>
               <a:t>成長した点</a:t>
             </a:r>
@@ -8947,28 +8894,26 @@
             </a:endParaRPr>
           </a:p>
           <a:p>
-            <a:pPr marL="360000" indent="-216000">
+            <a:pPr>
               <a:lnSpc>
                 <a:spcPct val="100000"/>
               </a:lnSpc>
               <a:spcAft>
                 <a:spcPts val="1417"/>
               </a:spcAft>
-              <a:buClr>
-                <a:srgbClr val="000000"/>
-              </a:buClr>
-              <a:buFont typeface="StarSymbol"/>
-              <a:buAutoNum type="arabicPeriod"/>
+              <a:buNone/>
             </a:pPr>
             <a:r>
               <a:rPr b="0" lang="ja-JP" sz="2600" spc="-171" strike="noStrike">
                 <a:latin typeface="Arial"/>
+                <a:ea typeface="游ゴシック"/>
               </a:rPr>
               <a:t>・・・</a:t>
             </a:r>
             <a:r>
               <a:rPr b="0" lang="ja-JP" sz="2600" spc="-1" strike="noStrike">
                 <a:latin typeface="Arial"/>
+                <a:ea typeface="游ゴシック"/>
               </a:rPr>
               <a:t>ホウ・レン・ソウをより意識するようになった。</a:t>
             </a:r>
@@ -9021,7 +8966,7 @@
         <p:spPr>
           <a:xfrm>
             <a:off x="360000" y="2116080"/>
-            <a:ext cx="9358560" cy="717480"/>
+            <a:ext cx="9357840" cy="716760"/>
           </a:xfrm>
           <a:prstGeom prst="rect">
             <a:avLst/>
@@ -9115,7 +9060,7 @@
         <p:spPr>
           <a:xfrm>
             <a:off x="360000" y="225720"/>
-            <a:ext cx="9358560" cy="718560"/>
+            <a:ext cx="9357840" cy="717840"/>
           </a:xfrm>
           <a:prstGeom prst="rect">
             <a:avLst/>
@@ -9164,7 +9109,7 @@
         <p:spPr>
           <a:xfrm>
             <a:off x="360000" y="1440000"/>
-            <a:ext cx="9358560" cy="3778560"/>
+            <a:ext cx="9357840" cy="3777840"/>
           </a:xfrm>
           <a:prstGeom prst="rect">
             <a:avLst/>
@@ -9534,7 +9479,7 @@
         <p:spPr>
           <a:xfrm>
             <a:off x="360000" y="225720"/>
-            <a:ext cx="9358560" cy="717480"/>
+            <a:ext cx="9357840" cy="716760"/>
           </a:xfrm>
           <a:prstGeom prst="rect">
             <a:avLst/>
@@ -9600,7 +9545,7 @@
         <p:spPr>
           <a:xfrm>
             <a:off x="360000" y="1260720"/>
-            <a:ext cx="9358560" cy="4139280"/>
+            <a:ext cx="9357840" cy="4138560"/>
           </a:xfrm>
           <a:prstGeom prst="rect">
             <a:avLst/>
@@ -9993,7 +9938,7 @@
         <p:spPr>
           <a:xfrm>
             <a:off x="360000" y="225720"/>
-            <a:ext cx="9358560" cy="717480"/>
+            <a:ext cx="9357840" cy="716760"/>
           </a:xfrm>
           <a:prstGeom prst="rect">
             <a:avLst/>
@@ -10059,7 +10004,7 @@
         <p:spPr>
           <a:xfrm>
             <a:off x="360000" y="1260000"/>
-            <a:ext cx="9358560" cy="3778560"/>
+            <a:ext cx="9357840" cy="3777840"/>
           </a:xfrm>
           <a:prstGeom prst="rect">
             <a:avLst/>
@@ -10376,7 +10321,7 @@
         <p:spPr>
           <a:xfrm>
             <a:off x="360000" y="225720"/>
-            <a:ext cx="9358560" cy="717480"/>
+            <a:ext cx="9357840" cy="716760"/>
           </a:xfrm>
           <a:prstGeom prst="rect">
             <a:avLst/>
@@ -10442,7 +10387,7 @@
         <p:spPr>
           <a:xfrm>
             <a:off x="360000" y="1485000"/>
-            <a:ext cx="9358560" cy="3778560"/>
+            <a:ext cx="9357840" cy="3777840"/>
           </a:xfrm>
           <a:prstGeom prst="rect">
             <a:avLst/>
@@ -10873,7 +10818,7 @@
         <p:spPr>
           <a:xfrm>
             <a:off x="360000" y="225720"/>
-            <a:ext cx="9358560" cy="717480"/>
+            <a:ext cx="9357840" cy="716760"/>
           </a:xfrm>
           <a:prstGeom prst="rect">
             <a:avLst/>
@@ -10939,7 +10884,7 @@
         <p:spPr>
           <a:xfrm>
             <a:off x="252000" y="1377000"/>
-            <a:ext cx="9358560" cy="423000"/>
+            <a:ext cx="9357840" cy="422280"/>
           </a:xfrm>
           <a:prstGeom prst="rect">
             <a:avLst/>
@@ -11190,7 +11135,7 @@
         <p:spPr>
           <a:xfrm>
             <a:off x="360000" y="225720"/>
-            <a:ext cx="9358560" cy="717480"/>
+            <a:ext cx="9357840" cy="716760"/>
           </a:xfrm>
           <a:prstGeom prst="rect">
             <a:avLst/>
@@ -11256,7 +11201,7 @@
         <p:spPr>
           <a:xfrm>
             <a:off x="69840" y="1800000"/>
-            <a:ext cx="3944880" cy="3581640"/>
+            <a:ext cx="3944160" cy="3580920"/>
           </a:xfrm>
           <a:prstGeom prst="rect">
             <a:avLst/>
@@ -11269,30 +11214,46 @@
       <p:sp>
         <p:nvSpPr>
           <p:cNvPr id="178" name=""/>
-          <p:cNvSpPr txBox="1"/>
+          <p:cNvSpPr/>
           <p:nvPr/>
         </p:nvSpPr>
         <p:spPr>
           <a:xfrm>
             <a:off x="0" y="1260000"/>
-            <a:ext cx="2520000" cy="342000"/>
-          </a:xfrm>
-          <a:prstGeom prst="rect">
-            <a:avLst/>
-          </a:prstGeom>
-          <a:noFill/>
-          <a:ln w="0">
-            <a:noFill/>
-          </a:ln>
-        </p:spPr>
+            <a:ext cx="2519280" cy="341280"/>
+          </a:xfrm>
+          <a:prstGeom prst="rect">
+            <a:avLst/>
+          </a:prstGeom>
+          <a:noFill/>
+          <a:ln w="0">
+            <a:noFill/>
+          </a:ln>
+        </p:spPr>
+        <p:style>
+          <a:lnRef idx="0"/>
+          <a:fillRef idx="0"/>
+          <a:effectRef idx="0"/>
+          <a:fontRef idx="minor"/>
+        </p:style>
         <p:txBody>
           <a:bodyPr lIns="90000" rIns="90000" tIns="45000" bIns="45000" anchor="t">
             <a:noAutofit/>
           </a:bodyPr>
           <a:p>
+            <a:pPr>
+              <a:lnSpc>
+                <a:spcPct val="100000"/>
+              </a:lnSpc>
+              <a:buNone/>
+            </a:pPr>
             <a:r>
               <a:rPr b="0" lang="ja-JP" sz="1800" spc="-1" strike="noStrike">
-                <a:latin typeface="Arial"/>
+                <a:solidFill>
+                  <a:srgbClr val="000000"/>
+                </a:solidFill>
+                <a:latin typeface="Arial"/>
+                <a:ea typeface="DejaVu Sans"/>
               </a:rPr>
               <a:t>ユースケース図</a:t>
             </a:r>
@@ -11315,7 +11276,7 @@
         <p:spPr>
           <a:xfrm>
             <a:off x="4793400" y="1529280"/>
-            <a:ext cx="4386600" cy="3824640"/>
+            <a:ext cx="4385880" cy="3823920"/>
           </a:xfrm>
           <a:prstGeom prst="rect">
             <a:avLst/>
@@ -11328,30 +11289,46 @@
       <p:sp>
         <p:nvSpPr>
           <p:cNvPr id="180" name=""/>
-          <p:cNvSpPr txBox="1"/>
+          <p:cNvSpPr/>
           <p:nvPr/>
         </p:nvSpPr>
         <p:spPr>
           <a:xfrm>
             <a:off x="4680000" y="1205280"/>
-            <a:ext cx="2700000" cy="342000"/>
-          </a:xfrm>
-          <a:prstGeom prst="rect">
-            <a:avLst/>
-          </a:prstGeom>
-          <a:noFill/>
-          <a:ln w="0">
-            <a:noFill/>
-          </a:ln>
-        </p:spPr>
+            <a:ext cx="2699280" cy="341280"/>
+          </a:xfrm>
+          <a:prstGeom prst="rect">
+            <a:avLst/>
+          </a:prstGeom>
+          <a:noFill/>
+          <a:ln w="0">
+            <a:noFill/>
+          </a:ln>
+        </p:spPr>
+        <p:style>
+          <a:lnRef idx="0"/>
+          <a:fillRef idx="0"/>
+          <a:effectRef idx="0"/>
+          <a:fontRef idx="minor"/>
+        </p:style>
         <p:txBody>
           <a:bodyPr lIns="90000" rIns="90000" tIns="45000" bIns="45000" anchor="t">
             <a:noAutofit/>
           </a:bodyPr>
           <a:p>
+            <a:pPr>
+              <a:lnSpc>
+                <a:spcPct val="100000"/>
+              </a:lnSpc>
+              <a:buNone/>
+            </a:pPr>
             <a:r>
               <a:rPr b="0" lang="ja-JP" sz="1800" spc="-1" strike="noStrike">
-                <a:latin typeface="Arial"/>
+                <a:solidFill>
+                  <a:srgbClr val="000000"/>
+                </a:solidFill>
+                <a:latin typeface="Arial"/>
+                <a:ea typeface="DejaVu Sans"/>
               </a:rPr>
               <a:t>画面遷移図</a:t>
             </a:r>
@@ -11419,7 +11396,7 @@
         <p:spPr>
           <a:xfrm>
             <a:off x="360000" y="225720"/>
-            <a:ext cx="9358560" cy="717480"/>
+            <a:ext cx="9357840" cy="716760"/>
           </a:xfrm>
           <a:prstGeom prst="rect">
             <a:avLst/>
@@ -11485,7 +11462,7 @@
         <p:spPr>
           <a:xfrm>
             <a:off x="360000" y="1260000"/>
-            <a:ext cx="9358560" cy="540000"/>
+            <a:ext cx="9357840" cy="539280"/>
           </a:xfrm>
           <a:prstGeom prst="rect">
             <a:avLst/>
@@ -11548,12 +11525,13 @@
         </p:nvPicPr>
         <p:blipFill>
           <a:blip r:embed="rId1"/>
+          <a:srcRect l="-138" t="-210" r="0" b="0"/>
           <a:stretch/>
         </p:blipFill>
         <p:spPr>
           <a:xfrm rot="12000">
-            <a:off x="366120" y="2064960"/>
-            <a:ext cx="4138200" cy="3598560"/>
+            <a:off x="360000" y="2057400"/>
+            <a:ext cx="4143240" cy="3605400"/>
           </a:xfrm>
           <a:prstGeom prst="rect">
             <a:avLst/>
@@ -11566,30 +11544,46 @@
       <p:sp>
         <p:nvSpPr>
           <p:cNvPr id="184" name=""/>
-          <p:cNvSpPr txBox="1"/>
+          <p:cNvSpPr/>
           <p:nvPr/>
         </p:nvSpPr>
         <p:spPr>
           <a:xfrm>
             <a:off x="360000" y="1715760"/>
-            <a:ext cx="1980000" cy="342000"/>
-          </a:xfrm>
-          <a:prstGeom prst="rect">
-            <a:avLst/>
-          </a:prstGeom>
-          <a:noFill/>
-          <a:ln w="0">
-            <a:noFill/>
-          </a:ln>
-        </p:spPr>
+            <a:ext cx="1979280" cy="341280"/>
+          </a:xfrm>
+          <a:prstGeom prst="rect">
+            <a:avLst/>
+          </a:prstGeom>
+          <a:noFill/>
+          <a:ln w="0">
+            <a:noFill/>
+          </a:ln>
+        </p:spPr>
+        <p:style>
+          <a:lnRef idx="0"/>
+          <a:fillRef idx="0"/>
+          <a:effectRef idx="0"/>
+          <a:fontRef idx="minor"/>
+        </p:style>
         <p:txBody>
           <a:bodyPr lIns="90000" rIns="90000" tIns="45000" bIns="45000" anchor="t">
             <a:noAutofit/>
           </a:bodyPr>
           <a:p>
+            <a:pPr>
+              <a:lnSpc>
+                <a:spcPct val="100000"/>
+              </a:lnSpc>
+              <a:buNone/>
+            </a:pPr>
             <a:r>
               <a:rPr b="0" lang="ja-JP" sz="1800" spc="-1" strike="noStrike">
-                <a:latin typeface="Arial"/>
+                <a:solidFill>
+                  <a:srgbClr val="000000"/>
+                </a:solidFill>
+                <a:latin typeface="Arial"/>
+                <a:ea typeface="DejaVu Sans"/>
               </a:rPr>
               <a:t>クラス設計書</a:t>
             </a:r>
@@ -11602,30 +11596,46 @@
       <p:sp>
         <p:nvSpPr>
           <p:cNvPr id="185" name=""/>
-          <p:cNvSpPr txBox="1"/>
+          <p:cNvSpPr/>
           <p:nvPr/>
         </p:nvSpPr>
         <p:spPr>
           <a:xfrm>
             <a:off x="4680000" y="1800000"/>
-            <a:ext cx="2700000" cy="342000"/>
-          </a:xfrm>
-          <a:prstGeom prst="rect">
-            <a:avLst/>
-          </a:prstGeom>
-          <a:noFill/>
-          <a:ln w="0">
-            <a:noFill/>
-          </a:ln>
-        </p:spPr>
+            <a:ext cx="2699280" cy="341280"/>
+          </a:xfrm>
+          <a:prstGeom prst="rect">
+            <a:avLst/>
+          </a:prstGeom>
+          <a:noFill/>
+          <a:ln w="0">
+            <a:noFill/>
+          </a:ln>
+        </p:spPr>
+        <p:style>
+          <a:lnRef idx="0"/>
+          <a:fillRef idx="0"/>
+          <a:effectRef idx="0"/>
+          <a:fontRef idx="minor"/>
+        </p:style>
         <p:txBody>
           <a:bodyPr lIns="90000" rIns="90000" tIns="45000" bIns="45000" anchor="t">
             <a:noAutofit/>
           </a:bodyPr>
           <a:p>
+            <a:pPr>
+              <a:lnSpc>
+                <a:spcPct val="100000"/>
+              </a:lnSpc>
+              <a:buNone/>
+            </a:pPr>
             <a:r>
               <a:rPr b="0" lang="ja-JP" sz="1800" spc="-1" strike="noStrike">
-                <a:latin typeface="Arial"/>
+                <a:solidFill>
+                  <a:srgbClr val="000000"/>
+                </a:solidFill>
+                <a:latin typeface="Arial"/>
+                <a:ea typeface="DejaVu Sans"/>
               </a:rPr>
               <a:t>テーブル設計書</a:t>
             </a:r>
@@ -11648,7 +11658,7 @@
         <p:spPr>
           <a:xfrm>
             <a:off x="4857840" y="2051280"/>
-            <a:ext cx="4142160" cy="3622680"/>
+            <a:ext cx="4141440" cy="3621960"/>
           </a:xfrm>
           <a:prstGeom prst="rect">
             <a:avLst/>
@@ -11716,7 +11726,7 @@
         <p:spPr>
           <a:xfrm>
             <a:off x="360000" y="225720"/>
-            <a:ext cx="9358560" cy="717480"/>
+            <a:ext cx="9357840" cy="716760"/>
           </a:xfrm>
           <a:prstGeom prst="rect">
             <a:avLst/>
@@ -11782,7 +11792,7 @@
         <p:spPr>
           <a:xfrm>
             <a:off x="360000" y="1485000"/>
-            <a:ext cx="9358560" cy="3778560"/>
+            <a:ext cx="9357840" cy="3777840"/>
           </a:xfrm>
           <a:prstGeom prst="rect">
             <a:avLst/>
@@ -11908,7 +11918,7 @@
         <p:spPr>
           <a:xfrm>
             <a:off x="3060000" y="2160000"/>
-            <a:ext cx="2742840" cy="3330000"/>
+            <a:ext cx="2742120" cy="3329280"/>
           </a:xfrm>
           <a:prstGeom prst="rect">
             <a:avLst/>

--- a/発表用スライド(清水作成版).pptx
+++ b/発表用スライド(清水作成版).pptx
@@ -80,7 +80,7 @@
         <p:spPr>
           <a:xfrm>
             <a:off x="360000" y="2835000"/>
-            <a:ext cx="9357840" cy="716760"/>
+            <a:ext cx="9357480" cy="716400"/>
           </a:xfrm>
           <a:prstGeom prst="rect">
             <a:avLst/>
@@ -207,7 +207,7 @@
         <p:spPr>
           <a:xfrm>
             <a:off x="360000" y="2835000"/>
-            <a:ext cx="9357840" cy="716760"/>
+            <a:ext cx="9357480" cy="716400"/>
           </a:xfrm>
           <a:prstGeom prst="rect">
             <a:avLst/>
@@ -402,7 +402,7 @@
         <p:spPr>
           <a:xfrm>
             <a:off x="360000" y="2835000"/>
-            <a:ext cx="9357840" cy="716760"/>
+            <a:ext cx="9357480" cy="716400"/>
           </a:xfrm>
           <a:prstGeom prst="rect">
             <a:avLst/>
@@ -687,7 +687,7 @@
         <p:spPr>
           <a:xfrm>
             <a:off x="360000" y="2835000"/>
-            <a:ext cx="9357840" cy="716760"/>
+            <a:ext cx="9357480" cy="716400"/>
           </a:xfrm>
           <a:prstGeom prst="rect">
             <a:avLst/>
@@ -783,7 +783,7 @@
         <p:spPr>
           <a:xfrm>
             <a:off x="360000" y="2835000"/>
-            <a:ext cx="9357840" cy="716760"/>
+            <a:ext cx="9357480" cy="716400"/>
           </a:xfrm>
           <a:prstGeom prst="rect">
             <a:avLst/>
@@ -876,7 +876,7 @@
         <p:spPr>
           <a:xfrm>
             <a:off x="360000" y="2835000"/>
-            <a:ext cx="9357840" cy="716760"/>
+            <a:ext cx="9357480" cy="716400"/>
           </a:xfrm>
           <a:prstGeom prst="rect">
             <a:avLst/>
@@ -1003,7 +1003,7 @@
         <p:spPr>
           <a:xfrm>
             <a:off x="360000" y="2835000"/>
-            <a:ext cx="9357840" cy="716760"/>
+            <a:ext cx="9357480" cy="716400"/>
           </a:xfrm>
           <a:prstGeom prst="rect">
             <a:avLst/>
@@ -1062,7 +1062,7 @@
         <p:spPr>
           <a:xfrm>
             <a:off x="360000" y="2835000"/>
-            <a:ext cx="9357840" cy="3323880"/>
+            <a:ext cx="9357480" cy="3322080"/>
           </a:xfrm>
           <a:prstGeom prst="rect">
             <a:avLst/>
@@ -1121,7 +1121,7 @@
         <p:spPr>
           <a:xfrm>
             <a:off x="360000" y="2835000"/>
-            <a:ext cx="9357840" cy="716760"/>
+            <a:ext cx="9357480" cy="716400"/>
           </a:xfrm>
           <a:prstGeom prst="rect">
             <a:avLst/>
@@ -1282,7 +1282,7 @@
         <p:spPr>
           <a:xfrm>
             <a:off x="360000" y="2835000"/>
-            <a:ext cx="9357840" cy="716760"/>
+            <a:ext cx="9357480" cy="716400"/>
           </a:xfrm>
           <a:prstGeom prst="rect">
             <a:avLst/>
@@ -1378,7 +1378,7 @@
         <p:spPr>
           <a:xfrm>
             <a:off x="360000" y="2835000"/>
-            <a:ext cx="9357840" cy="716760"/>
+            <a:ext cx="9357480" cy="716400"/>
           </a:xfrm>
           <a:prstGeom prst="rect">
             <a:avLst/>
@@ -1539,7 +1539,7 @@
         <p:spPr>
           <a:xfrm>
             <a:off x="360000" y="2835000"/>
-            <a:ext cx="9357840" cy="716760"/>
+            <a:ext cx="9357480" cy="716400"/>
           </a:xfrm>
           <a:prstGeom prst="rect">
             <a:avLst/>
@@ -1700,7 +1700,7 @@
         <p:spPr>
           <a:xfrm>
             <a:off x="360000" y="2835000"/>
-            <a:ext cx="9357840" cy="716760"/>
+            <a:ext cx="9357480" cy="716400"/>
           </a:xfrm>
           <a:prstGeom prst="rect">
             <a:avLst/>
@@ -1827,7 +1827,7 @@
         <p:spPr>
           <a:xfrm>
             <a:off x="360000" y="2835000"/>
-            <a:ext cx="9357840" cy="716760"/>
+            <a:ext cx="9357480" cy="716400"/>
           </a:xfrm>
           <a:prstGeom prst="rect">
             <a:avLst/>
@@ -2022,7 +2022,7 @@
         <p:spPr>
           <a:xfrm>
             <a:off x="360000" y="2835000"/>
-            <a:ext cx="9357840" cy="716760"/>
+            <a:ext cx="9357480" cy="716400"/>
           </a:xfrm>
           <a:prstGeom prst="rect">
             <a:avLst/>
@@ -2307,7 +2307,7 @@
         <p:spPr>
           <a:xfrm>
             <a:off x="360000" y="2835000"/>
-            <a:ext cx="9357840" cy="716760"/>
+            <a:ext cx="9357480" cy="716400"/>
           </a:xfrm>
           <a:prstGeom prst="rect">
             <a:avLst/>
@@ -2403,7 +2403,7 @@
         <p:spPr>
           <a:xfrm>
             <a:off x="360000" y="2835000"/>
-            <a:ext cx="9357840" cy="716760"/>
+            <a:ext cx="9357480" cy="716400"/>
           </a:xfrm>
           <a:prstGeom prst="rect">
             <a:avLst/>
@@ -2496,7 +2496,7 @@
         <p:spPr>
           <a:xfrm>
             <a:off x="360000" y="2835000"/>
-            <a:ext cx="9357840" cy="716760"/>
+            <a:ext cx="9357480" cy="716400"/>
           </a:xfrm>
           <a:prstGeom prst="rect">
             <a:avLst/>
@@ -2623,7 +2623,7 @@
         <p:spPr>
           <a:xfrm>
             <a:off x="360000" y="2835000"/>
-            <a:ext cx="9357840" cy="716760"/>
+            <a:ext cx="9357480" cy="716400"/>
           </a:xfrm>
           <a:prstGeom prst="rect">
             <a:avLst/>
@@ -2682,7 +2682,7 @@
         <p:spPr>
           <a:xfrm>
             <a:off x="360000" y="2835000"/>
-            <a:ext cx="9357840" cy="716760"/>
+            <a:ext cx="9357480" cy="716400"/>
           </a:xfrm>
           <a:prstGeom prst="rect">
             <a:avLst/>
@@ -2775,7 +2775,7 @@
         <p:spPr>
           <a:xfrm>
             <a:off x="360000" y="2835000"/>
-            <a:ext cx="9357840" cy="3323880"/>
+            <a:ext cx="9357480" cy="3322080"/>
           </a:xfrm>
           <a:prstGeom prst="rect">
             <a:avLst/>
@@ -2834,7 +2834,7 @@
         <p:spPr>
           <a:xfrm>
             <a:off x="360000" y="2835000"/>
-            <a:ext cx="9357840" cy="716760"/>
+            <a:ext cx="9357480" cy="716400"/>
           </a:xfrm>
           <a:prstGeom prst="rect">
             <a:avLst/>
@@ -2995,7 +2995,7 @@
         <p:spPr>
           <a:xfrm>
             <a:off x="360000" y="2835000"/>
-            <a:ext cx="9357840" cy="716760"/>
+            <a:ext cx="9357480" cy="716400"/>
           </a:xfrm>
           <a:prstGeom prst="rect">
             <a:avLst/>
@@ -3156,7 +3156,7 @@
         <p:spPr>
           <a:xfrm>
             <a:off x="360000" y="2835000"/>
-            <a:ext cx="9357840" cy="716760"/>
+            <a:ext cx="9357480" cy="716400"/>
           </a:xfrm>
           <a:prstGeom prst="rect">
             <a:avLst/>
@@ -3317,7 +3317,7 @@
         <p:spPr>
           <a:xfrm>
             <a:off x="360000" y="2835000"/>
-            <a:ext cx="9357840" cy="716760"/>
+            <a:ext cx="9357480" cy="716400"/>
           </a:xfrm>
           <a:prstGeom prst="rect">
             <a:avLst/>
@@ -3444,7 +3444,7 @@
         <p:spPr>
           <a:xfrm>
             <a:off x="360000" y="2835000"/>
-            <a:ext cx="9357840" cy="716760"/>
+            <a:ext cx="9357480" cy="716400"/>
           </a:xfrm>
           <a:prstGeom prst="rect">
             <a:avLst/>
@@ -3639,7 +3639,7 @@
         <p:spPr>
           <a:xfrm>
             <a:off x="360000" y="2835000"/>
-            <a:ext cx="9357840" cy="716760"/>
+            <a:ext cx="9357480" cy="716400"/>
           </a:xfrm>
           <a:prstGeom prst="rect">
             <a:avLst/>
@@ -3924,7 +3924,7 @@
         <p:spPr>
           <a:xfrm>
             <a:off x="360000" y="2835000"/>
-            <a:ext cx="9357840" cy="716760"/>
+            <a:ext cx="9357480" cy="716400"/>
           </a:xfrm>
           <a:prstGeom prst="rect">
             <a:avLst/>
@@ -4020,7 +4020,7 @@
         <p:spPr>
           <a:xfrm>
             <a:off x="360000" y="2835000"/>
-            <a:ext cx="9357840" cy="716760"/>
+            <a:ext cx="9357480" cy="716400"/>
           </a:xfrm>
           <a:prstGeom prst="rect">
             <a:avLst/>
@@ -4113,7 +4113,7 @@
         <p:spPr>
           <a:xfrm>
             <a:off x="360000" y="2835000"/>
-            <a:ext cx="9357840" cy="716760"/>
+            <a:ext cx="9357480" cy="716400"/>
           </a:xfrm>
           <a:prstGeom prst="rect">
             <a:avLst/>
@@ -4240,7 +4240,7 @@
         <p:spPr>
           <a:xfrm>
             <a:off x="360000" y="2835000"/>
-            <a:ext cx="9357840" cy="716760"/>
+            <a:ext cx="9357480" cy="716400"/>
           </a:xfrm>
           <a:prstGeom prst="rect">
             <a:avLst/>
@@ -4367,7 +4367,7 @@
         <p:spPr>
           <a:xfrm>
             <a:off x="360000" y="2835000"/>
-            <a:ext cx="9357840" cy="716760"/>
+            <a:ext cx="9357480" cy="716400"/>
           </a:xfrm>
           <a:prstGeom prst="rect">
             <a:avLst/>
@@ -4426,7 +4426,7 @@
         <p:spPr>
           <a:xfrm>
             <a:off x="360000" y="2835000"/>
-            <a:ext cx="9357840" cy="3323880"/>
+            <a:ext cx="9357480" cy="3322080"/>
           </a:xfrm>
           <a:prstGeom prst="rect">
             <a:avLst/>
@@ -4485,7 +4485,7 @@
         <p:spPr>
           <a:xfrm>
             <a:off x="360000" y="2835000"/>
-            <a:ext cx="9357840" cy="716760"/>
+            <a:ext cx="9357480" cy="716400"/>
           </a:xfrm>
           <a:prstGeom prst="rect">
             <a:avLst/>
@@ -4646,7 +4646,7 @@
         <p:spPr>
           <a:xfrm>
             <a:off x="360000" y="2835000"/>
-            <a:ext cx="9357840" cy="716760"/>
+            <a:ext cx="9357480" cy="716400"/>
           </a:xfrm>
           <a:prstGeom prst="rect">
             <a:avLst/>
@@ -4807,7 +4807,7 @@
         <p:spPr>
           <a:xfrm>
             <a:off x="360000" y="2835000"/>
-            <a:ext cx="9357840" cy="716760"/>
+            <a:ext cx="9357480" cy="716400"/>
           </a:xfrm>
           <a:prstGeom prst="rect">
             <a:avLst/>
@@ -4968,7 +4968,7 @@
         <p:spPr>
           <a:xfrm>
             <a:off x="360000" y="2835000"/>
-            <a:ext cx="9357840" cy="716760"/>
+            <a:ext cx="9357480" cy="716400"/>
           </a:xfrm>
           <a:prstGeom prst="rect">
             <a:avLst/>
@@ -5095,7 +5095,7 @@
         <p:spPr>
           <a:xfrm>
             <a:off x="360000" y="2835000"/>
-            <a:ext cx="9357840" cy="716760"/>
+            <a:ext cx="9357480" cy="716400"/>
           </a:xfrm>
           <a:prstGeom prst="rect">
             <a:avLst/>
@@ -5290,7 +5290,7 @@
         <p:spPr>
           <a:xfrm>
             <a:off x="360000" y="2835000"/>
-            <a:ext cx="9357840" cy="716760"/>
+            <a:ext cx="9357480" cy="716400"/>
           </a:xfrm>
           <a:prstGeom prst="rect">
             <a:avLst/>
@@ -5553,7 +5553,7 @@
         <p:spPr>
           <a:xfrm>
             <a:off x="360000" y="2835000"/>
-            <a:ext cx="9357840" cy="716760"/>
+            <a:ext cx="9357480" cy="716400"/>
           </a:xfrm>
           <a:prstGeom prst="rect">
             <a:avLst/>
@@ -5612,7 +5612,7 @@
         <p:spPr>
           <a:xfrm>
             <a:off x="360000" y="2835000"/>
-            <a:ext cx="9357840" cy="3323880"/>
+            <a:ext cx="9357480" cy="3322080"/>
           </a:xfrm>
           <a:prstGeom prst="rect">
             <a:avLst/>
@@ -5671,7 +5671,7 @@
         <p:spPr>
           <a:xfrm>
             <a:off x="360000" y="2835000"/>
-            <a:ext cx="9357840" cy="716760"/>
+            <a:ext cx="9357480" cy="716400"/>
           </a:xfrm>
           <a:prstGeom prst="rect">
             <a:avLst/>
@@ -5832,7 +5832,7 @@
         <p:spPr>
           <a:xfrm>
             <a:off x="360000" y="2835000"/>
-            <a:ext cx="9357840" cy="716760"/>
+            <a:ext cx="9357480" cy="716400"/>
           </a:xfrm>
           <a:prstGeom prst="rect">
             <a:avLst/>
@@ -5993,7 +5993,7 @@
         <p:spPr>
           <a:xfrm>
             <a:off x="360000" y="2835000"/>
-            <a:ext cx="9357840" cy="716760"/>
+            <a:ext cx="9357480" cy="716400"/>
           </a:xfrm>
           <a:prstGeom prst="rect">
             <a:avLst/>
@@ -6150,7 +6150,7 @@
         <p:spPr>
           <a:xfrm>
             <a:off x="0" y="0"/>
-            <a:ext cx="10077840" cy="5667840"/>
+            <a:ext cx="10077480" cy="5667480"/>
           </a:xfrm>
           <a:prstGeom prst="rect">
             <a:avLst/>
@@ -6178,7 +6178,7 @@
         <p:spPr>
           <a:xfrm>
             <a:off x="0" y="0"/>
-            <a:ext cx="10077840" cy="3777840"/>
+            <a:ext cx="10077480" cy="3777480"/>
           </a:xfrm>
           <a:prstGeom prst="rect">
             <a:avLst/>
@@ -6508,7 +6508,7 @@
         <p:spPr>
           <a:xfrm>
             <a:off x="0" y="5400000"/>
-            <a:ext cx="10077840" cy="267840"/>
+            <a:ext cx="10077480" cy="267480"/>
           </a:xfrm>
           <a:prstGeom prst="rect">
             <a:avLst/>
@@ -6536,7 +6536,7 @@
         <p:spPr>
           <a:xfrm>
             <a:off x="0" y="0"/>
-            <a:ext cx="10077840" cy="1212840"/>
+            <a:ext cx="10077480" cy="1212480"/>
           </a:xfrm>
           <a:prstGeom prst="rect">
             <a:avLst/>
@@ -6564,7 +6564,7 @@
         <p:spPr>
           <a:xfrm>
             <a:off x="9315000" y="5175000"/>
-            <a:ext cx="447840" cy="447840"/>
+            <a:ext cx="447480" cy="447480"/>
           </a:xfrm>
           <a:prstGeom prst="ellipse">
             <a:avLst/>
@@ -6595,7 +6595,7 @@
         <p:spPr>
           <a:xfrm>
             <a:off x="9180000" y="5130000"/>
-            <a:ext cx="717840" cy="537840"/>
+            <a:ext cx="717480" cy="537480"/>
           </a:xfrm>
           <a:prstGeom prst="rect">
             <a:avLst/>
@@ -6622,7 +6622,7 @@
               </a:lnSpc>
               <a:buNone/>
             </a:pPr>
-            <a:fld id="{BEE63F87-2D9B-4047-A6E3-191EA3AB52EB}" type="slidenum">
+            <a:fld id="{4F1C8E06-5670-4A9F-AB5D-9D0210FCD90B}" type="slidenum">
               <a:rPr b="1" lang="en-US" sz="1800" spc="-1" strike="noStrike">
                 <a:solidFill>
                   <a:srgbClr val="ffffff"/>
@@ -6946,7 +6946,7 @@
         <p:spPr>
           <a:xfrm>
             <a:off x="0" y="5400000"/>
-            <a:ext cx="10077840" cy="267840"/>
+            <a:ext cx="10077480" cy="267480"/>
           </a:xfrm>
           <a:prstGeom prst="rect">
             <a:avLst/>
@@ -6974,7 +6974,7 @@
         <p:spPr>
           <a:xfrm>
             <a:off x="0" y="0"/>
-            <a:ext cx="10077840" cy="1212840"/>
+            <a:ext cx="10077480" cy="1212480"/>
           </a:xfrm>
           <a:prstGeom prst="rect">
             <a:avLst/>
@@ -7002,7 +7002,7 @@
         <p:spPr>
           <a:xfrm>
             <a:off x="9315000" y="5175000"/>
-            <a:ext cx="447840" cy="447840"/>
+            <a:ext cx="447480" cy="447480"/>
           </a:xfrm>
           <a:prstGeom prst="ellipse">
             <a:avLst/>
@@ -7033,7 +7033,7 @@
         <p:spPr>
           <a:xfrm>
             <a:off x="9180000" y="5130000"/>
-            <a:ext cx="717840" cy="537840"/>
+            <a:ext cx="717480" cy="537480"/>
           </a:xfrm>
           <a:prstGeom prst="rect">
             <a:avLst/>
@@ -7060,7 +7060,7 @@
               </a:lnSpc>
               <a:buNone/>
             </a:pPr>
-            <a:fld id="{EB44F69E-FF29-468E-A8AE-FB7BBD3C45FE}" type="slidenum">
+            <a:fld id="{D9E4768C-E2A4-468A-91F7-21EB5AA38E2A}" type="slidenum">
               <a:rPr b="1" lang="en-US" sz="1800" spc="-1" strike="noStrike">
                 <a:solidFill>
                   <a:srgbClr val="ffffff"/>
@@ -7384,7 +7384,7 @@
         <p:spPr>
           <a:xfrm>
             <a:off x="0" y="0"/>
-            <a:ext cx="10077840" cy="5667840"/>
+            <a:ext cx="10077480" cy="5667480"/>
           </a:xfrm>
           <a:prstGeom prst="rect">
             <a:avLst/>
@@ -7412,7 +7412,7 @@
         <p:spPr>
           <a:xfrm>
             <a:off x="0" y="0"/>
-            <a:ext cx="10077840" cy="3777840"/>
+            <a:ext cx="10077480" cy="3777480"/>
           </a:xfrm>
           <a:prstGeom prst="rect">
             <a:avLst/>
@@ -7447,7 +7447,7 @@
         <p:spPr>
           <a:xfrm>
             <a:off x="360000" y="2835000"/>
-            <a:ext cx="9357840" cy="716760"/>
+            <a:ext cx="9357480" cy="716400"/>
           </a:xfrm>
           <a:prstGeom prst="rect">
             <a:avLst/>
@@ -7750,7 +7750,7 @@
         <p:spPr>
           <a:xfrm>
             <a:off x="360000" y="900000"/>
-            <a:ext cx="9357840" cy="2651760"/>
+            <a:ext cx="9357480" cy="2651400"/>
           </a:xfrm>
           <a:prstGeom prst="rect">
             <a:avLst/>
@@ -7799,7 +7799,7 @@
         <p:spPr>
           <a:xfrm>
             <a:off x="360000" y="3915000"/>
-            <a:ext cx="9357840" cy="1482840"/>
+            <a:ext cx="9357480" cy="1482480"/>
           </a:xfrm>
           <a:prstGeom prst="rect">
             <a:avLst/>
@@ -7893,7 +7893,7 @@
         <p:spPr>
           <a:xfrm>
             <a:off x="360000" y="225720"/>
-            <a:ext cx="9357840" cy="716760"/>
+            <a:ext cx="9357480" cy="716400"/>
           </a:xfrm>
           <a:prstGeom prst="rect">
             <a:avLst/>
@@ -7959,7 +7959,7 @@
         <p:spPr>
           <a:xfrm>
             <a:off x="360000" y="1621440"/>
-            <a:ext cx="9357840" cy="3777840"/>
+            <a:ext cx="9357480" cy="3777480"/>
           </a:xfrm>
           <a:prstGeom prst="rect">
             <a:avLst/>
@@ -8127,7 +8127,7 @@
         <p:spPr>
           <a:xfrm>
             <a:off x="360000" y="225720"/>
-            <a:ext cx="9357840" cy="716760"/>
+            <a:ext cx="9357480" cy="716400"/>
           </a:xfrm>
           <a:prstGeom prst="rect">
             <a:avLst/>
@@ -8193,7 +8193,7 @@
         <p:spPr>
           <a:xfrm>
             <a:off x="360000" y="1261440"/>
-            <a:ext cx="9357840" cy="3777840"/>
+            <a:ext cx="9357480" cy="3777480"/>
           </a:xfrm>
           <a:prstGeom prst="rect">
             <a:avLst/>
@@ -8410,7 +8410,7 @@
         <p:spPr>
           <a:xfrm>
             <a:off x="360000" y="225720"/>
-            <a:ext cx="9357840" cy="716760"/>
+            <a:ext cx="9357480" cy="716400"/>
           </a:xfrm>
           <a:prstGeom prst="rect">
             <a:avLst/>
@@ -8476,7 +8476,7 @@
         <p:spPr>
           <a:xfrm>
             <a:off x="360000" y="1485000"/>
-            <a:ext cx="9357840" cy="3777840"/>
+            <a:ext cx="9357480" cy="3777480"/>
           </a:xfrm>
           <a:prstGeom prst="rect">
             <a:avLst/>
@@ -8677,7 +8677,7 @@
         <p:spPr>
           <a:xfrm>
             <a:off x="360000" y="225720"/>
-            <a:ext cx="9357840" cy="716760"/>
+            <a:ext cx="9357480" cy="716400"/>
           </a:xfrm>
           <a:prstGeom prst="rect">
             <a:avLst/>
@@ -8722,7 +8722,7 @@
                 </a:solidFill>
                 <a:latin typeface="Source Sans Pro Black"/>
               </a:rPr>
-              <a:t>学んだ点、良くできた、成長した点</a:t>
+              <a:t>学んだ点、良くできた点、成長した点</a:t>
             </a:r>
             <a:endParaRPr b="0" lang="en-US" sz="2700" spc="-1" strike="noStrike">
               <a:latin typeface="Arial"/>
@@ -8743,7 +8743,7 @@
         <p:spPr>
           <a:xfrm>
             <a:off x="182160" y="1440000"/>
-            <a:ext cx="10077840" cy="3777840"/>
+            <a:ext cx="10077480" cy="3777480"/>
           </a:xfrm>
           <a:prstGeom prst="rect">
             <a:avLst/>
@@ -8859,7 +8859,7 @@
                 <a:latin typeface="Arial"/>
                 <a:ea typeface="游ゴシック"/>
               </a:rPr>
-              <a:t>機能要件ないの最低限の機能を実装することが出来た。</a:t>
+              <a:t>機能要件内の最低限の機能を実装することが出来た。</a:t>
             </a:r>
             <a:endParaRPr b="0" lang="en-US" sz="2600" spc="-1" strike="noStrike">
               <a:latin typeface="Arial"/>
@@ -8966,7 +8966,7 @@
         <p:spPr>
           <a:xfrm>
             <a:off x="360000" y="2116080"/>
-            <a:ext cx="9357840" cy="716760"/>
+            <a:ext cx="9357480" cy="716400"/>
           </a:xfrm>
           <a:prstGeom prst="rect">
             <a:avLst/>
@@ -9060,7 +9060,7 @@
         <p:spPr>
           <a:xfrm>
             <a:off x="360000" y="225720"/>
-            <a:ext cx="9357840" cy="717840"/>
+            <a:ext cx="9357480" cy="717480"/>
           </a:xfrm>
           <a:prstGeom prst="rect">
             <a:avLst/>
@@ -9109,7 +9109,7 @@
         <p:spPr>
           <a:xfrm>
             <a:off x="360000" y="1440000"/>
-            <a:ext cx="9357840" cy="3777840"/>
+            <a:ext cx="9357480" cy="3777480"/>
           </a:xfrm>
           <a:prstGeom prst="rect">
             <a:avLst/>
@@ -9479,7 +9479,7 @@
         <p:spPr>
           <a:xfrm>
             <a:off x="360000" y="225720"/>
-            <a:ext cx="9357840" cy="716760"/>
+            <a:ext cx="9357480" cy="716400"/>
           </a:xfrm>
           <a:prstGeom prst="rect">
             <a:avLst/>
@@ -9545,7 +9545,7 @@
         <p:spPr>
           <a:xfrm>
             <a:off x="360000" y="1260720"/>
-            <a:ext cx="9357840" cy="4138560"/>
+            <a:ext cx="9357480" cy="4138200"/>
           </a:xfrm>
           <a:prstGeom prst="rect">
             <a:avLst/>
@@ -9938,7 +9938,7 @@
         <p:spPr>
           <a:xfrm>
             <a:off x="360000" y="225720"/>
-            <a:ext cx="9357840" cy="716760"/>
+            <a:ext cx="9357480" cy="716400"/>
           </a:xfrm>
           <a:prstGeom prst="rect">
             <a:avLst/>
@@ -10004,7 +10004,7 @@
         <p:spPr>
           <a:xfrm>
             <a:off x="360000" y="1260000"/>
-            <a:ext cx="9357840" cy="3777840"/>
+            <a:ext cx="9357480" cy="3777480"/>
           </a:xfrm>
           <a:prstGeom prst="rect">
             <a:avLst/>
@@ -10032,7 +10032,7 @@
                 </a:solidFill>
                 <a:latin typeface="Source Sans Pro"/>
               </a:rPr>
-              <a:t>馬郡大誠（プロジェクトリーダー）・・・</a:t>
+              <a:t>馬郡大誠（プロジェクトリーダー）・・・完成を目指す。</a:t>
             </a:r>
             <a:endParaRPr b="0" lang="en-US" sz="2000" spc="-1" strike="noStrike">
               <a:latin typeface="Arial"/>
@@ -10193,7 +10193,126 @@
                 </a:solidFill>
                 <a:latin typeface="Source Sans Pro"/>
               </a:rPr>
-              <a:t>杉本龍哉（データベースリーダー）・・・</a:t>
+              <a:t>杉本龍哉（データベースリーダー）・・・データベースとそれに関する設計書の</a:t>
+            </a:r>
+            <a:endParaRPr b="0" lang="en-US" sz="2000" spc="-1" strike="noStrike">
+              <a:latin typeface="Arial"/>
+            </a:endParaRPr>
+          </a:p>
+          <a:p>
+            <a:pPr>
+              <a:lnSpc>
+                <a:spcPct val="100000"/>
+              </a:lnSpc>
+              <a:buNone/>
+            </a:pPr>
+            <a:r>
+              <a:rPr b="0" lang="en-US" sz="2000" spc="-1" strike="noStrike">
+                <a:solidFill>
+                  <a:srgbClr val="2c3e50"/>
+                </a:solidFill>
+                <a:latin typeface="Arial"/>
+              </a:rPr>
+              <a:t>	</a:t>
+            </a:r>
+            <a:r>
+              <a:rPr b="0" lang="en-US" sz="2000" spc="-1" strike="noStrike">
+                <a:solidFill>
+                  <a:srgbClr val="2c3e50"/>
+                </a:solidFill>
+                <a:latin typeface="Arial"/>
+              </a:rPr>
+              <a:t>	</a:t>
+            </a:r>
+            <a:r>
+              <a:rPr b="0" lang="en-US" sz="2000" spc="-1" strike="noStrike">
+                <a:solidFill>
+                  <a:srgbClr val="2c3e50"/>
+                </a:solidFill>
+                <a:latin typeface="Arial"/>
+              </a:rPr>
+              <a:t>	</a:t>
+            </a:r>
+            <a:r>
+              <a:rPr b="0" lang="en-US" sz="2000" spc="-1" strike="noStrike">
+                <a:solidFill>
+                  <a:srgbClr val="2c3e50"/>
+                </a:solidFill>
+                <a:latin typeface="Arial"/>
+              </a:rPr>
+              <a:t>	</a:t>
+            </a:r>
+            <a:r>
+              <a:rPr b="0" lang="en-US" sz="2000" spc="-1" strike="noStrike">
+                <a:solidFill>
+                  <a:srgbClr val="2c3e50"/>
+                </a:solidFill>
+                <a:latin typeface="Arial"/>
+              </a:rPr>
+              <a:t>	</a:t>
+            </a:r>
+            <a:r>
+              <a:rPr b="0" lang="en-US" sz="2000" spc="-1" strike="noStrike">
+                <a:solidFill>
+                  <a:srgbClr val="2c3e50"/>
+                </a:solidFill>
+                <a:latin typeface="Arial"/>
+              </a:rPr>
+              <a:t>	</a:t>
+            </a:r>
+            <a:r>
+              <a:rPr b="0" lang="en-US" sz="2000" spc="-1" strike="noStrike">
+                <a:solidFill>
+                  <a:srgbClr val="2c3e50"/>
+                </a:solidFill>
+                <a:latin typeface="Arial"/>
+              </a:rPr>
+              <a:t>	</a:t>
+            </a:r>
+            <a:r>
+              <a:rPr b="0" lang="en-US" sz="2000" spc="-1" strike="noStrike">
+                <a:solidFill>
+                  <a:srgbClr val="2c3e50"/>
+                </a:solidFill>
+                <a:latin typeface="Arial"/>
+              </a:rPr>
+              <a:t>	</a:t>
+            </a:r>
+            <a:r>
+              <a:rPr b="0" lang="en-US" sz="2000" spc="-1" strike="noStrike">
+                <a:solidFill>
+                  <a:srgbClr val="2c3e50"/>
+                </a:solidFill>
+                <a:latin typeface="Arial"/>
+              </a:rPr>
+              <a:t>	</a:t>
+            </a:r>
+            <a:r>
+              <a:rPr b="0" lang="en-US" sz="2000" spc="-1" strike="noStrike">
+                <a:solidFill>
+                  <a:srgbClr val="2c3e50"/>
+                </a:solidFill>
+                <a:latin typeface="Arial"/>
+              </a:rPr>
+              <a:t>	</a:t>
+            </a:r>
+            <a:r>
+              <a:rPr b="0" lang="en-US" sz="2000" spc="-1" strike="noStrike">
+                <a:solidFill>
+                  <a:srgbClr val="2c3e50"/>
+                </a:solidFill>
+                <a:latin typeface="Arial"/>
+              </a:rPr>
+              <a:t>     </a:t>
+            </a:r>
+            <a:r>
+              <a:rPr b="0" lang="ja-JP" sz="2000" spc="-1" strike="noStrike">
+                <a:solidFill>
+                  <a:srgbClr val="2c3e50"/>
+                </a:solidFill>
+                <a:latin typeface="Arial"/>
+              </a:rPr>
+              <a:t>作成、データベースを使う機能の作成</a:t>
             </a:r>
             <a:endParaRPr b="0" lang="en-US" sz="2000" spc="-1" strike="noStrike">
               <a:latin typeface="Arial"/>
@@ -10224,7 +10343,7 @@
                 </a:solidFill>
                 <a:latin typeface="Source Sans Pro"/>
               </a:rPr>
-              <a:t>辰己屋善旭（ドキュメントリーダー）・・・設計書の作成</a:t>
+              <a:t>辰己屋善旭（ドキュメントリーダー）・・・要件定義書・外部設計書の作成</a:t>
             </a:r>
             <a:endParaRPr b="0" lang="en-US" sz="2000" spc="-1" strike="noStrike">
               <a:latin typeface="Arial"/>
@@ -10256,6 +10375,44 @@
                 <a:latin typeface="Source Sans Pro"/>
               </a:rPr>
               <a:t>田尻鈴香（テストリーダー）・・・</a:t>
+            </a:r>
+            <a:r>
+              <a:rPr b="0" lang="en-US" sz="2000" spc="-1" strike="noStrike">
+                <a:solidFill>
+                  <a:srgbClr val="2c3e50"/>
+                </a:solidFill>
+                <a:latin typeface="Source Sans Pro"/>
+              </a:rPr>
+              <a:t>1</a:t>
+            </a:r>
+            <a:r>
+              <a:rPr b="0" lang="ja-JP" sz="2000" spc="-1" strike="noStrike">
+                <a:solidFill>
+                  <a:srgbClr val="2c3e50"/>
+                </a:solidFill>
+                <a:latin typeface="Source Sans Pro"/>
+              </a:rPr>
+              <a:t>つ以上の機能の作成</a:t>
+            </a:r>
+            <a:endParaRPr b="0" lang="en-US" sz="2000" spc="-1" strike="noStrike">
+              <a:latin typeface="Arial"/>
+            </a:endParaRPr>
+          </a:p>
+          <a:p>
+            <a:pPr>
+              <a:lnSpc>
+                <a:spcPct val="100000"/>
+              </a:lnSpc>
+              <a:buNone/>
+            </a:pPr>
+            <a:r>
+              <a:rPr b="0" lang="ja-JP" sz="2000" spc="-1" strike="noStrike">
+                <a:solidFill>
+                  <a:srgbClr val="2c3e50"/>
+                </a:solidFill>
+                <a:latin typeface="Source Sans Pro"/>
+              </a:rPr>
+              <a:t>　　　　　　　　　　　　　　　　システム全体が問題なく動くよう確認</a:t>
             </a:r>
             <a:endParaRPr b="0" lang="en-US" sz="2000" spc="-1" strike="noStrike">
               <a:latin typeface="Arial"/>
@@ -10321,7 +10478,7 @@
         <p:spPr>
           <a:xfrm>
             <a:off x="360000" y="225720"/>
-            <a:ext cx="9357840" cy="716760"/>
+            <a:ext cx="9357480" cy="716400"/>
           </a:xfrm>
           <a:prstGeom prst="rect">
             <a:avLst/>
@@ -10387,7 +10544,7 @@
         <p:spPr>
           <a:xfrm>
             <a:off x="360000" y="1485000"/>
-            <a:ext cx="9357840" cy="3777840"/>
+            <a:ext cx="9357480" cy="3777480"/>
           </a:xfrm>
           <a:prstGeom prst="rect">
             <a:avLst/>
@@ -10818,7 +10975,7 @@
         <p:spPr>
           <a:xfrm>
             <a:off x="360000" y="225720"/>
-            <a:ext cx="9357840" cy="716760"/>
+            <a:ext cx="9357480" cy="716400"/>
           </a:xfrm>
           <a:prstGeom prst="rect">
             <a:avLst/>
@@ -10884,7 +11041,7 @@
         <p:spPr>
           <a:xfrm>
             <a:off x="252000" y="1377000"/>
-            <a:ext cx="9357840" cy="422280"/>
+            <a:ext cx="9357480" cy="421920"/>
           </a:xfrm>
           <a:prstGeom prst="rect">
             <a:avLst/>
@@ -11135,7 +11292,7 @@
         <p:spPr>
           <a:xfrm>
             <a:off x="360000" y="225720"/>
-            <a:ext cx="9357840" cy="716760"/>
+            <a:ext cx="9357480" cy="716400"/>
           </a:xfrm>
           <a:prstGeom prst="rect">
             <a:avLst/>
@@ -11201,7 +11358,7 @@
         <p:spPr>
           <a:xfrm>
             <a:off x="69840" y="1800000"/>
-            <a:ext cx="3944160" cy="3580920"/>
+            <a:ext cx="3943800" cy="3580560"/>
           </a:xfrm>
           <a:prstGeom prst="rect">
             <a:avLst/>
@@ -11220,7 +11377,7 @@
         <p:spPr>
           <a:xfrm>
             <a:off x="0" y="1260000"/>
-            <a:ext cx="2519280" cy="341280"/>
+            <a:ext cx="2518920" cy="340920"/>
           </a:xfrm>
           <a:prstGeom prst="rect">
             <a:avLst/>
@@ -11276,7 +11433,7 @@
         <p:spPr>
           <a:xfrm>
             <a:off x="4793400" y="1529280"/>
-            <a:ext cx="4385880" cy="3823920"/>
+            <a:ext cx="4385520" cy="3823560"/>
           </a:xfrm>
           <a:prstGeom prst="rect">
             <a:avLst/>
@@ -11295,7 +11452,7 @@
         <p:spPr>
           <a:xfrm>
             <a:off x="4680000" y="1205280"/>
-            <a:ext cx="2699280" cy="341280"/>
+            <a:ext cx="2698920" cy="340920"/>
           </a:xfrm>
           <a:prstGeom prst="rect">
             <a:avLst/>
@@ -11396,7 +11553,7 @@
         <p:spPr>
           <a:xfrm>
             <a:off x="360000" y="225720"/>
-            <a:ext cx="9357840" cy="716760"/>
+            <a:ext cx="9357480" cy="716400"/>
           </a:xfrm>
           <a:prstGeom prst="rect">
             <a:avLst/>
@@ -11462,7 +11619,7 @@
         <p:spPr>
           <a:xfrm>
             <a:off x="360000" y="1260000"/>
-            <a:ext cx="9357840" cy="539280"/>
+            <a:ext cx="9357480" cy="538920"/>
           </a:xfrm>
           <a:prstGeom prst="rect">
             <a:avLst/>
@@ -11531,7 +11688,7 @@
         <p:spPr>
           <a:xfrm rot="12000">
             <a:off x="360000" y="2057400"/>
-            <a:ext cx="4143240" cy="3605400"/>
+            <a:ext cx="4142880" cy="3605040"/>
           </a:xfrm>
           <a:prstGeom prst="rect">
             <a:avLst/>
@@ -11550,7 +11707,7 @@
         <p:spPr>
           <a:xfrm>
             <a:off x="360000" y="1715760"/>
-            <a:ext cx="1979280" cy="341280"/>
+            <a:ext cx="1978920" cy="340920"/>
           </a:xfrm>
           <a:prstGeom prst="rect">
             <a:avLst/>
@@ -11602,7 +11759,7 @@
         <p:spPr>
           <a:xfrm>
             <a:off x="4680000" y="1800000"/>
-            <a:ext cx="2699280" cy="341280"/>
+            <a:ext cx="2698920" cy="340920"/>
           </a:xfrm>
           <a:prstGeom prst="rect">
             <a:avLst/>
@@ -11658,7 +11815,7 @@
         <p:spPr>
           <a:xfrm>
             <a:off x="4857840" y="2051280"/>
-            <a:ext cx="4141440" cy="3621960"/>
+            <a:ext cx="4141080" cy="3621600"/>
           </a:xfrm>
           <a:prstGeom prst="rect">
             <a:avLst/>
@@ -11726,7 +11883,7 @@
         <p:spPr>
           <a:xfrm>
             <a:off x="360000" y="225720"/>
-            <a:ext cx="9357840" cy="716760"/>
+            <a:ext cx="9357480" cy="716400"/>
           </a:xfrm>
           <a:prstGeom prst="rect">
             <a:avLst/>
@@ -11792,7 +11949,7 @@
         <p:spPr>
           <a:xfrm>
             <a:off x="360000" y="1485000"/>
-            <a:ext cx="9357840" cy="3777840"/>
+            <a:ext cx="9357480" cy="3777480"/>
           </a:xfrm>
           <a:prstGeom prst="rect">
             <a:avLst/>
@@ -11918,7 +12075,7 @@
         <p:spPr>
           <a:xfrm>
             <a:off x="3060000" y="2160000"/>
-            <a:ext cx="2742120" cy="3329280"/>
+            <a:ext cx="2741760" cy="3328920"/>
           </a:xfrm>
           <a:prstGeom prst="rect">
             <a:avLst/>
